--- a/DataRobot_DM_biz.pptx
+++ b/DataRobot_DM_biz.pptx
@@ -5,7 +5,7 @@
     <p:sldMasterId id="2147483672" r:id="rId1"/>
   </p:sldMasterIdLst>
   <p:notesMasterIdLst>
-    <p:notesMasterId r:id="rId40"/>
+    <p:notesMasterId r:id="rId35"/>
   </p:notesMasterIdLst>
   <p:sldIdLst>
     <p:sldId id="572" r:id="rId2"/>
@@ -27,25 +27,20 @@
     <p:sldId id="394" r:id="rId18"/>
     <p:sldId id="663" r:id="rId19"/>
     <p:sldId id="664" r:id="rId20"/>
-    <p:sldId id="665" r:id="rId21"/>
-    <p:sldId id="666" r:id="rId22"/>
-    <p:sldId id="667" r:id="rId23"/>
-    <p:sldId id="670" r:id="rId24"/>
-    <p:sldId id="668" r:id="rId25"/>
-    <p:sldId id="395" r:id="rId26"/>
-    <p:sldId id="396" r:id="rId27"/>
-    <p:sldId id="397" r:id="rId28"/>
-    <p:sldId id="399" r:id="rId29"/>
-    <p:sldId id="401" r:id="rId30"/>
-    <p:sldId id="402" r:id="rId31"/>
-    <p:sldId id="404" r:id="rId32"/>
-    <p:sldId id="405" r:id="rId33"/>
-    <p:sldId id="407" r:id="rId34"/>
-    <p:sldId id="671" r:id="rId35"/>
-    <p:sldId id="672" r:id="rId36"/>
-    <p:sldId id="673" r:id="rId37"/>
-    <p:sldId id="674" r:id="rId38"/>
-    <p:sldId id="588" r:id="rId39"/>
+    <p:sldId id="670" r:id="rId21"/>
+    <p:sldId id="668" r:id="rId22"/>
+    <p:sldId id="395" r:id="rId23"/>
+    <p:sldId id="396" r:id="rId24"/>
+    <p:sldId id="397" r:id="rId25"/>
+    <p:sldId id="399" r:id="rId26"/>
+    <p:sldId id="401" r:id="rId27"/>
+    <p:sldId id="402" r:id="rId28"/>
+    <p:sldId id="404" r:id="rId29"/>
+    <p:sldId id="405" r:id="rId30"/>
+    <p:sldId id="407" r:id="rId31"/>
+    <p:sldId id="671" r:id="rId32"/>
+    <p:sldId id="672" r:id="rId33"/>
+    <p:sldId id="673" r:id="rId34"/>
   </p:sldIdLst>
   <p:sldSz cx="9144000" cy="6858000" type="screen4x3"/>
   <p:notesSz cx="7010400" cy="9296400"/>
@@ -986,7 +981,7 @@
           <a:p>
             <a:fld id="{ADC303B9-2C3E-4EA0-A819-58B20A5A846C}" type="slidenum">
               <a:rPr lang="en-US" smtClean="0"/>
-              <a:t>25</a:t>
+              <a:t>22</a:t>
             </a:fld>
             <a:endParaRPr lang="en-US"/>
           </a:p>
@@ -1070,7 +1065,7 @@
           <a:p>
             <a:fld id="{ADC303B9-2C3E-4EA0-A819-58B20A5A846C}" type="slidenum">
               <a:rPr lang="en-US" smtClean="0"/>
-              <a:t>26</a:t>
+              <a:t>23</a:t>
             </a:fld>
             <a:endParaRPr lang="en-US"/>
           </a:p>
@@ -1154,7 +1149,7 @@
           <a:p>
             <a:fld id="{ADC303B9-2C3E-4EA0-A819-58B20A5A846C}" type="slidenum">
               <a:rPr lang="en-US" smtClean="0"/>
-              <a:t>27</a:t>
+              <a:t>24</a:t>
             </a:fld>
             <a:endParaRPr lang="en-US"/>
           </a:p>
@@ -1238,7 +1233,7 @@
           <a:p>
             <a:fld id="{ADC303B9-2C3E-4EA0-A819-58B20A5A846C}" type="slidenum">
               <a:rPr lang="en-US" smtClean="0"/>
-              <a:t>28</a:t>
+              <a:t>25</a:t>
             </a:fld>
             <a:endParaRPr lang="en-US"/>
           </a:p>
@@ -1322,7 +1317,7 @@
           <a:p>
             <a:fld id="{ADC303B9-2C3E-4EA0-A819-58B20A5A846C}" type="slidenum">
               <a:rPr lang="en-US" smtClean="0"/>
-              <a:t>29</a:t>
+              <a:t>26</a:t>
             </a:fld>
             <a:endParaRPr lang="en-US"/>
           </a:p>
@@ -1406,7 +1401,7 @@
           <a:p>
             <a:fld id="{ADC303B9-2C3E-4EA0-A819-58B20A5A846C}" type="slidenum">
               <a:rPr lang="en-US" smtClean="0"/>
-              <a:t>30</a:t>
+              <a:t>27</a:t>
             </a:fld>
             <a:endParaRPr lang="en-US"/>
           </a:p>
@@ -1574,7 +1569,7 @@
           <a:p>
             <a:fld id="{ADC303B9-2C3E-4EA0-A819-58B20A5A846C}" type="slidenum">
               <a:rPr lang="en-US" smtClean="0"/>
-              <a:t>31</a:t>
+              <a:t>28</a:t>
             </a:fld>
             <a:endParaRPr lang="en-US"/>
           </a:p>
@@ -1658,7 +1653,7 @@
           <a:p>
             <a:fld id="{ADC303B9-2C3E-4EA0-A819-58B20A5A846C}" type="slidenum">
               <a:rPr lang="en-US" smtClean="0"/>
-              <a:t>32</a:t>
+              <a:t>29</a:t>
             </a:fld>
             <a:endParaRPr lang="en-US"/>
           </a:p>
@@ -1742,7 +1737,7 @@
           <a:p>
             <a:fld id="{ADC303B9-2C3E-4EA0-A819-58B20A5A846C}" type="slidenum">
               <a:rPr lang="en-US" smtClean="0"/>
-              <a:t>33</a:t>
+              <a:t>30</a:t>
             </a:fld>
             <a:endParaRPr lang="en-US"/>
           </a:p>
@@ -1752,174 +1747,6 @@
     <p:extLst>
       <p:ext uri="{BB962C8B-B14F-4D97-AF65-F5344CB8AC3E}">
         <p14:creationId xmlns:p14="http://schemas.microsoft.com/office/powerpoint/2010/main" val="2822907964"/>
-      </p:ext>
-    </p:extLst>
-  </p:cSld>
-  <p:clrMapOvr>
-    <a:masterClrMapping/>
-  </p:clrMapOvr>
-</p:notes>
-</file>
-
-<file path=ppt/notesSlides/notesSlide23.xml><?xml version="1.0" encoding="utf-8"?>
-<p:notes xmlns:a="http://schemas.openxmlformats.org/drawingml/2006/main" xmlns:r="http://schemas.openxmlformats.org/officeDocument/2006/relationships" xmlns:p="http://schemas.openxmlformats.org/presentationml/2006/main">
-  <p:cSld>
-    <p:spTree>
-      <p:nvGrpSpPr>
-        <p:cNvPr id="1" name=""/>
-        <p:cNvGrpSpPr/>
-        <p:nvPr/>
-      </p:nvGrpSpPr>
-      <p:grpSpPr>
-        <a:xfrm>
-          <a:off x="0" y="0"/>
-          <a:ext cx="0" cy="0"/>
-          <a:chOff x="0" y="0"/>
-          <a:chExt cx="0" cy="0"/>
-        </a:xfrm>
-      </p:grpSpPr>
-      <p:sp>
-        <p:nvSpPr>
-          <p:cNvPr id="2" name="Slide Image Placeholder 1"/>
-          <p:cNvSpPr>
-            <a:spLocks noGrp="1" noRot="1" noChangeAspect="1"/>
-          </p:cNvSpPr>
-          <p:nvPr>
-            <p:ph type="sldImg"/>
-          </p:nvPr>
-        </p:nvSpPr>
-        <p:spPr/>
-      </p:sp>
-      <p:sp>
-        <p:nvSpPr>
-          <p:cNvPr id="3" name="Notes Placeholder 2"/>
-          <p:cNvSpPr>
-            <a:spLocks noGrp="1"/>
-          </p:cNvSpPr>
-          <p:nvPr>
-            <p:ph type="body" idx="1"/>
-          </p:nvPr>
-        </p:nvSpPr>
-        <p:spPr/>
-        <p:txBody>
-          <a:bodyPr/>
-          <a:lstStyle/>
-          <a:p>
-            <a:endParaRPr lang="en-US"/>
-          </a:p>
-        </p:txBody>
-      </p:sp>
-      <p:sp>
-        <p:nvSpPr>
-          <p:cNvPr id="4" name="Slide Number Placeholder 3"/>
-          <p:cNvSpPr>
-            <a:spLocks noGrp="1"/>
-          </p:cNvSpPr>
-          <p:nvPr>
-            <p:ph type="sldNum" sz="quarter" idx="10"/>
-          </p:nvPr>
-        </p:nvSpPr>
-        <p:spPr/>
-        <p:txBody>
-          <a:bodyPr/>
-          <a:lstStyle/>
-          <a:p>
-            <a:fld id="{ADC303B9-2C3E-4EA0-A819-58B20A5A846C}" type="slidenum">
-              <a:rPr lang="en-US" smtClean="0"/>
-              <a:t>37</a:t>
-            </a:fld>
-            <a:endParaRPr lang="en-US"/>
-          </a:p>
-        </p:txBody>
-      </p:sp>
-    </p:spTree>
-    <p:extLst>
-      <p:ext uri="{BB962C8B-B14F-4D97-AF65-F5344CB8AC3E}">
-        <p14:creationId xmlns:p14="http://schemas.microsoft.com/office/powerpoint/2010/main" val="4171434020"/>
-      </p:ext>
-    </p:extLst>
-  </p:cSld>
-  <p:clrMapOvr>
-    <a:masterClrMapping/>
-  </p:clrMapOvr>
-</p:notes>
-</file>
-
-<file path=ppt/notesSlides/notesSlide24.xml><?xml version="1.0" encoding="utf-8"?>
-<p:notes xmlns:a="http://schemas.openxmlformats.org/drawingml/2006/main" xmlns:r="http://schemas.openxmlformats.org/officeDocument/2006/relationships" xmlns:p="http://schemas.openxmlformats.org/presentationml/2006/main">
-  <p:cSld>
-    <p:spTree>
-      <p:nvGrpSpPr>
-        <p:cNvPr id="1" name=""/>
-        <p:cNvGrpSpPr/>
-        <p:nvPr/>
-      </p:nvGrpSpPr>
-      <p:grpSpPr>
-        <a:xfrm>
-          <a:off x="0" y="0"/>
-          <a:ext cx="0" cy="0"/>
-          <a:chOff x="0" y="0"/>
-          <a:chExt cx="0" cy="0"/>
-        </a:xfrm>
-      </p:grpSpPr>
-      <p:sp>
-        <p:nvSpPr>
-          <p:cNvPr id="2" name="Slide Image Placeholder 1"/>
-          <p:cNvSpPr>
-            <a:spLocks noGrp="1" noRot="1" noChangeAspect="1"/>
-          </p:cNvSpPr>
-          <p:nvPr>
-            <p:ph type="sldImg"/>
-          </p:nvPr>
-        </p:nvSpPr>
-        <p:spPr/>
-      </p:sp>
-      <p:sp>
-        <p:nvSpPr>
-          <p:cNvPr id="3" name="Notes Placeholder 2"/>
-          <p:cNvSpPr>
-            <a:spLocks noGrp="1"/>
-          </p:cNvSpPr>
-          <p:nvPr>
-            <p:ph type="body" idx="1"/>
-          </p:nvPr>
-        </p:nvSpPr>
-        <p:spPr/>
-        <p:txBody>
-          <a:bodyPr/>
-          <a:lstStyle/>
-          <a:p>
-            <a:endParaRPr lang="en-US"/>
-          </a:p>
-        </p:txBody>
-      </p:sp>
-      <p:sp>
-        <p:nvSpPr>
-          <p:cNvPr id="4" name="Slide Number Placeholder 3"/>
-          <p:cNvSpPr>
-            <a:spLocks noGrp="1"/>
-          </p:cNvSpPr>
-          <p:nvPr>
-            <p:ph type="sldNum" sz="quarter" idx="10"/>
-          </p:nvPr>
-        </p:nvSpPr>
-        <p:spPr/>
-        <p:txBody>
-          <a:bodyPr/>
-          <a:lstStyle/>
-          <a:p>
-            <a:fld id="{ADC303B9-2C3E-4EA0-A819-58B20A5A846C}" type="slidenum">
-              <a:rPr lang="en-US" smtClean="0"/>
-              <a:t>38</a:t>
-            </a:fld>
-            <a:endParaRPr lang="en-US"/>
-          </a:p>
-        </p:txBody>
-      </p:sp>
-    </p:spTree>
-    <p:extLst>
-      <p:ext uri="{BB962C8B-B14F-4D97-AF65-F5344CB8AC3E}">
-        <p14:creationId xmlns:p14="http://schemas.microsoft.com/office/powerpoint/2010/main" val="2224450183"/>
       </p:ext>
     </p:extLst>
   </p:cSld>
@@ -11287,1468 +11114,6 @@
           <p:cNvPr id="2" name="Date Placeholder 1">
             <a:extLst>
               <a:ext uri="{FF2B5EF4-FFF2-40B4-BE49-F238E27FC236}">
-                <a16:creationId xmlns:a16="http://schemas.microsoft.com/office/drawing/2014/main" id="{0FB25E6E-BD30-50AF-6D36-E3A9B83EAC2F}"/>
-              </a:ext>
-            </a:extLst>
-          </p:cNvPr>
-          <p:cNvSpPr>
-            <a:spLocks noGrp="1"/>
-          </p:cNvSpPr>
-          <p:nvPr>
-            <p:ph type="dt" sz="half" idx="10"/>
-          </p:nvPr>
-        </p:nvSpPr>
-        <p:spPr/>
-        <p:txBody>
-          <a:bodyPr/>
-          <a:lstStyle/>
-          <a:p>
-            <a:fld id="{6700A58B-DD98-43D0-B791-721480A02982}" type="datetime1">
-              <a:rPr lang="en-US" smtClean="0"/>
-              <a:t>7/19/23</a:t>
-            </a:fld>
-            <a:endParaRPr lang="en-US"/>
-          </a:p>
-        </p:txBody>
-      </p:sp>
-      <p:sp>
-        <p:nvSpPr>
-          <p:cNvPr id="3" name="Title 2">
-            <a:extLst>
-              <a:ext uri="{FF2B5EF4-FFF2-40B4-BE49-F238E27FC236}">
-                <a16:creationId xmlns:a16="http://schemas.microsoft.com/office/drawing/2014/main" id="{04B7ADB0-3BD8-6311-9F46-D98F658D4400}"/>
-              </a:ext>
-            </a:extLst>
-          </p:cNvPr>
-          <p:cNvSpPr>
-            <a:spLocks noGrp="1"/>
-          </p:cNvSpPr>
-          <p:nvPr>
-            <p:ph type="title"/>
-          </p:nvPr>
-        </p:nvSpPr>
-        <p:spPr/>
-        <p:txBody>
-          <a:bodyPr/>
-          <a:lstStyle/>
-          <a:p>
-            <a:endParaRPr lang="en-US"/>
-          </a:p>
-        </p:txBody>
-      </p:sp>
-      <p:sp>
-        <p:nvSpPr>
-          <p:cNvPr id="4" name="Slide Number Placeholder 3">
-            <a:extLst>
-              <a:ext uri="{FF2B5EF4-FFF2-40B4-BE49-F238E27FC236}">
-                <a16:creationId xmlns:a16="http://schemas.microsoft.com/office/drawing/2014/main" id="{7ECBC3E0-D8FC-B41B-D474-9488DCCAF2F5}"/>
-              </a:ext>
-            </a:extLst>
-          </p:cNvPr>
-          <p:cNvSpPr>
-            <a:spLocks noGrp="1"/>
-          </p:cNvSpPr>
-          <p:nvPr>
-            <p:ph type="sldNum" sz="quarter" idx="12"/>
-          </p:nvPr>
-        </p:nvSpPr>
-        <p:spPr/>
-        <p:txBody>
-          <a:bodyPr/>
-          <a:lstStyle/>
-          <a:p>
-            <a:fld id="{37290FF7-652B-4475-AEAB-8B1A5D23AE09}" type="slidenum">
-              <a:rPr lang="en-US" smtClean="0"/>
-              <a:t>20</a:t>
-            </a:fld>
-            <a:endParaRPr lang="en-US"/>
-          </a:p>
-        </p:txBody>
-      </p:sp>
-      <p:sp>
-        <p:nvSpPr>
-          <p:cNvPr id="5" name="Footer Placeholder 4">
-            <a:extLst>
-              <a:ext uri="{FF2B5EF4-FFF2-40B4-BE49-F238E27FC236}">
-                <a16:creationId xmlns:a16="http://schemas.microsoft.com/office/drawing/2014/main" id="{759524AC-5C42-3EFF-7B1A-148120C30741}"/>
-              </a:ext>
-            </a:extLst>
-          </p:cNvPr>
-          <p:cNvSpPr>
-            <a:spLocks noGrp="1"/>
-          </p:cNvSpPr>
-          <p:nvPr>
-            <p:ph type="ftr" sz="quarter" idx="3"/>
-          </p:nvPr>
-        </p:nvSpPr>
-        <p:spPr/>
-        <p:txBody>
-          <a:bodyPr/>
-          <a:lstStyle/>
-          <a:p>
-            <a:r>
-              <a:rPr lang="en-US"/>
-              <a:t>Kwartler</a:t>
-            </a:r>
-            <a:endParaRPr lang="en-US" dirty="0"/>
-          </a:p>
-        </p:txBody>
-      </p:sp>
-      <p:sp>
-        <p:nvSpPr>
-          <p:cNvPr id="6" name="Google Shape;586;p74">
-            <a:extLst>
-              <a:ext uri="{FF2B5EF4-FFF2-40B4-BE49-F238E27FC236}">
-                <a16:creationId xmlns:a16="http://schemas.microsoft.com/office/drawing/2014/main" id="{562C2931-AFE0-F0B0-E842-841724A79702}"/>
-              </a:ext>
-            </a:extLst>
-          </p:cNvPr>
-          <p:cNvSpPr/>
-          <p:nvPr/>
-        </p:nvSpPr>
-        <p:spPr>
-          <a:xfrm>
-            <a:off x="3657600" y="3042250"/>
-            <a:ext cx="1828800" cy="594000"/>
-          </a:xfrm>
-          <a:prstGeom prst="homePlate">
-            <a:avLst>
-              <a:gd name="adj" fmla="val 50000"/>
-            </a:avLst>
-          </a:prstGeom>
-          <a:solidFill>
-            <a:schemeClr val="accent4"/>
-          </a:solidFill>
-          <a:ln>
-            <a:noFill/>
-          </a:ln>
-        </p:spPr>
-        <p:txBody>
-          <a:bodyPr spcFirstLastPara="1" wrap="square" lIns="91425" tIns="91425" rIns="91425" bIns="91425" anchor="ctr" anchorCtr="0">
-            <a:noAutofit/>
-          </a:bodyPr>
-          <a:lstStyle/>
-          <a:p>
-            <a:pPr marL="0" lvl="0" indent="0" algn="l" rtl="0">
-              <a:spcBef>
-                <a:spcPts val="0"/>
-              </a:spcBef>
-              <a:spcAft>
-                <a:spcPts val="0"/>
-              </a:spcAft>
-              <a:buNone/>
-            </a:pPr>
-            <a:r>
-              <a:rPr lang="en">
-                <a:solidFill>
-                  <a:srgbClr val="FFFFFF"/>
-                </a:solidFill>
-              </a:rPr>
-              <a:t>Exploratory</a:t>
-            </a:r>
-            <a:endParaRPr>
-              <a:solidFill>
-                <a:srgbClr val="FFFFFF"/>
-              </a:solidFill>
-            </a:endParaRPr>
-          </a:p>
-        </p:txBody>
-      </p:sp>
-      <p:sp>
-        <p:nvSpPr>
-          <p:cNvPr id="7" name="Google Shape;588;p74">
-            <a:extLst>
-              <a:ext uri="{FF2B5EF4-FFF2-40B4-BE49-F238E27FC236}">
-                <a16:creationId xmlns:a16="http://schemas.microsoft.com/office/drawing/2014/main" id="{B607947A-0EDB-9DBC-97E0-752DB640042E}"/>
-              </a:ext>
-            </a:extLst>
-          </p:cNvPr>
-          <p:cNvSpPr txBox="1"/>
-          <p:nvPr/>
-        </p:nvSpPr>
-        <p:spPr>
-          <a:xfrm>
-            <a:off x="3966150" y="2627638"/>
-            <a:ext cx="1211700" cy="327600"/>
-          </a:xfrm>
-          <a:prstGeom prst="rect">
-            <a:avLst/>
-          </a:prstGeom>
-          <a:noFill/>
-          <a:ln>
-            <a:noFill/>
-          </a:ln>
-        </p:spPr>
-        <p:txBody>
-          <a:bodyPr spcFirstLastPara="1" wrap="square" lIns="91425" tIns="91425" rIns="91425" bIns="91425" anchor="t" anchorCtr="0">
-            <a:noAutofit/>
-          </a:bodyPr>
-          <a:lstStyle/>
-          <a:p>
-            <a:pPr marL="0" lvl="0" indent="0" algn="ctr" rtl="0">
-              <a:spcBef>
-                <a:spcPts val="0"/>
-              </a:spcBef>
-              <a:spcAft>
-                <a:spcPts val="0"/>
-              </a:spcAft>
-              <a:buNone/>
-            </a:pPr>
-            <a:r>
-              <a:rPr lang="en" sz="1100" u="sng" dirty="0">
-                <a:latin typeface="Roboto"/>
-                <a:ea typeface="Roboto"/>
-                <a:cs typeface="Roboto"/>
-                <a:sym typeface="Roboto"/>
-              </a:rPr>
-              <a:t>Modeling Type</a:t>
-            </a:r>
-            <a:endParaRPr sz="1100" u="sng" dirty="0">
-              <a:latin typeface="Roboto"/>
-              <a:ea typeface="Roboto"/>
-              <a:cs typeface="Roboto"/>
-              <a:sym typeface="Roboto"/>
-            </a:endParaRPr>
-          </a:p>
-        </p:txBody>
-      </p:sp>
-      <p:pic>
-        <p:nvPicPr>
-          <p:cNvPr id="8" name="Google Shape;590;p74">
-            <a:extLst>
-              <a:ext uri="{FF2B5EF4-FFF2-40B4-BE49-F238E27FC236}">
-                <a16:creationId xmlns:a16="http://schemas.microsoft.com/office/drawing/2014/main" id="{E279502A-4FA8-4DFD-DC4A-815F6C53DB90}"/>
-              </a:ext>
-            </a:extLst>
-          </p:cNvPr>
-          <p:cNvPicPr preferRelativeResize="0"/>
-          <p:nvPr/>
-        </p:nvPicPr>
-        <p:blipFill rotWithShape="1">
-          <a:blip r:embed="rId2">
-            <a:alphaModFix/>
-          </a:blip>
-          <a:srcRect l="7430" r="7361" b="3446"/>
-          <a:stretch/>
-        </p:blipFill>
-        <p:spPr>
-          <a:xfrm>
-            <a:off x="228600" y="2312288"/>
-            <a:ext cx="3222314" cy="2053924"/>
-          </a:xfrm>
-          <a:prstGeom prst="rect">
-            <a:avLst/>
-          </a:prstGeom>
-          <a:noFill/>
-          <a:ln>
-            <a:noFill/>
-          </a:ln>
-        </p:spPr>
-      </p:pic>
-      <p:sp>
-        <p:nvSpPr>
-          <p:cNvPr id="12" name="Google Shape;591;p74">
-            <a:extLst>
-              <a:ext uri="{FF2B5EF4-FFF2-40B4-BE49-F238E27FC236}">
-                <a16:creationId xmlns:a16="http://schemas.microsoft.com/office/drawing/2014/main" id="{6CF90ECE-645B-30F5-0914-D57024ED7BA4}"/>
-              </a:ext>
-            </a:extLst>
-          </p:cNvPr>
-          <p:cNvSpPr txBox="1"/>
-          <p:nvPr/>
-        </p:nvSpPr>
-        <p:spPr>
-          <a:xfrm>
-            <a:off x="5486400" y="2312346"/>
-            <a:ext cx="3657600" cy="2053800"/>
-          </a:xfrm>
-          <a:prstGeom prst="rect">
-            <a:avLst/>
-          </a:prstGeom>
-          <a:noFill/>
-          <a:ln>
-            <a:noFill/>
-          </a:ln>
-        </p:spPr>
-        <p:txBody>
-          <a:bodyPr spcFirstLastPara="1" wrap="square" lIns="91425" tIns="91425" rIns="91425" bIns="91425" anchor="t" anchorCtr="0">
-            <a:noAutofit/>
-          </a:bodyPr>
-          <a:lstStyle/>
-          <a:p>
-            <a:pPr marL="0" lvl="0" indent="0" algn="l" rtl="0">
-              <a:spcBef>
-                <a:spcPts val="0"/>
-              </a:spcBef>
-              <a:spcAft>
-                <a:spcPts val="0"/>
-              </a:spcAft>
-              <a:buNone/>
-            </a:pPr>
-            <a:r>
-              <a:rPr lang="en" dirty="0">
-                <a:latin typeface="Roboto"/>
-                <a:ea typeface="Roboto"/>
-                <a:cs typeface="Roboto"/>
-                <a:sym typeface="Roboto"/>
-              </a:rPr>
-              <a:t>Times Series Modeling</a:t>
-            </a:r>
-            <a:endParaRPr dirty="0">
-              <a:latin typeface="Roboto"/>
-              <a:ea typeface="Roboto"/>
-              <a:cs typeface="Roboto"/>
-              <a:sym typeface="Roboto"/>
-            </a:endParaRPr>
-          </a:p>
-          <a:p>
-            <a:pPr marL="0" lvl="0" indent="0" algn="l" rtl="0">
-              <a:spcBef>
-                <a:spcPts val="0"/>
-              </a:spcBef>
-              <a:spcAft>
-                <a:spcPts val="0"/>
-              </a:spcAft>
-              <a:buNone/>
-            </a:pPr>
-            <a:endParaRPr sz="1200" dirty="0">
-              <a:latin typeface="Roboto"/>
-              <a:ea typeface="Roboto"/>
-              <a:cs typeface="Roboto"/>
-              <a:sym typeface="Roboto"/>
-            </a:endParaRPr>
-          </a:p>
-          <a:p>
-            <a:pPr marL="0" lvl="0" indent="0" algn="l" rtl="0">
-              <a:spcBef>
-                <a:spcPts val="0"/>
-              </a:spcBef>
-              <a:spcAft>
-                <a:spcPts val="0"/>
-              </a:spcAft>
-              <a:buNone/>
-            </a:pPr>
-            <a:r>
-              <a:rPr lang="en" sz="1200" dirty="0">
-                <a:latin typeface="Roboto"/>
-                <a:ea typeface="Roboto"/>
-                <a:cs typeface="Roboto"/>
-                <a:sym typeface="Roboto"/>
-              </a:rPr>
-              <a:t>Exec: “I think we get the most calls Monday afternoon, can we predict how the weather or holidays may change this?”</a:t>
-            </a:r>
-            <a:endParaRPr sz="1200" dirty="0">
-              <a:latin typeface="Roboto"/>
-              <a:ea typeface="Roboto"/>
-              <a:cs typeface="Roboto"/>
-              <a:sym typeface="Roboto"/>
-            </a:endParaRPr>
-          </a:p>
-          <a:p>
-            <a:pPr marL="0" lvl="0" indent="0" algn="l" rtl="0">
-              <a:spcBef>
-                <a:spcPts val="0"/>
-              </a:spcBef>
-              <a:spcAft>
-                <a:spcPts val="0"/>
-              </a:spcAft>
-              <a:buNone/>
-            </a:pPr>
-            <a:endParaRPr sz="1200" dirty="0">
-              <a:latin typeface="Roboto"/>
-              <a:ea typeface="Roboto"/>
-              <a:cs typeface="Roboto"/>
-              <a:sym typeface="Roboto"/>
-            </a:endParaRPr>
-          </a:p>
-          <a:p>
-            <a:pPr marL="0" lvl="0" indent="0" algn="l" rtl="0">
-              <a:spcBef>
-                <a:spcPts val="0"/>
-              </a:spcBef>
-              <a:spcAft>
-                <a:spcPts val="0"/>
-              </a:spcAft>
-              <a:buNone/>
-            </a:pPr>
-            <a:r>
-              <a:rPr lang="en" sz="1200" dirty="0">
-                <a:latin typeface="Roboto"/>
-                <a:ea typeface="Roboto"/>
-                <a:cs typeface="Roboto"/>
-                <a:sym typeface="Roboto"/>
-              </a:rPr>
-              <a:t>Exec: “If I added a team of agents focused on retention how would that change our retention?”</a:t>
-            </a:r>
-            <a:endParaRPr sz="1200" dirty="0">
-              <a:latin typeface="Roboto"/>
-              <a:ea typeface="Roboto"/>
-              <a:cs typeface="Roboto"/>
-              <a:sym typeface="Roboto"/>
-            </a:endParaRPr>
-          </a:p>
-        </p:txBody>
-      </p:sp>
-    </p:spTree>
-    <p:extLst>
-      <p:ext uri="{BB962C8B-B14F-4D97-AF65-F5344CB8AC3E}">
-        <p14:creationId xmlns:p14="http://schemas.microsoft.com/office/powerpoint/2010/main" val="3970957668"/>
-      </p:ext>
-    </p:extLst>
-  </p:cSld>
-  <p:clrMapOvr>
-    <a:masterClrMapping/>
-  </p:clrMapOvr>
-</p:sld>
-</file>
-
-<file path=ppt/slides/slide21.xml><?xml version="1.0" encoding="utf-8"?>
-<p:sld xmlns:a="http://schemas.openxmlformats.org/drawingml/2006/main" xmlns:r="http://schemas.openxmlformats.org/officeDocument/2006/relationships" xmlns:p="http://schemas.openxmlformats.org/presentationml/2006/main">
-  <p:cSld>
-    <p:spTree>
-      <p:nvGrpSpPr>
-        <p:cNvPr id="1" name=""/>
-        <p:cNvGrpSpPr/>
-        <p:nvPr/>
-      </p:nvGrpSpPr>
-      <p:grpSpPr>
-        <a:xfrm>
-          <a:off x="0" y="0"/>
-          <a:ext cx="0" cy="0"/>
-          <a:chOff x="0" y="0"/>
-          <a:chExt cx="0" cy="0"/>
-        </a:xfrm>
-      </p:grpSpPr>
-      <p:sp>
-        <p:nvSpPr>
-          <p:cNvPr id="2" name="Date Placeholder 1">
-            <a:extLst>
-              <a:ext uri="{FF2B5EF4-FFF2-40B4-BE49-F238E27FC236}">
-                <a16:creationId xmlns:a16="http://schemas.microsoft.com/office/drawing/2014/main" id="{1DD32D7A-5CAC-9ACD-780C-E7E63F400A82}"/>
-              </a:ext>
-            </a:extLst>
-          </p:cNvPr>
-          <p:cNvSpPr>
-            <a:spLocks noGrp="1"/>
-          </p:cNvSpPr>
-          <p:nvPr>
-            <p:ph type="dt" sz="half" idx="10"/>
-          </p:nvPr>
-        </p:nvSpPr>
-        <p:spPr/>
-        <p:txBody>
-          <a:bodyPr/>
-          <a:lstStyle/>
-          <a:p>
-            <a:fld id="{6700A58B-DD98-43D0-B791-721480A02982}" type="datetime1">
-              <a:rPr lang="en-US" smtClean="0"/>
-              <a:t>7/19/23</a:t>
-            </a:fld>
-            <a:endParaRPr lang="en-US"/>
-          </a:p>
-        </p:txBody>
-      </p:sp>
-      <p:sp>
-        <p:nvSpPr>
-          <p:cNvPr id="3" name="Title 2">
-            <a:extLst>
-              <a:ext uri="{FF2B5EF4-FFF2-40B4-BE49-F238E27FC236}">
-                <a16:creationId xmlns:a16="http://schemas.microsoft.com/office/drawing/2014/main" id="{B6A6D38D-4002-2A96-B25B-4FF250FF8AE3}"/>
-              </a:ext>
-            </a:extLst>
-          </p:cNvPr>
-          <p:cNvSpPr>
-            <a:spLocks noGrp="1"/>
-          </p:cNvSpPr>
-          <p:nvPr>
-            <p:ph type="title"/>
-          </p:nvPr>
-        </p:nvSpPr>
-        <p:spPr/>
-        <p:txBody>
-          <a:bodyPr/>
-          <a:lstStyle/>
-          <a:p>
-            <a:endParaRPr lang="en-US"/>
-          </a:p>
-        </p:txBody>
-      </p:sp>
-      <p:sp>
-        <p:nvSpPr>
-          <p:cNvPr id="4" name="Slide Number Placeholder 3">
-            <a:extLst>
-              <a:ext uri="{FF2B5EF4-FFF2-40B4-BE49-F238E27FC236}">
-                <a16:creationId xmlns:a16="http://schemas.microsoft.com/office/drawing/2014/main" id="{11CF3F00-F269-B74D-3C75-79D9867F6DF4}"/>
-              </a:ext>
-            </a:extLst>
-          </p:cNvPr>
-          <p:cNvSpPr>
-            <a:spLocks noGrp="1"/>
-          </p:cNvSpPr>
-          <p:nvPr>
-            <p:ph type="sldNum" sz="quarter" idx="12"/>
-          </p:nvPr>
-        </p:nvSpPr>
-        <p:spPr/>
-        <p:txBody>
-          <a:bodyPr/>
-          <a:lstStyle/>
-          <a:p>
-            <a:fld id="{37290FF7-652B-4475-AEAB-8B1A5D23AE09}" type="slidenum">
-              <a:rPr lang="en-US" smtClean="0"/>
-              <a:t>21</a:t>
-            </a:fld>
-            <a:endParaRPr lang="en-US"/>
-          </a:p>
-        </p:txBody>
-      </p:sp>
-      <p:sp>
-        <p:nvSpPr>
-          <p:cNvPr id="5" name="Footer Placeholder 4">
-            <a:extLst>
-              <a:ext uri="{FF2B5EF4-FFF2-40B4-BE49-F238E27FC236}">
-                <a16:creationId xmlns:a16="http://schemas.microsoft.com/office/drawing/2014/main" id="{7F296797-317A-01DB-1E2C-C2B1D1DA7EFC}"/>
-              </a:ext>
-            </a:extLst>
-          </p:cNvPr>
-          <p:cNvSpPr>
-            <a:spLocks noGrp="1"/>
-          </p:cNvSpPr>
-          <p:nvPr>
-            <p:ph type="ftr" sz="quarter" idx="3"/>
-          </p:nvPr>
-        </p:nvSpPr>
-        <p:spPr/>
-        <p:txBody>
-          <a:bodyPr/>
-          <a:lstStyle/>
-          <a:p>
-            <a:r>
-              <a:rPr lang="en-US"/>
-              <a:t>Kwartler</a:t>
-            </a:r>
-            <a:endParaRPr lang="en-US" dirty="0"/>
-          </a:p>
-        </p:txBody>
-      </p:sp>
-      <p:sp>
-        <p:nvSpPr>
-          <p:cNvPr id="6" name="Google Shape;596;p75">
-            <a:extLst>
-              <a:ext uri="{FF2B5EF4-FFF2-40B4-BE49-F238E27FC236}">
-                <a16:creationId xmlns:a16="http://schemas.microsoft.com/office/drawing/2014/main" id="{73D53C69-A310-2880-A322-4F389EEAF49B}"/>
-              </a:ext>
-            </a:extLst>
-          </p:cNvPr>
-          <p:cNvSpPr/>
-          <p:nvPr/>
-        </p:nvSpPr>
-        <p:spPr>
-          <a:xfrm>
-            <a:off x="3657600" y="3215873"/>
-            <a:ext cx="1828800" cy="594000"/>
-          </a:xfrm>
-          <a:prstGeom prst="homePlate">
-            <a:avLst>
-              <a:gd name="adj" fmla="val 50000"/>
-            </a:avLst>
-          </a:prstGeom>
-          <a:solidFill>
-            <a:schemeClr val="accent4"/>
-          </a:solidFill>
-          <a:ln>
-            <a:noFill/>
-          </a:ln>
-        </p:spPr>
-        <p:txBody>
-          <a:bodyPr spcFirstLastPara="1" wrap="square" lIns="91425" tIns="91425" rIns="91425" bIns="91425" anchor="ctr" anchorCtr="0">
-            <a:noAutofit/>
-          </a:bodyPr>
-          <a:lstStyle/>
-          <a:p>
-            <a:pPr marL="0" lvl="0" indent="0" algn="l" rtl="0">
-              <a:spcBef>
-                <a:spcPts val="0"/>
-              </a:spcBef>
-              <a:spcAft>
-                <a:spcPts val="0"/>
-              </a:spcAft>
-              <a:buNone/>
-            </a:pPr>
-            <a:r>
-              <a:rPr lang="en">
-                <a:solidFill>
-                  <a:srgbClr val="FFFFFF"/>
-                </a:solidFill>
-              </a:rPr>
-              <a:t>Explanatory</a:t>
-            </a:r>
-            <a:endParaRPr>
-              <a:solidFill>
-                <a:srgbClr val="FFFFFF"/>
-              </a:solidFill>
-            </a:endParaRPr>
-          </a:p>
-        </p:txBody>
-      </p:sp>
-      <p:sp>
-        <p:nvSpPr>
-          <p:cNvPr id="7" name="Google Shape;598;p75">
-            <a:extLst>
-              <a:ext uri="{FF2B5EF4-FFF2-40B4-BE49-F238E27FC236}">
-                <a16:creationId xmlns:a16="http://schemas.microsoft.com/office/drawing/2014/main" id="{C908952B-E076-C1AB-1A93-6EC45C5E9295}"/>
-              </a:ext>
-            </a:extLst>
-          </p:cNvPr>
-          <p:cNvSpPr txBox="1"/>
-          <p:nvPr/>
-        </p:nvSpPr>
-        <p:spPr>
-          <a:xfrm>
-            <a:off x="3966150" y="2801261"/>
-            <a:ext cx="1211700" cy="327600"/>
-          </a:xfrm>
-          <a:prstGeom prst="rect">
-            <a:avLst/>
-          </a:prstGeom>
-          <a:noFill/>
-          <a:ln>
-            <a:noFill/>
-          </a:ln>
-        </p:spPr>
-        <p:txBody>
-          <a:bodyPr spcFirstLastPara="1" wrap="square" lIns="91425" tIns="91425" rIns="91425" bIns="91425" anchor="t" anchorCtr="0">
-            <a:noAutofit/>
-          </a:bodyPr>
-          <a:lstStyle/>
-          <a:p>
-            <a:pPr marL="0" lvl="0" indent="0" algn="ctr" rtl="0">
-              <a:spcBef>
-                <a:spcPts val="0"/>
-              </a:spcBef>
-              <a:spcAft>
-                <a:spcPts val="0"/>
-              </a:spcAft>
-              <a:buNone/>
-            </a:pPr>
-            <a:r>
-              <a:rPr lang="en" sz="1100" u="sng">
-                <a:latin typeface="Roboto"/>
-                <a:ea typeface="Roboto"/>
-                <a:cs typeface="Roboto"/>
-                <a:sym typeface="Roboto"/>
-              </a:rPr>
-              <a:t>Modeling Type</a:t>
-            </a:r>
-            <a:endParaRPr sz="1100" u="sng">
-              <a:latin typeface="Roboto"/>
-              <a:ea typeface="Roboto"/>
-              <a:cs typeface="Roboto"/>
-              <a:sym typeface="Roboto"/>
-            </a:endParaRPr>
-          </a:p>
-        </p:txBody>
-      </p:sp>
-      <p:pic>
-        <p:nvPicPr>
-          <p:cNvPr id="8" name="Google Shape;600;p75">
-            <a:extLst>
-              <a:ext uri="{FF2B5EF4-FFF2-40B4-BE49-F238E27FC236}">
-                <a16:creationId xmlns:a16="http://schemas.microsoft.com/office/drawing/2014/main" id="{CB3F8C7F-71BE-77AE-D0DF-2B302BC06ECC}"/>
-              </a:ext>
-            </a:extLst>
-          </p:cNvPr>
-          <p:cNvPicPr preferRelativeResize="0"/>
-          <p:nvPr/>
-        </p:nvPicPr>
-        <p:blipFill rotWithShape="1">
-          <a:blip r:embed="rId2">
-            <a:alphaModFix/>
-          </a:blip>
-          <a:srcRect l="7430" r="7361" b="3446"/>
-          <a:stretch/>
-        </p:blipFill>
-        <p:spPr>
-          <a:xfrm>
-            <a:off x="228600" y="2485911"/>
-            <a:ext cx="3222314" cy="2053924"/>
-          </a:xfrm>
-          <a:prstGeom prst="rect">
-            <a:avLst/>
-          </a:prstGeom>
-          <a:noFill/>
-          <a:ln>
-            <a:noFill/>
-          </a:ln>
-        </p:spPr>
-      </p:pic>
-      <p:sp>
-        <p:nvSpPr>
-          <p:cNvPr id="9" name="Google Shape;601;p75">
-            <a:extLst>
-              <a:ext uri="{FF2B5EF4-FFF2-40B4-BE49-F238E27FC236}">
-                <a16:creationId xmlns:a16="http://schemas.microsoft.com/office/drawing/2014/main" id="{9D46796B-6D62-D981-1732-2BB9EBC3EE83}"/>
-              </a:ext>
-            </a:extLst>
-          </p:cNvPr>
-          <p:cNvSpPr txBox="1"/>
-          <p:nvPr/>
-        </p:nvSpPr>
-        <p:spPr>
-          <a:xfrm>
-            <a:off x="5486400" y="2485969"/>
-            <a:ext cx="3657600" cy="2053800"/>
-          </a:xfrm>
-          <a:prstGeom prst="rect">
-            <a:avLst/>
-          </a:prstGeom>
-          <a:noFill/>
-          <a:ln>
-            <a:noFill/>
-          </a:ln>
-        </p:spPr>
-        <p:txBody>
-          <a:bodyPr spcFirstLastPara="1" wrap="square" lIns="91425" tIns="91425" rIns="91425" bIns="91425" anchor="t" anchorCtr="0">
-            <a:noAutofit/>
-          </a:bodyPr>
-          <a:lstStyle/>
-          <a:p>
-            <a:pPr marL="0" lvl="0" indent="0" algn="l" rtl="0">
-              <a:spcBef>
-                <a:spcPts val="0"/>
-              </a:spcBef>
-              <a:spcAft>
-                <a:spcPts val="0"/>
-              </a:spcAft>
-              <a:buNone/>
-            </a:pPr>
-            <a:r>
-              <a:rPr lang="en" dirty="0">
-                <a:latin typeface="Roboto"/>
-                <a:ea typeface="Roboto"/>
-                <a:cs typeface="Roboto"/>
-                <a:sym typeface="Roboto"/>
-              </a:rPr>
-              <a:t>Tree based model </a:t>
-            </a:r>
-            <a:endParaRPr dirty="0">
-              <a:latin typeface="Roboto"/>
-              <a:ea typeface="Roboto"/>
-              <a:cs typeface="Roboto"/>
-              <a:sym typeface="Roboto"/>
-            </a:endParaRPr>
-          </a:p>
-          <a:p>
-            <a:pPr marL="0" lvl="0" indent="0" algn="l" rtl="0">
-              <a:spcBef>
-                <a:spcPts val="0"/>
-              </a:spcBef>
-              <a:spcAft>
-                <a:spcPts val="0"/>
-              </a:spcAft>
-              <a:buNone/>
-            </a:pPr>
-            <a:endParaRPr dirty="0">
-              <a:latin typeface="Roboto"/>
-              <a:ea typeface="Roboto"/>
-              <a:cs typeface="Roboto"/>
-              <a:sym typeface="Roboto"/>
-            </a:endParaRPr>
-          </a:p>
-          <a:p>
-            <a:pPr marL="0" lvl="0" indent="0" algn="l" rtl="0">
-              <a:spcBef>
-                <a:spcPts val="0"/>
-              </a:spcBef>
-              <a:spcAft>
-                <a:spcPts val="0"/>
-              </a:spcAft>
-              <a:buClr>
-                <a:schemeClr val="dk1"/>
-              </a:buClr>
-              <a:buSzPts val="1100"/>
-              <a:buFont typeface="Arial"/>
-              <a:buNone/>
-            </a:pPr>
-            <a:r>
-              <a:rPr lang="en" dirty="0">
-                <a:latin typeface="Roboto"/>
-                <a:ea typeface="Roboto"/>
-                <a:cs typeface="Roboto"/>
-                <a:sym typeface="Roboto"/>
-              </a:rPr>
-              <a:t>Reviewing “important variables” in a model predicting customer satisfaction</a:t>
-            </a:r>
-            <a:endParaRPr dirty="0">
-              <a:latin typeface="Roboto"/>
-              <a:ea typeface="Roboto"/>
-              <a:cs typeface="Roboto"/>
-              <a:sym typeface="Roboto"/>
-            </a:endParaRPr>
-          </a:p>
-          <a:p>
-            <a:pPr marL="0" lvl="0" indent="0" algn="l" rtl="0">
-              <a:spcBef>
-                <a:spcPts val="0"/>
-              </a:spcBef>
-              <a:spcAft>
-                <a:spcPts val="0"/>
-              </a:spcAft>
-              <a:buNone/>
-            </a:pPr>
-            <a:endParaRPr sz="1200" dirty="0">
-              <a:latin typeface="Roboto"/>
-              <a:ea typeface="Roboto"/>
-              <a:cs typeface="Roboto"/>
-              <a:sym typeface="Roboto"/>
-            </a:endParaRPr>
-          </a:p>
-          <a:p>
-            <a:pPr marL="0" lvl="0" indent="0" algn="l" rtl="0">
-              <a:spcBef>
-                <a:spcPts val="0"/>
-              </a:spcBef>
-              <a:spcAft>
-                <a:spcPts val="0"/>
-              </a:spcAft>
-              <a:buClr>
-                <a:schemeClr val="dk1"/>
-              </a:buClr>
-              <a:buSzPts val="1100"/>
-              <a:buFont typeface="Arial"/>
-              <a:buNone/>
-            </a:pPr>
-            <a:r>
-              <a:rPr lang="en" sz="1200" dirty="0" err="1">
-                <a:latin typeface="Roboto"/>
-                <a:ea typeface="Roboto"/>
-                <a:cs typeface="Roboto"/>
-                <a:sym typeface="Roboto"/>
-              </a:rPr>
-              <a:t>Mgr</a:t>
-            </a:r>
-            <a:r>
-              <a:rPr lang="en" sz="1200" dirty="0">
-                <a:latin typeface="Roboto"/>
-                <a:ea typeface="Roboto"/>
-                <a:cs typeface="Roboto"/>
-                <a:sym typeface="Roboto"/>
-              </a:rPr>
-              <a:t>: “I see </a:t>
-            </a:r>
-            <a:r>
-              <a:rPr lang="en" sz="1200" u="sng" dirty="0">
-                <a:latin typeface="Roboto"/>
-                <a:ea typeface="Roboto"/>
-                <a:cs typeface="Roboto"/>
-                <a:sym typeface="Roboto"/>
-              </a:rPr>
-              <a:t>call waiting time</a:t>
-            </a:r>
-            <a:r>
-              <a:rPr lang="en" sz="1200" dirty="0">
-                <a:latin typeface="Roboto"/>
-                <a:ea typeface="Roboto"/>
-                <a:cs typeface="Roboto"/>
-                <a:sym typeface="Roboto"/>
-              </a:rPr>
-              <a:t> on </a:t>
-            </a:r>
-            <a:r>
-              <a:rPr lang="en" sz="1200" u="sng" dirty="0">
-                <a:latin typeface="Roboto"/>
-                <a:ea typeface="Roboto"/>
-                <a:cs typeface="Roboto"/>
-                <a:sym typeface="Roboto"/>
-              </a:rPr>
-              <a:t>Monday afternoon</a:t>
-            </a:r>
-            <a:r>
-              <a:rPr lang="en" sz="1200" dirty="0">
-                <a:latin typeface="Roboto"/>
-                <a:ea typeface="Roboto"/>
-                <a:cs typeface="Roboto"/>
-                <a:sym typeface="Roboto"/>
-              </a:rPr>
-              <a:t> significantly impacts our satisfaction scores, let’s review our staffing plan on Mondays to improve wait time”</a:t>
-            </a:r>
-            <a:endParaRPr dirty="0">
-              <a:latin typeface="Roboto"/>
-              <a:ea typeface="Roboto"/>
-              <a:cs typeface="Roboto"/>
-              <a:sym typeface="Roboto"/>
-            </a:endParaRPr>
-          </a:p>
-        </p:txBody>
-      </p:sp>
-    </p:spTree>
-    <p:extLst>
-      <p:ext uri="{BB962C8B-B14F-4D97-AF65-F5344CB8AC3E}">
-        <p14:creationId xmlns:p14="http://schemas.microsoft.com/office/powerpoint/2010/main" val="3681082610"/>
-      </p:ext>
-    </p:extLst>
-  </p:cSld>
-  <p:clrMapOvr>
-    <a:masterClrMapping/>
-  </p:clrMapOvr>
-</p:sld>
-</file>
-
-<file path=ppt/slides/slide22.xml><?xml version="1.0" encoding="utf-8"?>
-<p:sld xmlns:a="http://schemas.openxmlformats.org/drawingml/2006/main" xmlns:r="http://schemas.openxmlformats.org/officeDocument/2006/relationships" xmlns:p="http://schemas.openxmlformats.org/presentationml/2006/main">
-  <p:cSld>
-    <p:spTree>
-      <p:nvGrpSpPr>
-        <p:cNvPr id="1" name=""/>
-        <p:cNvGrpSpPr/>
-        <p:nvPr/>
-      </p:nvGrpSpPr>
-      <p:grpSpPr>
-        <a:xfrm>
-          <a:off x="0" y="0"/>
-          <a:ext cx="0" cy="0"/>
-          <a:chOff x="0" y="0"/>
-          <a:chExt cx="0" cy="0"/>
-        </a:xfrm>
-      </p:grpSpPr>
-      <p:sp>
-        <p:nvSpPr>
-          <p:cNvPr id="2" name="Date Placeholder 1">
-            <a:extLst>
-              <a:ext uri="{FF2B5EF4-FFF2-40B4-BE49-F238E27FC236}">
-                <a16:creationId xmlns:a16="http://schemas.microsoft.com/office/drawing/2014/main" id="{8CCB994D-11D5-A2C6-ACFD-A306C17074C6}"/>
-              </a:ext>
-            </a:extLst>
-          </p:cNvPr>
-          <p:cNvSpPr>
-            <a:spLocks noGrp="1"/>
-          </p:cNvSpPr>
-          <p:nvPr>
-            <p:ph type="dt" sz="half" idx="10"/>
-          </p:nvPr>
-        </p:nvSpPr>
-        <p:spPr/>
-        <p:txBody>
-          <a:bodyPr/>
-          <a:lstStyle/>
-          <a:p>
-            <a:fld id="{6700A58B-DD98-43D0-B791-721480A02982}" type="datetime1">
-              <a:rPr lang="en-US" smtClean="0"/>
-              <a:t>7/19/23</a:t>
-            </a:fld>
-            <a:endParaRPr lang="en-US"/>
-          </a:p>
-        </p:txBody>
-      </p:sp>
-      <p:sp>
-        <p:nvSpPr>
-          <p:cNvPr id="3" name="Title 2">
-            <a:extLst>
-              <a:ext uri="{FF2B5EF4-FFF2-40B4-BE49-F238E27FC236}">
-                <a16:creationId xmlns:a16="http://schemas.microsoft.com/office/drawing/2014/main" id="{3B6CC5F8-C112-08B7-9807-01195A2D2377}"/>
-              </a:ext>
-            </a:extLst>
-          </p:cNvPr>
-          <p:cNvSpPr>
-            <a:spLocks noGrp="1"/>
-          </p:cNvSpPr>
-          <p:nvPr>
-            <p:ph type="title"/>
-          </p:nvPr>
-        </p:nvSpPr>
-        <p:spPr/>
-        <p:txBody>
-          <a:bodyPr/>
-          <a:lstStyle/>
-          <a:p>
-            <a:endParaRPr lang="en-US"/>
-          </a:p>
-        </p:txBody>
-      </p:sp>
-      <p:sp>
-        <p:nvSpPr>
-          <p:cNvPr id="4" name="Slide Number Placeholder 3">
-            <a:extLst>
-              <a:ext uri="{FF2B5EF4-FFF2-40B4-BE49-F238E27FC236}">
-                <a16:creationId xmlns:a16="http://schemas.microsoft.com/office/drawing/2014/main" id="{B6BF63F0-8E78-0CCF-04A4-DBE5C9410A13}"/>
-              </a:ext>
-            </a:extLst>
-          </p:cNvPr>
-          <p:cNvSpPr>
-            <a:spLocks noGrp="1"/>
-          </p:cNvSpPr>
-          <p:nvPr>
-            <p:ph type="sldNum" sz="quarter" idx="12"/>
-          </p:nvPr>
-        </p:nvSpPr>
-        <p:spPr/>
-        <p:txBody>
-          <a:bodyPr/>
-          <a:lstStyle/>
-          <a:p>
-            <a:fld id="{37290FF7-652B-4475-AEAB-8B1A5D23AE09}" type="slidenum">
-              <a:rPr lang="en-US" smtClean="0"/>
-              <a:t>22</a:t>
-            </a:fld>
-            <a:endParaRPr lang="en-US"/>
-          </a:p>
-        </p:txBody>
-      </p:sp>
-      <p:sp>
-        <p:nvSpPr>
-          <p:cNvPr id="5" name="Footer Placeholder 4">
-            <a:extLst>
-              <a:ext uri="{FF2B5EF4-FFF2-40B4-BE49-F238E27FC236}">
-                <a16:creationId xmlns:a16="http://schemas.microsoft.com/office/drawing/2014/main" id="{A9558CE7-F402-A767-2F65-9B6DCE3F663F}"/>
-              </a:ext>
-            </a:extLst>
-          </p:cNvPr>
-          <p:cNvSpPr>
-            <a:spLocks noGrp="1"/>
-          </p:cNvSpPr>
-          <p:nvPr>
-            <p:ph type="ftr" sz="quarter" idx="3"/>
-          </p:nvPr>
-        </p:nvSpPr>
-        <p:spPr/>
-        <p:txBody>
-          <a:bodyPr/>
-          <a:lstStyle/>
-          <a:p>
-            <a:r>
-              <a:rPr lang="en-US"/>
-              <a:t>Kwartler</a:t>
-            </a:r>
-            <a:endParaRPr lang="en-US" dirty="0"/>
-          </a:p>
-        </p:txBody>
-      </p:sp>
-      <p:sp>
-        <p:nvSpPr>
-          <p:cNvPr id="6" name="Google Shape;606;p76">
-            <a:extLst>
-              <a:ext uri="{FF2B5EF4-FFF2-40B4-BE49-F238E27FC236}">
-                <a16:creationId xmlns:a16="http://schemas.microsoft.com/office/drawing/2014/main" id="{200C653A-A642-22E2-5D93-57A5CDE35F1A}"/>
-              </a:ext>
-            </a:extLst>
-          </p:cNvPr>
-          <p:cNvSpPr/>
-          <p:nvPr/>
-        </p:nvSpPr>
-        <p:spPr>
-          <a:xfrm>
-            <a:off x="3657600" y="2949653"/>
-            <a:ext cx="1828800" cy="594000"/>
-          </a:xfrm>
-          <a:prstGeom prst="homePlate">
-            <a:avLst>
-              <a:gd name="adj" fmla="val 50000"/>
-            </a:avLst>
-          </a:prstGeom>
-          <a:solidFill>
-            <a:schemeClr val="accent4"/>
-          </a:solidFill>
-          <a:ln>
-            <a:noFill/>
-          </a:ln>
-        </p:spPr>
-        <p:txBody>
-          <a:bodyPr spcFirstLastPara="1" wrap="square" lIns="91425" tIns="91425" rIns="91425" bIns="91425" anchor="ctr" anchorCtr="0">
-            <a:noAutofit/>
-          </a:bodyPr>
-          <a:lstStyle/>
-          <a:p>
-            <a:pPr marL="0" lvl="0" indent="0" algn="l" rtl="0">
-              <a:spcBef>
-                <a:spcPts val="0"/>
-              </a:spcBef>
-              <a:spcAft>
-                <a:spcPts val="0"/>
-              </a:spcAft>
-              <a:buNone/>
-            </a:pPr>
-            <a:r>
-              <a:rPr lang="en">
-                <a:solidFill>
-                  <a:srgbClr val="FFFFFF"/>
-                </a:solidFill>
-              </a:rPr>
-              <a:t>Predictive</a:t>
-            </a:r>
-            <a:endParaRPr>
-              <a:solidFill>
-                <a:srgbClr val="FFFFFF"/>
-              </a:solidFill>
-            </a:endParaRPr>
-          </a:p>
-        </p:txBody>
-      </p:sp>
-      <p:sp>
-        <p:nvSpPr>
-          <p:cNvPr id="7" name="Google Shape;608;p76">
-            <a:extLst>
-              <a:ext uri="{FF2B5EF4-FFF2-40B4-BE49-F238E27FC236}">
-                <a16:creationId xmlns:a16="http://schemas.microsoft.com/office/drawing/2014/main" id="{E19950F5-68DA-420D-4497-243008D2163E}"/>
-              </a:ext>
-            </a:extLst>
-          </p:cNvPr>
-          <p:cNvSpPr txBox="1"/>
-          <p:nvPr/>
-        </p:nvSpPr>
-        <p:spPr>
-          <a:xfrm>
-            <a:off x="3966150" y="2535041"/>
-            <a:ext cx="1211700" cy="327600"/>
-          </a:xfrm>
-          <a:prstGeom prst="rect">
-            <a:avLst/>
-          </a:prstGeom>
-          <a:noFill/>
-          <a:ln>
-            <a:noFill/>
-          </a:ln>
-        </p:spPr>
-        <p:txBody>
-          <a:bodyPr spcFirstLastPara="1" wrap="square" lIns="91425" tIns="91425" rIns="91425" bIns="91425" anchor="t" anchorCtr="0">
-            <a:noAutofit/>
-          </a:bodyPr>
-          <a:lstStyle/>
-          <a:p>
-            <a:pPr marL="0" lvl="0" indent="0" algn="ctr" rtl="0">
-              <a:spcBef>
-                <a:spcPts val="0"/>
-              </a:spcBef>
-              <a:spcAft>
-                <a:spcPts val="0"/>
-              </a:spcAft>
-              <a:buNone/>
-            </a:pPr>
-            <a:r>
-              <a:rPr lang="en" sz="1100" u="sng" dirty="0">
-                <a:latin typeface="Roboto"/>
-                <a:ea typeface="Roboto"/>
-                <a:cs typeface="Roboto"/>
-                <a:sym typeface="Roboto"/>
-              </a:rPr>
-              <a:t>Modeling Type</a:t>
-            </a:r>
-            <a:endParaRPr sz="1100" u="sng" dirty="0">
-              <a:latin typeface="Roboto"/>
-              <a:ea typeface="Roboto"/>
-              <a:cs typeface="Roboto"/>
-              <a:sym typeface="Roboto"/>
-            </a:endParaRPr>
-          </a:p>
-        </p:txBody>
-      </p:sp>
-      <p:pic>
-        <p:nvPicPr>
-          <p:cNvPr id="8" name="Google Shape;610;p76">
-            <a:extLst>
-              <a:ext uri="{FF2B5EF4-FFF2-40B4-BE49-F238E27FC236}">
-                <a16:creationId xmlns:a16="http://schemas.microsoft.com/office/drawing/2014/main" id="{98367278-5ACB-719B-5B82-242F1CD40E41}"/>
-              </a:ext>
-            </a:extLst>
-          </p:cNvPr>
-          <p:cNvPicPr preferRelativeResize="0"/>
-          <p:nvPr/>
-        </p:nvPicPr>
-        <p:blipFill rotWithShape="1">
-          <a:blip r:embed="rId2">
-            <a:alphaModFix/>
-          </a:blip>
-          <a:srcRect l="7430" r="7361" b="3446"/>
-          <a:stretch/>
-        </p:blipFill>
-        <p:spPr>
-          <a:xfrm>
-            <a:off x="228600" y="2219691"/>
-            <a:ext cx="3222314" cy="2053924"/>
-          </a:xfrm>
-          <a:prstGeom prst="rect">
-            <a:avLst/>
-          </a:prstGeom>
-          <a:noFill/>
-          <a:ln>
-            <a:noFill/>
-          </a:ln>
-        </p:spPr>
-      </p:pic>
-      <p:sp>
-        <p:nvSpPr>
-          <p:cNvPr id="9" name="Google Shape;611;p76">
-            <a:extLst>
-              <a:ext uri="{FF2B5EF4-FFF2-40B4-BE49-F238E27FC236}">
-                <a16:creationId xmlns:a16="http://schemas.microsoft.com/office/drawing/2014/main" id="{ED695E5D-7B66-5C4E-7C44-471D2F9A9D58}"/>
-              </a:ext>
-            </a:extLst>
-          </p:cNvPr>
-          <p:cNvSpPr txBox="1"/>
-          <p:nvPr/>
-        </p:nvSpPr>
-        <p:spPr>
-          <a:xfrm>
-            <a:off x="5486400" y="2219749"/>
-            <a:ext cx="3657600" cy="2053800"/>
-          </a:xfrm>
-          <a:prstGeom prst="rect">
-            <a:avLst/>
-          </a:prstGeom>
-          <a:noFill/>
-          <a:ln>
-            <a:noFill/>
-          </a:ln>
-        </p:spPr>
-        <p:txBody>
-          <a:bodyPr spcFirstLastPara="1" wrap="square" lIns="91425" tIns="91425" rIns="91425" bIns="91425" anchor="t" anchorCtr="0">
-            <a:noAutofit/>
-          </a:bodyPr>
-          <a:lstStyle/>
-          <a:p>
-            <a:pPr marL="0" lvl="0" indent="0" algn="l" rtl="0">
-              <a:spcBef>
-                <a:spcPts val="0"/>
-              </a:spcBef>
-              <a:spcAft>
-                <a:spcPts val="0"/>
-              </a:spcAft>
-              <a:buNone/>
-            </a:pPr>
-            <a:r>
-              <a:rPr lang="en" dirty="0">
-                <a:latin typeface="Roboto"/>
-                <a:ea typeface="Roboto"/>
-                <a:cs typeface="Roboto"/>
-                <a:sym typeface="Roboto"/>
-              </a:rPr>
-              <a:t>Customer Propensity Modeling</a:t>
-            </a:r>
-            <a:endParaRPr dirty="0">
-              <a:latin typeface="Roboto"/>
-              <a:ea typeface="Roboto"/>
-              <a:cs typeface="Roboto"/>
-              <a:sym typeface="Roboto"/>
-            </a:endParaRPr>
-          </a:p>
-          <a:p>
-            <a:pPr marL="0" lvl="0" indent="0" algn="l" rtl="0">
-              <a:spcBef>
-                <a:spcPts val="0"/>
-              </a:spcBef>
-              <a:spcAft>
-                <a:spcPts val="0"/>
-              </a:spcAft>
-              <a:buNone/>
-            </a:pPr>
-            <a:endParaRPr dirty="0">
-              <a:latin typeface="Roboto"/>
-              <a:ea typeface="Roboto"/>
-              <a:cs typeface="Roboto"/>
-              <a:sym typeface="Roboto"/>
-            </a:endParaRPr>
-          </a:p>
-          <a:p>
-            <a:pPr marL="0" lvl="0" indent="0" algn="l" rtl="0">
-              <a:spcBef>
-                <a:spcPts val="0"/>
-              </a:spcBef>
-              <a:spcAft>
-                <a:spcPts val="0"/>
-              </a:spcAft>
-              <a:buNone/>
-            </a:pPr>
-            <a:r>
-              <a:rPr lang="en" dirty="0">
-                <a:latin typeface="Roboto"/>
-                <a:ea typeface="Roboto"/>
-                <a:cs typeface="Roboto"/>
-                <a:sym typeface="Roboto"/>
-              </a:rPr>
-              <a:t>A model to predict a specific cross-sell offer </a:t>
-            </a:r>
-            <a:endParaRPr dirty="0">
-              <a:latin typeface="Roboto"/>
-              <a:ea typeface="Roboto"/>
-              <a:cs typeface="Roboto"/>
-              <a:sym typeface="Roboto"/>
-            </a:endParaRPr>
-          </a:p>
-          <a:p>
-            <a:pPr marL="0" lvl="0" indent="0" algn="l" rtl="0">
-              <a:spcBef>
-                <a:spcPts val="0"/>
-              </a:spcBef>
-              <a:spcAft>
-                <a:spcPts val="0"/>
-              </a:spcAft>
-              <a:buNone/>
-            </a:pPr>
-            <a:endParaRPr sz="1200" dirty="0">
-              <a:latin typeface="Roboto"/>
-              <a:ea typeface="Roboto"/>
-              <a:cs typeface="Roboto"/>
-              <a:sym typeface="Roboto"/>
-            </a:endParaRPr>
-          </a:p>
-          <a:p>
-            <a:pPr marL="0" lvl="0" indent="0" algn="l" rtl="0">
-              <a:spcBef>
-                <a:spcPts val="0"/>
-              </a:spcBef>
-              <a:spcAft>
-                <a:spcPts val="0"/>
-              </a:spcAft>
-              <a:buNone/>
-            </a:pPr>
-            <a:r>
-              <a:rPr lang="en" sz="1200" dirty="0">
-                <a:latin typeface="Roboto"/>
-                <a:ea typeface="Roboto"/>
-                <a:cs typeface="Roboto"/>
-                <a:sym typeface="Roboto"/>
-              </a:rPr>
-              <a:t>Agent to customer (</a:t>
-            </a:r>
-            <a:r>
-              <a:rPr lang="en" sz="1200" dirty="0" err="1">
-                <a:latin typeface="Roboto"/>
-                <a:ea typeface="Roboto"/>
-                <a:cs typeface="Roboto"/>
-                <a:sym typeface="Roboto"/>
-              </a:rPr>
-              <a:t>xSell</a:t>
-            </a:r>
-            <a:r>
-              <a:rPr lang="en" sz="1200" dirty="0">
-                <a:latin typeface="Roboto"/>
-                <a:ea typeface="Roboto"/>
-                <a:cs typeface="Roboto"/>
-                <a:sym typeface="Roboto"/>
-              </a:rPr>
-              <a:t>): ”I see you may benefit from new car coverage [vs roadside assistance]”</a:t>
-            </a:r>
-            <a:endParaRPr sz="1200" dirty="0">
-              <a:latin typeface="Roboto"/>
-              <a:ea typeface="Roboto"/>
-              <a:cs typeface="Roboto"/>
-              <a:sym typeface="Roboto"/>
-            </a:endParaRPr>
-          </a:p>
-          <a:p>
-            <a:pPr marL="0" lvl="0" indent="0" algn="l" rtl="0">
-              <a:spcBef>
-                <a:spcPts val="0"/>
-              </a:spcBef>
-              <a:spcAft>
-                <a:spcPts val="0"/>
-              </a:spcAft>
-              <a:buNone/>
-            </a:pPr>
-            <a:endParaRPr sz="1200" dirty="0">
-              <a:latin typeface="Roboto"/>
-              <a:ea typeface="Roboto"/>
-              <a:cs typeface="Roboto"/>
-              <a:sym typeface="Roboto"/>
-            </a:endParaRPr>
-          </a:p>
-          <a:p>
-            <a:pPr marL="0" lvl="0" indent="0" algn="l" rtl="0">
-              <a:spcBef>
-                <a:spcPts val="0"/>
-              </a:spcBef>
-              <a:spcAft>
-                <a:spcPts val="0"/>
-              </a:spcAft>
-              <a:buNone/>
-            </a:pPr>
-            <a:r>
-              <a:rPr lang="en" sz="1200" dirty="0">
-                <a:latin typeface="Roboto"/>
-                <a:ea typeface="Roboto"/>
-                <a:cs typeface="Roboto"/>
-                <a:sym typeface="Roboto"/>
-              </a:rPr>
-              <a:t>Agent to customer: (</a:t>
-            </a:r>
-            <a:r>
-              <a:rPr lang="en" sz="1200" dirty="0" err="1">
-                <a:latin typeface="Roboto"/>
-                <a:ea typeface="Roboto"/>
-                <a:cs typeface="Roboto"/>
-                <a:sym typeface="Roboto"/>
-              </a:rPr>
-              <a:t>upSell</a:t>
-            </a:r>
-            <a:r>
-              <a:rPr lang="en" sz="1200" dirty="0">
-                <a:latin typeface="Roboto"/>
-                <a:ea typeface="Roboto"/>
-                <a:cs typeface="Roboto"/>
-                <a:sym typeface="Roboto"/>
-              </a:rPr>
-              <a:t>) “Right now you have X insurance coverage, but it looks like we can increase your coverage for $$”</a:t>
-            </a:r>
-            <a:endParaRPr sz="1200" dirty="0">
-              <a:latin typeface="Roboto"/>
-              <a:ea typeface="Roboto"/>
-              <a:cs typeface="Roboto"/>
-              <a:sym typeface="Roboto"/>
-            </a:endParaRPr>
-          </a:p>
-          <a:p>
-            <a:pPr marL="0" lvl="0" indent="0" algn="l" rtl="0">
-              <a:spcBef>
-                <a:spcPts val="0"/>
-              </a:spcBef>
-              <a:spcAft>
-                <a:spcPts val="0"/>
-              </a:spcAft>
-              <a:buNone/>
-            </a:pPr>
-            <a:endParaRPr dirty="0">
-              <a:latin typeface="Roboto"/>
-              <a:ea typeface="Roboto"/>
-              <a:cs typeface="Roboto"/>
-              <a:sym typeface="Roboto"/>
-            </a:endParaRPr>
-          </a:p>
-        </p:txBody>
-      </p:sp>
-    </p:spTree>
-    <p:extLst>
-      <p:ext uri="{BB962C8B-B14F-4D97-AF65-F5344CB8AC3E}">
-        <p14:creationId xmlns:p14="http://schemas.microsoft.com/office/powerpoint/2010/main" val="3317992352"/>
-      </p:ext>
-    </p:extLst>
-  </p:cSld>
-  <p:clrMapOvr>
-    <a:masterClrMapping/>
-  </p:clrMapOvr>
-</p:sld>
-</file>
-
-<file path=ppt/slides/slide23.xml><?xml version="1.0" encoding="utf-8"?>
-<p:sld xmlns:a="http://schemas.openxmlformats.org/drawingml/2006/main" xmlns:r="http://schemas.openxmlformats.org/officeDocument/2006/relationships" xmlns:p="http://schemas.openxmlformats.org/presentationml/2006/main">
-  <p:cSld>
-    <p:spTree>
-      <p:nvGrpSpPr>
-        <p:cNvPr id="1" name=""/>
-        <p:cNvGrpSpPr/>
-        <p:nvPr/>
-      </p:nvGrpSpPr>
-      <p:grpSpPr>
-        <a:xfrm>
-          <a:off x="0" y="0"/>
-          <a:ext cx="0" cy="0"/>
-          <a:chOff x="0" y="0"/>
-          <a:chExt cx="0" cy="0"/>
-        </a:xfrm>
-      </p:grpSpPr>
-      <p:sp>
-        <p:nvSpPr>
-          <p:cNvPr id="2" name="Date Placeholder 1">
-            <a:extLst>
-              <a:ext uri="{FF2B5EF4-FFF2-40B4-BE49-F238E27FC236}">
                 <a16:creationId xmlns:a16="http://schemas.microsoft.com/office/drawing/2014/main" id="{87A58008-331C-64E1-694A-4738ADEFCF05}"/>
               </a:ext>
             </a:extLst>
@@ -12836,7 +11201,7 @@
           <a:p>
             <a:fld id="{37290FF7-652B-4475-AEAB-8B1A5D23AE09}" type="slidenum">
               <a:rPr lang="en-US" smtClean="0"/>
-              <a:t>23</a:t>
+              <a:t>20</a:t>
             </a:fld>
             <a:endParaRPr lang="en-US"/>
           </a:p>
@@ -13975,7 +12340,7 @@
 </p:sld>
 </file>
 
-<file path=ppt/slides/slide24.xml><?xml version="1.0" encoding="utf-8"?>
+<file path=ppt/slides/slide21.xml><?xml version="1.0" encoding="utf-8"?>
 <p:sld xmlns:a="http://schemas.openxmlformats.org/drawingml/2006/main" xmlns:r="http://schemas.openxmlformats.org/officeDocument/2006/relationships" xmlns:p="http://schemas.openxmlformats.org/presentationml/2006/main">
   <p:cSld>
     <p:spTree>
@@ -14077,7 +12442,7 @@
           <a:p>
             <a:fld id="{37290FF7-652B-4475-AEAB-8B1A5D23AE09}" type="slidenum">
               <a:rPr lang="en-US" smtClean="0"/>
-              <a:t>24</a:t>
+              <a:t>21</a:t>
             </a:fld>
             <a:endParaRPr lang="en-US"/>
           </a:p>
@@ -15692,7 +14057,7 @@
 </p:sld>
 </file>
 
-<file path=ppt/slides/slide25.xml><?xml version="1.0" encoding="utf-8"?>
+<file path=ppt/slides/slide22.xml><?xml version="1.0" encoding="utf-8"?>
 <p:sld xmlns:a="http://schemas.openxmlformats.org/drawingml/2006/main" xmlns:r="http://schemas.openxmlformats.org/officeDocument/2006/relationships" xmlns:p="http://schemas.openxmlformats.org/presentationml/2006/main">
   <p:cSld>
     <p:spTree>
@@ -15771,7 +14136,7 @@
           <a:p>
             <a:fld id="{37290FF7-652B-4475-AEAB-8B1A5D23AE09}" type="slidenum">
               <a:rPr lang="en-US" smtClean="0"/>
-              <a:t>25</a:t>
+              <a:t>22</a:t>
             </a:fld>
             <a:endParaRPr lang="en-US"/>
           </a:p>
@@ -16064,7 +14429,7 @@
 </p:sld>
 </file>
 
-<file path=ppt/slides/slide26.xml><?xml version="1.0" encoding="utf-8"?>
+<file path=ppt/slides/slide23.xml><?xml version="1.0" encoding="utf-8"?>
 <p:sld xmlns:a="http://schemas.openxmlformats.org/drawingml/2006/main" xmlns:r="http://schemas.openxmlformats.org/officeDocument/2006/relationships" xmlns:p="http://schemas.openxmlformats.org/presentationml/2006/main">
   <p:cSld>
     <p:spTree>
@@ -16143,7 +14508,7 @@
           <a:p>
             <a:fld id="{37290FF7-652B-4475-AEAB-8B1A5D23AE09}" type="slidenum">
               <a:rPr lang="en-US" smtClean="0"/>
-              <a:t>26</a:t>
+              <a:t>23</a:t>
             </a:fld>
             <a:endParaRPr lang="en-US"/>
           </a:p>
@@ -16436,7 +14801,7 @@
 </p:sld>
 </file>
 
-<file path=ppt/slides/slide27.xml><?xml version="1.0" encoding="utf-8"?>
+<file path=ppt/slides/slide24.xml><?xml version="1.0" encoding="utf-8"?>
 <p:sld xmlns:a="http://schemas.openxmlformats.org/drawingml/2006/main" xmlns:r="http://schemas.openxmlformats.org/officeDocument/2006/relationships" xmlns:p="http://schemas.openxmlformats.org/presentationml/2006/main">
   <p:cSld>
     <p:spTree>
@@ -16515,7 +14880,7 @@
           <a:p>
             <a:fld id="{37290FF7-652B-4475-AEAB-8B1A5D23AE09}" type="slidenum">
               <a:rPr lang="en-US" smtClean="0"/>
-              <a:t>27</a:t>
+              <a:t>24</a:t>
             </a:fld>
             <a:endParaRPr lang="en-US"/>
           </a:p>
@@ -16840,7 +15205,7 @@
 </p:sld>
 </file>
 
-<file path=ppt/slides/slide28.xml><?xml version="1.0" encoding="utf-8"?>
+<file path=ppt/slides/slide25.xml><?xml version="1.0" encoding="utf-8"?>
 <p:sld xmlns:a="http://schemas.openxmlformats.org/drawingml/2006/main" xmlns:r="http://schemas.openxmlformats.org/officeDocument/2006/relationships" xmlns:p="http://schemas.openxmlformats.org/presentationml/2006/main">
   <p:cSld>
     <p:spTree>
@@ -16919,7 +15284,7 @@
           <a:p>
             <a:fld id="{37290FF7-652B-4475-AEAB-8B1A5D23AE09}" type="slidenum">
               <a:rPr lang="en-US" smtClean="0"/>
-              <a:t>28</a:t>
+              <a:t>25</a:t>
             </a:fld>
             <a:endParaRPr lang="en-US"/>
           </a:p>
@@ -17252,7 +15617,7 @@
 </p:sld>
 </file>
 
-<file path=ppt/slides/slide29.xml><?xml version="1.0" encoding="utf-8"?>
+<file path=ppt/slides/slide26.xml><?xml version="1.0" encoding="utf-8"?>
 <p:sld xmlns:a="http://schemas.openxmlformats.org/drawingml/2006/main" xmlns:r="http://schemas.openxmlformats.org/officeDocument/2006/relationships" xmlns:p="http://schemas.openxmlformats.org/presentationml/2006/main">
   <p:cSld>
     <p:spTree>
@@ -17331,7 +15696,7 @@
           <a:p>
             <a:fld id="{37290FF7-652B-4475-AEAB-8B1A5D23AE09}" type="slidenum">
               <a:rPr lang="en-US" smtClean="0"/>
-              <a:t>29</a:t>
+              <a:t>26</a:t>
             </a:fld>
             <a:endParaRPr lang="en-US"/>
           </a:p>
@@ -17688,6 +16053,1182 @@
 </p:sld>
 </file>
 
+<file path=ppt/slides/slide27.xml><?xml version="1.0" encoding="utf-8"?>
+<p:sld xmlns:a="http://schemas.openxmlformats.org/drawingml/2006/main" xmlns:r="http://schemas.openxmlformats.org/officeDocument/2006/relationships" xmlns:p="http://schemas.openxmlformats.org/presentationml/2006/main">
+  <p:cSld>
+    <p:spTree>
+      <p:nvGrpSpPr>
+        <p:cNvPr id="1" name=""/>
+        <p:cNvGrpSpPr/>
+        <p:nvPr/>
+      </p:nvGrpSpPr>
+      <p:grpSpPr>
+        <a:xfrm>
+          <a:off x="0" y="0"/>
+          <a:ext cx="0" cy="0"/>
+          <a:chOff x="0" y="0"/>
+          <a:chExt cx="0" cy="0"/>
+        </a:xfrm>
+      </p:grpSpPr>
+      <p:sp>
+        <p:nvSpPr>
+          <p:cNvPr id="2" name="Date Placeholder 1"/>
+          <p:cNvSpPr>
+            <a:spLocks noGrp="1"/>
+          </p:cNvSpPr>
+          <p:nvPr>
+            <p:ph type="dt" sz="half" idx="10"/>
+          </p:nvPr>
+        </p:nvSpPr>
+        <p:spPr/>
+        <p:txBody>
+          <a:bodyPr/>
+          <a:lstStyle/>
+          <a:p>
+            <a:fld id="{6700A58B-DD98-43D0-B791-721480A02982}" type="datetime1">
+              <a:rPr lang="en-US" smtClean="0"/>
+              <a:t>7/19/23</a:t>
+            </a:fld>
+            <a:endParaRPr lang="en-US"/>
+          </a:p>
+        </p:txBody>
+      </p:sp>
+      <p:sp>
+        <p:nvSpPr>
+          <p:cNvPr id="3" name="Title 2"/>
+          <p:cNvSpPr>
+            <a:spLocks noGrp="1"/>
+          </p:cNvSpPr>
+          <p:nvPr>
+            <p:ph type="title"/>
+          </p:nvPr>
+        </p:nvSpPr>
+        <p:spPr/>
+        <p:txBody>
+          <a:bodyPr/>
+          <a:lstStyle/>
+          <a:p>
+            <a:r>
+              <a:rPr lang="en-US" dirty="0"/>
+              <a:t>Types of Problems</a:t>
+            </a:r>
+          </a:p>
+        </p:txBody>
+      </p:sp>
+      <p:sp>
+        <p:nvSpPr>
+          <p:cNvPr id="4" name="Slide Number Placeholder 3"/>
+          <p:cNvSpPr>
+            <a:spLocks noGrp="1"/>
+          </p:cNvSpPr>
+          <p:nvPr>
+            <p:ph type="sldNum" sz="quarter" idx="12"/>
+          </p:nvPr>
+        </p:nvSpPr>
+        <p:spPr/>
+        <p:txBody>
+          <a:bodyPr/>
+          <a:lstStyle/>
+          <a:p>
+            <a:fld id="{37290FF7-652B-4475-AEAB-8B1A5D23AE09}" type="slidenum">
+              <a:rPr lang="en-US" smtClean="0"/>
+              <a:t>27</a:t>
+            </a:fld>
+            <a:endParaRPr lang="en-US"/>
+          </a:p>
+        </p:txBody>
+      </p:sp>
+      <p:sp>
+        <p:nvSpPr>
+          <p:cNvPr id="7" name="Rectangle 6"/>
+          <p:cNvSpPr/>
+          <p:nvPr/>
+        </p:nvSpPr>
+        <p:spPr>
+          <a:xfrm>
+            <a:off x="4640239" y="1801504"/>
+            <a:ext cx="3794077" cy="873457"/>
+          </a:xfrm>
+          <a:prstGeom prst="rect">
+            <a:avLst/>
+          </a:prstGeom>
+          <a:solidFill>
+            <a:schemeClr val="accent3"/>
+          </a:solidFill>
+          <a:ln>
+            <a:noFill/>
+          </a:ln>
+        </p:spPr>
+        <p:style>
+          <a:lnRef idx="2">
+            <a:schemeClr val="accent1">
+              <a:shade val="50000"/>
+            </a:schemeClr>
+          </a:lnRef>
+          <a:fillRef idx="1">
+            <a:schemeClr val="accent1"/>
+          </a:fillRef>
+          <a:effectRef idx="0">
+            <a:schemeClr val="accent1"/>
+          </a:effectRef>
+          <a:fontRef idx="minor">
+            <a:schemeClr val="lt1"/>
+          </a:fontRef>
+        </p:style>
+        <p:txBody>
+          <a:bodyPr rtlCol="0" anchor="ctr"/>
+          <a:lstStyle/>
+          <a:p>
+            <a:pPr algn="ctr"/>
+            <a:r>
+              <a:rPr lang="en-US" dirty="0"/>
+              <a:t>Ask yourself is there an outcome variable that we want to predict.</a:t>
+            </a:r>
+          </a:p>
+        </p:txBody>
+      </p:sp>
+      <p:sp>
+        <p:nvSpPr>
+          <p:cNvPr id="8" name="Rectangle 7"/>
+          <p:cNvSpPr/>
+          <p:nvPr/>
+        </p:nvSpPr>
+        <p:spPr>
+          <a:xfrm>
+            <a:off x="4642513" y="2759122"/>
+            <a:ext cx="3794077" cy="2222311"/>
+          </a:xfrm>
+          <a:prstGeom prst="rect">
+            <a:avLst/>
+          </a:prstGeom>
+        </p:spPr>
+        <p:style>
+          <a:lnRef idx="2">
+            <a:schemeClr val="accent1">
+              <a:shade val="50000"/>
+            </a:schemeClr>
+          </a:lnRef>
+          <a:fillRef idx="1">
+            <a:schemeClr val="accent1"/>
+          </a:fillRef>
+          <a:effectRef idx="0">
+            <a:schemeClr val="accent1"/>
+          </a:effectRef>
+          <a:fontRef idx="minor">
+            <a:schemeClr val="lt1"/>
+          </a:fontRef>
+        </p:style>
+        <p:txBody>
+          <a:bodyPr rtlCol="0" anchor="ctr"/>
+          <a:lstStyle/>
+          <a:p>
+            <a:pPr algn="ctr"/>
+            <a:r>
+              <a:rPr lang="en-US" dirty="0"/>
+              <a:t>How many ice cream cones will we sell on an 85 degree, Saturday?</a:t>
+            </a:r>
+          </a:p>
+          <a:p>
+            <a:pPr algn="ctr"/>
+            <a:r>
+              <a:rPr lang="en-US" sz="1200" dirty="0"/>
+              <a:t>(the outcome is a continuous 0 to some number of cones)</a:t>
+            </a:r>
+          </a:p>
+        </p:txBody>
+      </p:sp>
+      <p:sp>
+        <p:nvSpPr>
+          <p:cNvPr id="10" name="TextBox 9"/>
+          <p:cNvSpPr txBox="1"/>
+          <p:nvPr/>
+        </p:nvSpPr>
+        <p:spPr>
+          <a:xfrm>
+            <a:off x="504967" y="1883391"/>
+            <a:ext cx="3358612" cy="3693319"/>
+          </a:xfrm>
+          <a:prstGeom prst="rect">
+            <a:avLst/>
+          </a:prstGeom>
+          <a:noFill/>
+        </p:spPr>
+        <p:txBody>
+          <a:bodyPr wrap="none" rtlCol="0">
+            <a:spAutoFit/>
+          </a:bodyPr>
+          <a:lstStyle/>
+          <a:p>
+            <a:pPr marL="285750" indent="-285750">
+              <a:buFont typeface="Arial" panose="020B0604020202020204" pitchFamily="34" charset="0"/>
+              <a:buChar char="•"/>
+            </a:pPr>
+            <a:r>
+              <a:rPr lang="en-US" dirty="0"/>
+              <a:t>Retrospective</a:t>
+            </a:r>
+          </a:p>
+          <a:p>
+            <a:pPr marL="285750" indent="-285750">
+              <a:buFont typeface="Arial" panose="020B0604020202020204" pitchFamily="34" charset="0"/>
+              <a:buChar char="•"/>
+            </a:pPr>
+            <a:r>
+              <a:rPr lang="en-US" dirty="0"/>
+              <a:t>Descriptive</a:t>
+            </a:r>
+          </a:p>
+          <a:p>
+            <a:pPr marL="285750" indent="-285750">
+              <a:buFont typeface="Arial" panose="020B0604020202020204" pitchFamily="34" charset="0"/>
+              <a:buChar char="•"/>
+            </a:pPr>
+            <a:r>
+              <a:rPr lang="en-US" b="1" dirty="0">
+                <a:solidFill>
+                  <a:schemeClr val="accent6"/>
+                </a:solidFill>
+              </a:rPr>
+              <a:t>Data Science</a:t>
+            </a:r>
+          </a:p>
+          <a:p>
+            <a:pPr marL="742950" lvl="1" indent="-285750">
+              <a:buFont typeface="Arial" panose="020B0604020202020204" pitchFamily="34" charset="0"/>
+              <a:buChar char="•"/>
+            </a:pPr>
+            <a:r>
+              <a:rPr lang="en-US" b="1" dirty="0">
+                <a:solidFill>
+                  <a:schemeClr val="accent6"/>
+                </a:solidFill>
+              </a:rPr>
+              <a:t>Predictive</a:t>
+            </a:r>
+          </a:p>
+          <a:p>
+            <a:pPr marL="1200150" lvl="2" indent="-285750">
+              <a:buFont typeface="Arial" panose="020B0604020202020204" pitchFamily="34" charset="0"/>
+              <a:buChar char="•"/>
+            </a:pPr>
+            <a:r>
+              <a:rPr lang="en-US" dirty="0"/>
+              <a:t>Supervised Learning</a:t>
+            </a:r>
+          </a:p>
+          <a:p>
+            <a:pPr marL="1657350" lvl="3" indent="-285750">
+              <a:buFont typeface="Arial" panose="020B0604020202020204" pitchFamily="34" charset="0"/>
+              <a:buChar char="•"/>
+            </a:pPr>
+            <a:r>
+              <a:rPr lang="en-US" dirty="0"/>
+              <a:t>Classification</a:t>
+            </a:r>
+          </a:p>
+          <a:p>
+            <a:pPr marL="2114550" lvl="4" indent="-285750">
+              <a:buFont typeface="Arial" panose="020B0604020202020204" pitchFamily="34" charset="0"/>
+              <a:buChar char="•"/>
+            </a:pPr>
+            <a:r>
+              <a:rPr lang="en-US" dirty="0"/>
+              <a:t>Binary</a:t>
+            </a:r>
+          </a:p>
+          <a:p>
+            <a:pPr marL="2114550" lvl="4" indent="-285750">
+              <a:buFont typeface="Arial" panose="020B0604020202020204" pitchFamily="34" charset="0"/>
+              <a:buChar char="•"/>
+            </a:pPr>
+            <a:r>
+              <a:rPr lang="en-US" dirty="0"/>
+              <a:t>Multi-Class</a:t>
+            </a:r>
+          </a:p>
+          <a:p>
+            <a:pPr marL="1657350" lvl="3" indent="-285750">
+              <a:buFont typeface="Arial" panose="020B0604020202020204" pitchFamily="34" charset="0"/>
+              <a:buChar char="•"/>
+            </a:pPr>
+            <a:r>
+              <a:rPr lang="en-US" b="1" dirty="0">
+                <a:solidFill>
+                  <a:schemeClr val="accent6"/>
+                </a:solidFill>
+              </a:rPr>
+              <a:t>Continuous</a:t>
+            </a:r>
+          </a:p>
+          <a:p>
+            <a:pPr marL="742950" lvl="1" indent="-285750">
+              <a:buFont typeface="Arial" panose="020B0604020202020204" pitchFamily="34" charset="0"/>
+              <a:buChar char="•"/>
+            </a:pPr>
+            <a:r>
+              <a:rPr lang="en-US" dirty="0"/>
+              <a:t>Forecasting</a:t>
+            </a:r>
+          </a:p>
+          <a:p>
+            <a:pPr marL="742950" lvl="2" indent="-285750">
+              <a:buFont typeface="Arial" panose="020B0604020202020204" pitchFamily="34" charset="0"/>
+              <a:buChar char="•"/>
+            </a:pPr>
+            <a:r>
+              <a:rPr lang="en-US" dirty="0"/>
+              <a:t>Unsupervised Learning</a:t>
+            </a:r>
+          </a:p>
+          <a:p>
+            <a:pPr marL="742950" lvl="1" indent="-285750">
+              <a:buFont typeface="Arial" panose="020B0604020202020204" pitchFamily="34" charset="0"/>
+              <a:buChar char="•"/>
+            </a:pPr>
+            <a:r>
+              <a:rPr lang="en-US" dirty="0"/>
+              <a:t>Associative System</a:t>
+            </a:r>
+          </a:p>
+          <a:p>
+            <a:pPr marL="285750" indent="-285750">
+              <a:buFont typeface="Arial" panose="020B0604020202020204" pitchFamily="34" charset="0"/>
+              <a:buChar char="•"/>
+            </a:pPr>
+            <a:endParaRPr lang="en-US" dirty="0"/>
+          </a:p>
+        </p:txBody>
+      </p:sp>
+      <p:sp>
+        <p:nvSpPr>
+          <p:cNvPr id="5" name="Footer Placeholder 4">
+            <a:extLst>
+              <a:ext uri="{FF2B5EF4-FFF2-40B4-BE49-F238E27FC236}">
+                <a16:creationId xmlns:a16="http://schemas.microsoft.com/office/drawing/2014/main" id="{D0F6A637-1BAC-FCE1-9CE7-5816EFB4F0F1}"/>
+              </a:ext>
+            </a:extLst>
+          </p:cNvPr>
+          <p:cNvSpPr>
+            <a:spLocks noGrp="1"/>
+          </p:cNvSpPr>
+          <p:nvPr>
+            <p:ph type="ftr" sz="quarter" idx="3"/>
+          </p:nvPr>
+        </p:nvSpPr>
+        <p:spPr>
+          <a:xfrm>
+            <a:off x="3028950" y="6356351"/>
+            <a:ext cx="3086100" cy="365125"/>
+          </a:xfrm>
+        </p:spPr>
+        <p:txBody>
+          <a:bodyPr/>
+          <a:lstStyle/>
+          <a:p>
+            <a:r>
+              <a:rPr lang="en-US" dirty="0"/>
+              <a:t>Kwartler</a:t>
+            </a:r>
+          </a:p>
+        </p:txBody>
+      </p:sp>
+    </p:spTree>
+    <p:extLst>
+      <p:ext uri="{BB962C8B-B14F-4D97-AF65-F5344CB8AC3E}">
+        <p14:creationId xmlns:p14="http://schemas.microsoft.com/office/powerpoint/2010/main" val="841926385"/>
+      </p:ext>
+    </p:extLst>
+  </p:cSld>
+  <p:clrMapOvr>
+    <a:masterClrMapping/>
+  </p:clrMapOvr>
+</p:sld>
+</file>
+
+<file path=ppt/slides/slide28.xml><?xml version="1.0" encoding="utf-8"?>
+<p:sld xmlns:a="http://schemas.openxmlformats.org/drawingml/2006/main" xmlns:r="http://schemas.openxmlformats.org/officeDocument/2006/relationships" xmlns:p="http://schemas.openxmlformats.org/presentationml/2006/main">
+  <p:cSld>
+    <p:spTree>
+      <p:nvGrpSpPr>
+        <p:cNvPr id="1" name=""/>
+        <p:cNvGrpSpPr/>
+        <p:nvPr/>
+      </p:nvGrpSpPr>
+      <p:grpSpPr>
+        <a:xfrm>
+          <a:off x="0" y="0"/>
+          <a:ext cx="0" cy="0"/>
+          <a:chOff x="0" y="0"/>
+          <a:chExt cx="0" cy="0"/>
+        </a:xfrm>
+      </p:grpSpPr>
+      <p:sp>
+        <p:nvSpPr>
+          <p:cNvPr id="2" name="Date Placeholder 1"/>
+          <p:cNvSpPr>
+            <a:spLocks noGrp="1"/>
+          </p:cNvSpPr>
+          <p:nvPr>
+            <p:ph type="dt" sz="half" idx="10"/>
+          </p:nvPr>
+        </p:nvSpPr>
+        <p:spPr/>
+        <p:txBody>
+          <a:bodyPr/>
+          <a:lstStyle/>
+          <a:p>
+            <a:fld id="{6700A58B-DD98-43D0-B791-721480A02982}" type="datetime1">
+              <a:rPr lang="en-US" smtClean="0"/>
+              <a:t>7/19/23</a:t>
+            </a:fld>
+            <a:endParaRPr lang="en-US"/>
+          </a:p>
+        </p:txBody>
+      </p:sp>
+      <p:sp>
+        <p:nvSpPr>
+          <p:cNvPr id="3" name="Title 2"/>
+          <p:cNvSpPr>
+            <a:spLocks noGrp="1"/>
+          </p:cNvSpPr>
+          <p:nvPr>
+            <p:ph type="title"/>
+          </p:nvPr>
+        </p:nvSpPr>
+        <p:spPr/>
+        <p:txBody>
+          <a:bodyPr/>
+          <a:lstStyle/>
+          <a:p>
+            <a:r>
+              <a:rPr lang="en-US" dirty="0"/>
+              <a:t>Types of Problems</a:t>
+            </a:r>
+          </a:p>
+        </p:txBody>
+      </p:sp>
+      <p:sp>
+        <p:nvSpPr>
+          <p:cNvPr id="4" name="Slide Number Placeholder 3"/>
+          <p:cNvSpPr>
+            <a:spLocks noGrp="1"/>
+          </p:cNvSpPr>
+          <p:nvPr>
+            <p:ph type="sldNum" sz="quarter" idx="12"/>
+          </p:nvPr>
+        </p:nvSpPr>
+        <p:spPr/>
+        <p:txBody>
+          <a:bodyPr/>
+          <a:lstStyle/>
+          <a:p>
+            <a:fld id="{37290FF7-652B-4475-AEAB-8B1A5D23AE09}" type="slidenum">
+              <a:rPr lang="en-US" smtClean="0"/>
+              <a:t>28</a:t>
+            </a:fld>
+            <a:endParaRPr lang="en-US"/>
+          </a:p>
+        </p:txBody>
+      </p:sp>
+      <p:sp>
+        <p:nvSpPr>
+          <p:cNvPr id="7" name="Rectangle 6"/>
+          <p:cNvSpPr/>
+          <p:nvPr/>
+        </p:nvSpPr>
+        <p:spPr>
+          <a:xfrm>
+            <a:off x="4640239" y="1801504"/>
+            <a:ext cx="3794077" cy="873457"/>
+          </a:xfrm>
+          <a:prstGeom prst="rect">
+            <a:avLst/>
+          </a:prstGeom>
+          <a:solidFill>
+            <a:schemeClr val="accent3"/>
+          </a:solidFill>
+          <a:ln>
+            <a:noFill/>
+          </a:ln>
+        </p:spPr>
+        <p:style>
+          <a:lnRef idx="2">
+            <a:schemeClr val="accent1">
+              <a:shade val="50000"/>
+            </a:schemeClr>
+          </a:lnRef>
+          <a:fillRef idx="1">
+            <a:schemeClr val="accent1"/>
+          </a:fillRef>
+          <a:effectRef idx="0">
+            <a:schemeClr val="accent1"/>
+          </a:effectRef>
+          <a:fontRef idx="minor">
+            <a:schemeClr val="lt1"/>
+          </a:fontRef>
+        </p:style>
+        <p:txBody>
+          <a:bodyPr rtlCol="0" anchor="ctr"/>
+          <a:lstStyle/>
+          <a:p>
+            <a:pPr algn="ctr"/>
+            <a:r>
+              <a:rPr lang="en-US" dirty="0"/>
+              <a:t>Ask yourself is there an outcome variable that we want to predict.</a:t>
+            </a:r>
+          </a:p>
+        </p:txBody>
+      </p:sp>
+      <p:sp>
+        <p:nvSpPr>
+          <p:cNvPr id="8" name="Rectangle 7"/>
+          <p:cNvSpPr/>
+          <p:nvPr/>
+        </p:nvSpPr>
+        <p:spPr>
+          <a:xfrm>
+            <a:off x="4642513" y="2759122"/>
+            <a:ext cx="3794077" cy="2222311"/>
+          </a:xfrm>
+          <a:prstGeom prst="rect">
+            <a:avLst/>
+          </a:prstGeom>
+        </p:spPr>
+        <p:style>
+          <a:lnRef idx="2">
+            <a:schemeClr val="accent1">
+              <a:shade val="50000"/>
+            </a:schemeClr>
+          </a:lnRef>
+          <a:fillRef idx="1">
+            <a:schemeClr val="accent1"/>
+          </a:fillRef>
+          <a:effectRef idx="0">
+            <a:schemeClr val="accent1"/>
+          </a:effectRef>
+          <a:fontRef idx="minor">
+            <a:schemeClr val="lt1"/>
+          </a:fontRef>
+        </p:style>
+        <p:txBody>
+          <a:bodyPr rtlCol="0" anchor="ctr"/>
+          <a:lstStyle/>
+          <a:p>
+            <a:pPr algn="ctr"/>
+            <a:r>
+              <a:rPr lang="en-US" dirty="0"/>
+              <a:t>How much corn meal will we need for our corn dogs this month?</a:t>
+            </a:r>
+          </a:p>
+          <a:p>
+            <a:pPr algn="ctr"/>
+            <a:r>
+              <a:rPr lang="en-US" sz="1200" dirty="0"/>
+              <a:t>(there is an outcome, and the data is time related)</a:t>
+            </a:r>
+          </a:p>
+        </p:txBody>
+      </p:sp>
+      <p:sp>
+        <p:nvSpPr>
+          <p:cNvPr id="9" name="TextBox 8"/>
+          <p:cNvSpPr txBox="1"/>
+          <p:nvPr/>
+        </p:nvSpPr>
+        <p:spPr>
+          <a:xfrm>
+            <a:off x="504967" y="1883391"/>
+            <a:ext cx="3358612" cy="3693319"/>
+          </a:xfrm>
+          <a:prstGeom prst="rect">
+            <a:avLst/>
+          </a:prstGeom>
+          <a:noFill/>
+        </p:spPr>
+        <p:txBody>
+          <a:bodyPr wrap="none" rtlCol="0">
+            <a:spAutoFit/>
+          </a:bodyPr>
+          <a:lstStyle/>
+          <a:p>
+            <a:pPr marL="285750" indent="-285750">
+              <a:buFont typeface="Arial" panose="020B0604020202020204" pitchFamily="34" charset="0"/>
+              <a:buChar char="•"/>
+            </a:pPr>
+            <a:r>
+              <a:rPr lang="en-US" dirty="0"/>
+              <a:t>Retrospective</a:t>
+            </a:r>
+          </a:p>
+          <a:p>
+            <a:pPr marL="285750" indent="-285750">
+              <a:buFont typeface="Arial" panose="020B0604020202020204" pitchFamily="34" charset="0"/>
+              <a:buChar char="•"/>
+            </a:pPr>
+            <a:r>
+              <a:rPr lang="en-US" dirty="0"/>
+              <a:t>Descriptive</a:t>
+            </a:r>
+          </a:p>
+          <a:p>
+            <a:pPr marL="285750" indent="-285750">
+              <a:buFont typeface="Arial" panose="020B0604020202020204" pitchFamily="34" charset="0"/>
+              <a:buChar char="•"/>
+            </a:pPr>
+            <a:r>
+              <a:rPr lang="en-US" b="1" dirty="0">
+                <a:solidFill>
+                  <a:schemeClr val="accent6"/>
+                </a:solidFill>
+              </a:rPr>
+              <a:t>Data Science</a:t>
+            </a:r>
+          </a:p>
+          <a:p>
+            <a:pPr marL="742950" lvl="1" indent="-285750">
+              <a:buFont typeface="Arial" panose="020B0604020202020204" pitchFamily="34" charset="0"/>
+              <a:buChar char="•"/>
+            </a:pPr>
+            <a:r>
+              <a:rPr lang="en-US" dirty="0"/>
+              <a:t>Predictive</a:t>
+            </a:r>
+          </a:p>
+          <a:p>
+            <a:pPr marL="1200150" lvl="2" indent="-285750">
+              <a:buFont typeface="Arial" panose="020B0604020202020204" pitchFamily="34" charset="0"/>
+              <a:buChar char="•"/>
+            </a:pPr>
+            <a:r>
+              <a:rPr lang="en-US" dirty="0"/>
+              <a:t>Supervised Learning</a:t>
+            </a:r>
+          </a:p>
+          <a:p>
+            <a:pPr marL="1657350" lvl="3" indent="-285750">
+              <a:buFont typeface="Arial" panose="020B0604020202020204" pitchFamily="34" charset="0"/>
+              <a:buChar char="•"/>
+            </a:pPr>
+            <a:r>
+              <a:rPr lang="en-US" dirty="0"/>
+              <a:t>Classification</a:t>
+            </a:r>
+          </a:p>
+          <a:p>
+            <a:pPr marL="2114550" lvl="4" indent="-285750">
+              <a:buFont typeface="Arial" panose="020B0604020202020204" pitchFamily="34" charset="0"/>
+              <a:buChar char="•"/>
+            </a:pPr>
+            <a:r>
+              <a:rPr lang="en-US" dirty="0"/>
+              <a:t>Binary</a:t>
+            </a:r>
+          </a:p>
+          <a:p>
+            <a:pPr marL="2114550" lvl="4" indent="-285750">
+              <a:buFont typeface="Arial" panose="020B0604020202020204" pitchFamily="34" charset="0"/>
+              <a:buChar char="•"/>
+            </a:pPr>
+            <a:r>
+              <a:rPr lang="en-US" dirty="0"/>
+              <a:t>Multi-Class</a:t>
+            </a:r>
+          </a:p>
+          <a:p>
+            <a:pPr marL="1657350" lvl="3" indent="-285750">
+              <a:buFont typeface="Arial" panose="020B0604020202020204" pitchFamily="34" charset="0"/>
+              <a:buChar char="•"/>
+            </a:pPr>
+            <a:r>
+              <a:rPr lang="en-US" dirty="0"/>
+              <a:t>Continuous</a:t>
+            </a:r>
+          </a:p>
+          <a:p>
+            <a:pPr marL="742950" lvl="1" indent="-285750">
+              <a:buFont typeface="Arial" panose="020B0604020202020204" pitchFamily="34" charset="0"/>
+              <a:buChar char="•"/>
+            </a:pPr>
+            <a:r>
+              <a:rPr lang="en-US" b="1" dirty="0">
+                <a:solidFill>
+                  <a:schemeClr val="accent6"/>
+                </a:solidFill>
+              </a:rPr>
+              <a:t>Forecasting</a:t>
+            </a:r>
+          </a:p>
+          <a:p>
+            <a:pPr marL="742950" lvl="2" indent="-285750">
+              <a:buFont typeface="Arial" panose="020B0604020202020204" pitchFamily="34" charset="0"/>
+              <a:buChar char="•"/>
+            </a:pPr>
+            <a:r>
+              <a:rPr lang="en-US" dirty="0"/>
+              <a:t>Unsupervised Learning</a:t>
+            </a:r>
+          </a:p>
+          <a:p>
+            <a:pPr marL="742950" lvl="1" indent="-285750">
+              <a:buFont typeface="Arial" panose="020B0604020202020204" pitchFamily="34" charset="0"/>
+              <a:buChar char="•"/>
+            </a:pPr>
+            <a:r>
+              <a:rPr lang="en-US" dirty="0"/>
+              <a:t>Associative System</a:t>
+            </a:r>
+          </a:p>
+          <a:p>
+            <a:pPr marL="285750" indent="-285750">
+              <a:buFont typeface="Arial" panose="020B0604020202020204" pitchFamily="34" charset="0"/>
+              <a:buChar char="•"/>
+            </a:pPr>
+            <a:endParaRPr lang="en-US" dirty="0"/>
+          </a:p>
+        </p:txBody>
+      </p:sp>
+      <p:sp>
+        <p:nvSpPr>
+          <p:cNvPr id="5" name="Footer Placeholder 4">
+            <a:extLst>
+              <a:ext uri="{FF2B5EF4-FFF2-40B4-BE49-F238E27FC236}">
+                <a16:creationId xmlns:a16="http://schemas.microsoft.com/office/drawing/2014/main" id="{2C774203-C924-8D4F-ED61-44C057B64DE1}"/>
+              </a:ext>
+            </a:extLst>
+          </p:cNvPr>
+          <p:cNvSpPr>
+            <a:spLocks noGrp="1"/>
+          </p:cNvSpPr>
+          <p:nvPr>
+            <p:ph type="ftr" sz="quarter" idx="3"/>
+          </p:nvPr>
+        </p:nvSpPr>
+        <p:spPr>
+          <a:xfrm>
+            <a:off x="3028950" y="6356351"/>
+            <a:ext cx="3086100" cy="365125"/>
+          </a:xfrm>
+        </p:spPr>
+        <p:txBody>
+          <a:bodyPr/>
+          <a:lstStyle/>
+          <a:p>
+            <a:r>
+              <a:rPr lang="en-US" dirty="0"/>
+              <a:t>Kwartler</a:t>
+            </a:r>
+          </a:p>
+        </p:txBody>
+      </p:sp>
+    </p:spTree>
+    <p:extLst>
+      <p:ext uri="{BB962C8B-B14F-4D97-AF65-F5344CB8AC3E}">
+        <p14:creationId xmlns:p14="http://schemas.microsoft.com/office/powerpoint/2010/main" val="1093052362"/>
+      </p:ext>
+    </p:extLst>
+  </p:cSld>
+  <p:clrMapOvr>
+    <a:masterClrMapping/>
+  </p:clrMapOvr>
+</p:sld>
+</file>
+
+<file path=ppt/slides/slide29.xml><?xml version="1.0" encoding="utf-8"?>
+<p:sld xmlns:a="http://schemas.openxmlformats.org/drawingml/2006/main" xmlns:r="http://schemas.openxmlformats.org/officeDocument/2006/relationships" xmlns:p="http://schemas.openxmlformats.org/presentationml/2006/main">
+  <p:cSld>
+    <p:spTree>
+      <p:nvGrpSpPr>
+        <p:cNvPr id="1" name=""/>
+        <p:cNvGrpSpPr/>
+        <p:nvPr/>
+      </p:nvGrpSpPr>
+      <p:grpSpPr>
+        <a:xfrm>
+          <a:off x="0" y="0"/>
+          <a:ext cx="0" cy="0"/>
+          <a:chOff x="0" y="0"/>
+          <a:chExt cx="0" cy="0"/>
+        </a:xfrm>
+      </p:grpSpPr>
+      <p:sp>
+        <p:nvSpPr>
+          <p:cNvPr id="2" name="Date Placeholder 1"/>
+          <p:cNvSpPr>
+            <a:spLocks noGrp="1"/>
+          </p:cNvSpPr>
+          <p:nvPr>
+            <p:ph type="dt" sz="half" idx="10"/>
+          </p:nvPr>
+        </p:nvSpPr>
+        <p:spPr/>
+        <p:txBody>
+          <a:bodyPr/>
+          <a:lstStyle/>
+          <a:p>
+            <a:fld id="{6700A58B-DD98-43D0-B791-721480A02982}" type="datetime1">
+              <a:rPr lang="en-US" smtClean="0"/>
+              <a:t>7/19/23</a:t>
+            </a:fld>
+            <a:endParaRPr lang="en-US"/>
+          </a:p>
+        </p:txBody>
+      </p:sp>
+      <p:sp>
+        <p:nvSpPr>
+          <p:cNvPr id="3" name="Title 2"/>
+          <p:cNvSpPr>
+            <a:spLocks noGrp="1"/>
+          </p:cNvSpPr>
+          <p:nvPr>
+            <p:ph type="title"/>
+          </p:nvPr>
+        </p:nvSpPr>
+        <p:spPr/>
+        <p:txBody>
+          <a:bodyPr/>
+          <a:lstStyle/>
+          <a:p>
+            <a:r>
+              <a:rPr lang="en-US" dirty="0"/>
+              <a:t>Types of Problems</a:t>
+            </a:r>
+          </a:p>
+        </p:txBody>
+      </p:sp>
+      <p:sp>
+        <p:nvSpPr>
+          <p:cNvPr id="4" name="Slide Number Placeholder 3"/>
+          <p:cNvSpPr>
+            <a:spLocks noGrp="1"/>
+          </p:cNvSpPr>
+          <p:nvPr>
+            <p:ph type="sldNum" sz="quarter" idx="12"/>
+          </p:nvPr>
+        </p:nvSpPr>
+        <p:spPr/>
+        <p:txBody>
+          <a:bodyPr/>
+          <a:lstStyle/>
+          <a:p>
+            <a:fld id="{37290FF7-652B-4475-AEAB-8B1A5D23AE09}" type="slidenum">
+              <a:rPr lang="en-US" smtClean="0"/>
+              <a:t>29</a:t>
+            </a:fld>
+            <a:endParaRPr lang="en-US"/>
+          </a:p>
+        </p:txBody>
+      </p:sp>
+      <p:sp>
+        <p:nvSpPr>
+          <p:cNvPr id="7" name="Rectangle 6"/>
+          <p:cNvSpPr/>
+          <p:nvPr/>
+        </p:nvSpPr>
+        <p:spPr>
+          <a:xfrm>
+            <a:off x="4640239" y="1801504"/>
+            <a:ext cx="3794077" cy="873457"/>
+          </a:xfrm>
+          <a:prstGeom prst="rect">
+            <a:avLst/>
+          </a:prstGeom>
+          <a:solidFill>
+            <a:schemeClr val="accent3"/>
+          </a:solidFill>
+          <a:ln>
+            <a:noFill/>
+          </a:ln>
+        </p:spPr>
+        <p:style>
+          <a:lnRef idx="2">
+            <a:schemeClr val="accent1">
+              <a:shade val="50000"/>
+            </a:schemeClr>
+          </a:lnRef>
+          <a:fillRef idx="1">
+            <a:schemeClr val="accent1"/>
+          </a:fillRef>
+          <a:effectRef idx="0">
+            <a:schemeClr val="accent1"/>
+          </a:effectRef>
+          <a:fontRef idx="minor">
+            <a:schemeClr val="lt1"/>
+          </a:fontRef>
+        </p:style>
+        <p:txBody>
+          <a:bodyPr rtlCol="0" anchor="ctr"/>
+          <a:lstStyle/>
+          <a:p>
+            <a:pPr algn="ctr"/>
+            <a:r>
+              <a:rPr lang="en-US" dirty="0"/>
+              <a:t>Ask yourself is there an outcome variable that we want to predict.</a:t>
+            </a:r>
+          </a:p>
+        </p:txBody>
+      </p:sp>
+      <p:sp>
+        <p:nvSpPr>
+          <p:cNvPr id="8" name="Rectangle 7"/>
+          <p:cNvSpPr/>
+          <p:nvPr/>
+        </p:nvSpPr>
+        <p:spPr>
+          <a:xfrm>
+            <a:off x="4642513" y="2759122"/>
+            <a:ext cx="3794077" cy="2222311"/>
+          </a:xfrm>
+          <a:prstGeom prst="rect">
+            <a:avLst/>
+          </a:prstGeom>
+        </p:spPr>
+        <p:style>
+          <a:lnRef idx="2">
+            <a:schemeClr val="accent1">
+              <a:shade val="50000"/>
+            </a:schemeClr>
+          </a:lnRef>
+          <a:fillRef idx="1">
+            <a:schemeClr val="accent1"/>
+          </a:fillRef>
+          <a:effectRef idx="0">
+            <a:schemeClr val="accent1"/>
+          </a:effectRef>
+          <a:fontRef idx="minor">
+            <a:schemeClr val="lt1"/>
+          </a:fontRef>
+        </p:style>
+        <p:txBody>
+          <a:bodyPr rtlCol="0" anchor="ctr"/>
+          <a:lstStyle/>
+          <a:p>
+            <a:pPr algn="ctr"/>
+            <a:r>
+              <a:rPr lang="en-US" dirty="0"/>
+              <a:t>Can our customer database be grouped in some meaningful way?</a:t>
+            </a:r>
+          </a:p>
+          <a:p>
+            <a:pPr algn="ctr"/>
+            <a:r>
+              <a:rPr lang="en-US" sz="1200" dirty="0"/>
+              <a:t>(there is no clear outcome to predict, we can observe and explore the clusters within the customer </a:t>
+            </a:r>
+            <a:r>
+              <a:rPr lang="en-US" sz="1200" dirty="0" err="1"/>
+              <a:t>db</a:t>
+            </a:r>
+            <a:r>
+              <a:rPr lang="en-US" sz="1200" dirty="0"/>
+              <a:t>)</a:t>
+            </a:r>
+          </a:p>
+        </p:txBody>
+      </p:sp>
+      <p:sp>
+        <p:nvSpPr>
+          <p:cNvPr id="10" name="TextBox 9"/>
+          <p:cNvSpPr txBox="1"/>
+          <p:nvPr/>
+        </p:nvSpPr>
+        <p:spPr>
+          <a:xfrm>
+            <a:off x="504967" y="1883391"/>
+            <a:ext cx="3358612" cy="3693319"/>
+          </a:xfrm>
+          <a:prstGeom prst="rect">
+            <a:avLst/>
+          </a:prstGeom>
+          <a:noFill/>
+        </p:spPr>
+        <p:txBody>
+          <a:bodyPr wrap="none" rtlCol="0">
+            <a:spAutoFit/>
+          </a:bodyPr>
+          <a:lstStyle/>
+          <a:p>
+            <a:pPr marL="285750" indent="-285750">
+              <a:buFont typeface="Arial" panose="020B0604020202020204" pitchFamily="34" charset="0"/>
+              <a:buChar char="•"/>
+            </a:pPr>
+            <a:r>
+              <a:rPr lang="en-US" dirty="0"/>
+              <a:t>Retrospective</a:t>
+            </a:r>
+          </a:p>
+          <a:p>
+            <a:pPr marL="285750" indent="-285750">
+              <a:buFont typeface="Arial" panose="020B0604020202020204" pitchFamily="34" charset="0"/>
+              <a:buChar char="•"/>
+            </a:pPr>
+            <a:r>
+              <a:rPr lang="en-US" dirty="0"/>
+              <a:t>Descriptive</a:t>
+            </a:r>
+          </a:p>
+          <a:p>
+            <a:pPr marL="285750" indent="-285750">
+              <a:buFont typeface="Arial" panose="020B0604020202020204" pitchFamily="34" charset="0"/>
+              <a:buChar char="•"/>
+            </a:pPr>
+            <a:r>
+              <a:rPr lang="en-US" b="1" dirty="0">
+                <a:solidFill>
+                  <a:schemeClr val="accent6"/>
+                </a:solidFill>
+              </a:rPr>
+              <a:t>Data Science</a:t>
+            </a:r>
+          </a:p>
+          <a:p>
+            <a:pPr marL="742950" lvl="1" indent="-285750">
+              <a:buFont typeface="Arial" panose="020B0604020202020204" pitchFamily="34" charset="0"/>
+              <a:buChar char="•"/>
+            </a:pPr>
+            <a:r>
+              <a:rPr lang="en-US" dirty="0"/>
+              <a:t>Predictive</a:t>
+            </a:r>
+          </a:p>
+          <a:p>
+            <a:pPr marL="1200150" lvl="2" indent="-285750">
+              <a:buFont typeface="Arial" panose="020B0604020202020204" pitchFamily="34" charset="0"/>
+              <a:buChar char="•"/>
+            </a:pPr>
+            <a:r>
+              <a:rPr lang="en-US" dirty="0"/>
+              <a:t>Supervised Learning</a:t>
+            </a:r>
+          </a:p>
+          <a:p>
+            <a:pPr marL="1657350" lvl="3" indent="-285750">
+              <a:buFont typeface="Arial" panose="020B0604020202020204" pitchFamily="34" charset="0"/>
+              <a:buChar char="•"/>
+            </a:pPr>
+            <a:r>
+              <a:rPr lang="en-US" dirty="0"/>
+              <a:t>Classification</a:t>
+            </a:r>
+          </a:p>
+          <a:p>
+            <a:pPr marL="2114550" lvl="4" indent="-285750">
+              <a:buFont typeface="Arial" panose="020B0604020202020204" pitchFamily="34" charset="0"/>
+              <a:buChar char="•"/>
+            </a:pPr>
+            <a:r>
+              <a:rPr lang="en-US" dirty="0"/>
+              <a:t>Binary</a:t>
+            </a:r>
+          </a:p>
+          <a:p>
+            <a:pPr marL="2114550" lvl="4" indent="-285750">
+              <a:buFont typeface="Arial" panose="020B0604020202020204" pitchFamily="34" charset="0"/>
+              <a:buChar char="•"/>
+            </a:pPr>
+            <a:r>
+              <a:rPr lang="en-US" dirty="0"/>
+              <a:t>Multi-Class</a:t>
+            </a:r>
+          </a:p>
+          <a:p>
+            <a:pPr marL="1657350" lvl="3" indent="-285750">
+              <a:buFont typeface="Arial" panose="020B0604020202020204" pitchFamily="34" charset="0"/>
+              <a:buChar char="•"/>
+            </a:pPr>
+            <a:r>
+              <a:rPr lang="en-US" dirty="0"/>
+              <a:t>Continuous</a:t>
+            </a:r>
+          </a:p>
+          <a:p>
+            <a:pPr marL="742950" lvl="1" indent="-285750">
+              <a:buFont typeface="Arial" panose="020B0604020202020204" pitchFamily="34" charset="0"/>
+              <a:buChar char="•"/>
+            </a:pPr>
+            <a:r>
+              <a:rPr lang="en-US" dirty="0"/>
+              <a:t>Forecasting</a:t>
+            </a:r>
+          </a:p>
+          <a:p>
+            <a:pPr marL="742950" lvl="2" indent="-285750">
+              <a:buFont typeface="Arial" panose="020B0604020202020204" pitchFamily="34" charset="0"/>
+              <a:buChar char="•"/>
+            </a:pPr>
+            <a:r>
+              <a:rPr lang="en-US" b="1" dirty="0">
+                <a:solidFill>
+                  <a:schemeClr val="accent6"/>
+                </a:solidFill>
+              </a:rPr>
+              <a:t>Unsupervised Learning</a:t>
+            </a:r>
+          </a:p>
+          <a:p>
+            <a:pPr marL="742950" lvl="1" indent="-285750">
+              <a:buFont typeface="Arial" panose="020B0604020202020204" pitchFamily="34" charset="0"/>
+              <a:buChar char="•"/>
+            </a:pPr>
+            <a:r>
+              <a:rPr lang="en-US" dirty="0"/>
+              <a:t>Associative System</a:t>
+            </a:r>
+          </a:p>
+          <a:p>
+            <a:pPr marL="285750" indent="-285750">
+              <a:buFont typeface="Arial" panose="020B0604020202020204" pitchFamily="34" charset="0"/>
+              <a:buChar char="•"/>
+            </a:pPr>
+            <a:endParaRPr lang="en-US" dirty="0"/>
+          </a:p>
+        </p:txBody>
+      </p:sp>
+      <p:sp>
+        <p:nvSpPr>
+          <p:cNvPr id="5" name="Footer Placeholder 4">
+            <a:extLst>
+              <a:ext uri="{FF2B5EF4-FFF2-40B4-BE49-F238E27FC236}">
+                <a16:creationId xmlns:a16="http://schemas.microsoft.com/office/drawing/2014/main" id="{59CA9B5A-2FEF-F871-698E-D3E669FD23F7}"/>
+              </a:ext>
+            </a:extLst>
+          </p:cNvPr>
+          <p:cNvSpPr>
+            <a:spLocks noGrp="1"/>
+          </p:cNvSpPr>
+          <p:nvPr>
+            <p:ph type="ftr" sz="quarter" idx="3"/>
+          </p:nvPr>
+        </p:nvSpPr>
+        <p:spPr>
+          <a:xfrm>
+            <a:off x="3028950" y="6356351"/>
+            <a:ext cx="3086100" cy="365125"/>
+          </a:xfrm>
+        </p:spPr>
+        <p:txBody>
+          <a:bodyPr/>
+          <a:lstStyle/>
+          <a:p>
+            <a:r>
+              <a:rPr lang="en-US" dirty="0"/>
+              <a:t>Kwartler</a:t>
+            </a:r>
+          </a:p>
+        </p:txBody>
+      </p:sp>
+    </p:spTree>
+    <p:extLst>
+      <p:ext uri="{BB962C8B-B14F-4D97-AF65-F5344CB8AC3E}">
+        <p14:creationId xmlns:p14="http://schemas.microsoft.com/office/powerpoint/2010/main" val="2601869471"/>
+      </p:ext>
+    </p:extLst>
+  </p:cSld>
+  <p:clrMapOvr>
+    <a:masterClrMapping/>
+  </p:clrMapOvr>
+</p:sld>
+</file>
+
 <file path=ppt/slides/slide3.xml><?xml version="1.0" encoding="utf-8"?>
 <p:sld xmlns:a="http://schemas.openxmlformats.org/drawingml/2006/main" xmlns:r="http://schemas.openxmlformats.org/officeDocument/2006/relationships" xmlns:p="http://schemas.openxmlformats.org/presentationml/2006/main">
   <p:cSld>
@@ -17737,7 +17278,7 @@
             <p:ph idx="1"/>
             <p:extLst>
               <p:ext uri="{D42A27DB-BD31-4B8C-83A1-F6EECF244321}">
-                <p14:modId xmlns:p14="http://schemas.microsoft.com/office/powerpoint/2010/main" val="4230520965"/>
+                <p14:modId xmlns:p14="http://schemas.microsoft.com/office/powerpoint/2010/main" val="3457982802"/>
               </p:ext>
             </p:extLst>
           </p:nvPr>
@@ -17971,7 +17512,7 @@
                           <a:ea typeface="+mn-ea"/>
                           <a:cs typeface="+mn-cs"/>
                         </a:rPr>
-                        <a:t>R Code Example</a:t>
+                        <a:t>Modeling Bias R Code Example</a:t>
                       </a:r>
                     </a:p>
                   </a:txBody>
@@ -18431,21 +17972,21 @@
             <a:pPr algn="ctr"/>
             <a:r>
               <a:rPr lang="en-US" dirty="0"/>
-              <a:t>How many ice cream cones will we sell on an 85 degree, Saturday?</a:t>
+              <a:t>What should we offer customers that bought the corn dog?</a:t>
             </a:r>
           </a:p>
           <a:p>
             <a:pPr algn="ctr"/>
             <a:r>
               <a:rPr lang="en-US" sz="1200" dirty="0"/>
-              <a:t>(the outcome is a continuous 0 to some number of cones)</a:t>
-            </a:r>
-          </a:p>
-        </p:txBody>
-      </p:sp>
-      <p:sp>
-        <p:nvSpPr>
-          <p:cNvPr id="10" name="TextBox 9"/>
+              <a:t>(There is not really a distinct outcome, only observed data similar to the unsupervised example.  Should we offer additional dogs, condiments, orange soda, red wine, steak etc.  Among all choices, how are items associated based on purchase history?)</a:t>
+            </a:r>
+          </a:p>
+        </p:txBody>
+      </p:sp>
+      <p:sp>
+        <p:nvSpPr>
+          <p:cNvPr id="9" name="TextBox 8"/>
           <p:cNvSpPr txBox="1"/>
           <p:nvPr/>
         </p:nvSpPr>
@@ -18504,95 +18045,91 @@
               <a:buChar char="•"/>
             </a:pPr>
             <a:r>
+              <a:rPr lang="en-US" dirty="0"/>
+              <a:t>Predictive</a:t>
+            </a:r>
+          </a:p>
+          <a:p>
+            <a:pPr marL="1200150" lvl="2" indent="-285750">
+              <a:buFont typeface="Arial" panose="020B0604020202020204" pitchFamily="34" charset="0"/>
+              <a:buChar char="•"/>
+            </a:pPr>
+            <a:r>
+              <a:rPr lang="en-US" dirty="0"/>
+              <a:t>Supervised Learning</a:t>
+            </a:r>
+          </a:p>
+          <a:p>
+            <a:pPr marL="1657350" lvl="3" indent="-285750">
+              <a:buFont typeface="Arial" panose="020B0604020202020204" pitchFamily="34" charset="0"/>
+              <a:buChar char="•"/>
+            </a:pPr>
+            <a:r>
+              <a:rPr lang="en-US" dirty="0"/>
+              <a:t>Classification</a:t>
+            </a:r>
+          </a:p>
+          <a:p>
+            <a:pPr marL="2114550" lvl="4" indent="-285750">
+              <a:buFont typeface="Arial" panose="020B0604020202020204" pitchFamily="34" charset="0"/>
+              <a:buChar char="•"/>
+            </a:pPr>
+            <a:r>
+              <a:rPr lang="en-US" dirty="0"/>
+              <a:t>Binary</a:t>
+            </a:r>
+          </a:p>
+          <a:p>
+            <a:pPr marL="2114550" lvl="4" indent="-285750">
+              <a:buFont typeface="Arial" panose="020B0604020202020204" pitchFamily="34" charset="0"/>
+              <a:buChar char="•"/>
+            </a:pPr>
+            <a:r>
+              <a:rPr lang="en-US" dirty="0"/>
+              <a:t>Multi-Class</a:t>
+            </a:r>
+          </a:p>
+          <a:p>
+            <a:pPr marL="1657350" lvl="3" indent="-285750">
+              <a:buFont typeface="Arial" panose="020B0604020202020204" pitchFamily="34" charset="0"/>
+              <a:buChar char="•"/>
+            </a:pPr>
+            <a:r>
+              <a:rPr lang="en-US" dirty="0"/>
+              <a:t>Continuous</a:t>
+            </a:r>
+          </a:p>
+          <a:p>
+            <a:pPr marL="742950" lvl="1" indent="-285750">
+              <a:buFont typeface="Arial" panose="020B0604020202020204" pitchFamily="34" charset="0"/>
+              <a:buChar char="•"/>
+            </a:pPr>
+            <a:r>
+              <a:rPr lang="en-US" dirty="0"/>
+              <a:t>Forecasting</a:t>
+            </a:r>
+          </a:p>
+          <a:p>
+            <a:pPr marL="742950" lvl="2" indent="-285750">
+              <a:buFont typeface="Arial" panose="020B0604020202020204" pitchFamily="34" charset="0"/>
+              <a:buChar char="•"/>
+            </a:pPr>
+            <a:r>
+              <a:rPr lang="en-US" dirty="0"/>
+              <a:t>Unsupervised Learning</a:t>
+            </a:r>
+          </a:p>
+          <a:p>
+            <a:pPr marL="742950" lvl="1" indent="-285750">
+              <a:buFont typeface="Arial" panose="020B0604020202020204" pitchFamily="34" charset="0"/>
+              <a:buChar char="•"/>
+            </a:pPr>
+            <a:r>
               <a:rPr lang="en-US" b="1" dirty="0">
                 <a:solidFill>
                   <a:schemeClr val="accent6"/>
                 </a:solidFill>
               </a:rPr>
-              <a:t>Predictive</a:t>
-            </a:r>
-          </a:p>
-          <a:p>
-            <a:pPr marL="1200150" lvl="2" indent="-285750">
-              <a:buFont typeface="Arial" panose="020B0604020202020204" pitchFamily="34" charset="0"/>
-              <a:buChar char="•"/>
-            </a:pPr>
-            <a:r>
-              <a:rPr lang="en-US" dirty="0"/>
-              <a:t>Supervised Learning</a:t>
-            </a:r>
-          </a:p>
-          <a:p>
-            <a:pPr marL="1657350" lvl="3" indent="-285750">
-              <a:buFont typeface="Arial" panose="020B0604020202020204" pitchFamily="34" charset="0"/>
-              <a:buChar char="•"/>
-            </a:pPr>
-            <a:r>
-              <a:rPr lang="en-US" dirty="0"/>
-              <a:t>Classification</a:t>
-            </a:r>
-          </a:p>
-          <a:p>
-            <a:pPr marL="2114550" lvl="4" indent="-285750">
-              <a:buFont typeface="Arial" panose="020B0604020202020204" pitchFamily="34" charset="0"/>
-              <a:buChar char="•"/>
-            </a:pPr>
-            <a:r>
-              <a:rPr lang="en-US" dirty="0"/>
-              <a:t>Binary</a:t>
-            </a:r>
-          </a:p>
-          <a:p>
-            <a:pPr marL="2114550" lvl="4" indent="-285750">
-              <a:buFont typeface="Arial" panose="020B0604020202020204" pitchFamily="34" charset="0"/>
-              <a:buChar char="•"/>
-            </a:pPr>
-            <a:r>
-              <a:rPr lang="en-US" dirty="0"/>
-              <a:t>Multi-Class</a:t>
-            </a:r>
-          </a:p>
-          <a:p>
-            <a:pPr marL="1657350" lvl="3" indent="-285750">
-              <a:buFont typeface="Arial" panose="020B0604020202020204" pitchFamily="34" charset="0"/>
-              <a:buChar char="•"/>
-            </a:pPr>
-            <a:r>
-              <a:rPr lang="en-US" b="1" dirty="0">
-                <a:solidFill>
-                  <a:schemeClr val="accent6"/>
-                </a:solidFill>
-              </a:rPr>
-              <a:t>Continuous</a:t>
-            </a:r>
-          </a:p>
-          <a:p>
-            <a:pPr marL="742950" lvl="1" indent="-285750">
-              <a:buFont typeface="Arial" panose="020B0604020202020204" pitchFamily="34" charset="0"/>
-              <a:buChar char="•"/>
-            </a:pPr>
-            <a:r>
-              <a:rPr lang="en-US" dirty="0"/>
-              <a:t>Forecasting</a:t>
-            </a:r>
-          </a:p>
-          <a:p>
-            <a:pPr marL="742950" lvl="2" indent="-285750">
-              <a:buFont typeface="Arial" panose="020B0604020202020204" pitchFamily="34" charset="0"/>
-              <a:buChar char="•"/>
-            </a:pPr>
-            <a:r>
-              <a:rPr lang="en-US" dirty="0"/>
-              <a:t>Unsupervised Learning</a:t>
-            </a:r>
-          </a:p>
-          <a:p>
-            <a:pPr marL="742950" lvl="1" indent="-285750">
-              <a:buFont typeface="Arial" panose="020B0604020202020204" pitchFamily="34" charset="0"/>
-              <a:buChar char="•"/>
-            </a:pPr>
-            <a:r>
-              <a:rPr lang="en-US" dirty="0"/>
               <a:t>Associative System</a:t>
             </a:r>
           </a:p>
@@ -18610,7 +18147,7 @@
           <p:cNvPr id="5" name="Footer Placeholder 4">
             <a:extLst>
               <a:ext uri="{FF2B5EF4-FFF2-40B4-BE49-F238E27FC236}">
-                <a16:creationId xmlns:a16="http://schemas.microsoft.com/office/drawing/2014/main" id="{D0F6A637-1BAC-FCE1-9CE7-5816EFB4F0F1}"/>
+                <a16:creationId xmlns:a16="http://schemas.microsoft.com/office/drawing/2014/main" id="{D71A8943-45A2-57C2-5D70-2D1BAC932289}"/>
               </a:ext>
             </a:extLst>
           </p:cNvPr>
@@ -18641,7 +18178,7 @@
     </p:spTree>
     <p:extLst>
       <p:ext uri="{BB962C8B-B14F-4D97-AF65-F5344CB8AC3E}">
-        <p14:creationId xmlns:p14="http://schemas.microsoft.com/office/powerpoint/2010/main" val="841926385"/>
+        <p14:creationId xmlns:p14="http://schemas.microsoft.com/office/powerpoint/2010/main" val="1493231804"/>
       </p:ext>
     </p:extLst>
   </p:cSld>
@@ -18670,1178 +18207,6 @@
       </p:grpSpPr>
       <p:sp>
         <p:nvSpPr>
-          <p:cNvPr id="2" name="Date Placeholder 1"/>
-          <p:cNvSpPr>
-            <a:spLocks noGrp="1"/>
-          </p:cNvSpPr>
-          <p:nvPr>
-            <p:ph type="dt" sz="half" idx="10"/>
-          </p:nvPr>
-        </p:nvSpPr>
-        <p:spPr/>
-        <p:txBody>
-          <a:bodyPr/>
-          <a:lstStyle/>
-          <a:p>
-            <a:fld id="{6700A58B-DD98-43D0-B791-721480A02982}" type="datetime1">
-              <a:rPr lang="en-US" smtClean="0"/>
-              <a:t>7/19/23</a:t>
-            </a:fld>
-            <a:endParaRPr lang="en-US"/>
-          </a:p>
-        </p:txBody>
-      </p:sp>
-      <p:sp>
-        <p:nvSpPr>
-          <p:cNvPr id="3" name="Title 2"/>
-          <p:cNvSpPr>
-            <a:spLocks noGrp="1"/>
-          </p:cNvSpPr>
-          <p:nvPr>
-            <p:ph type="title"/>
-          </p:nvPr>
-        </p:nvSpPr>
-        <p:spPr/>
-        <p:txBody>
-          <a:bodyPr/>
-          <a:lstStyle/>
-          <a:p>
-            <a:r>
-              <a:rPr lang="en-US" dirty="0"/>
-              <a:t>Types of Problems</a:t>
-            </a:r>
-          </a:p>
-        </p:txBody>
-      </p:sp>
-      <p:sp>
-        <p:nvSpPr>
-          <p:cNvPr id="4" name="Slide Number Placeholder 3"/>
-          <p:cNvSpPr>
-            <a:spLocks noGrp="1"/>
-          </p:cNvSpPr>
-          <p:nvPr>
-            <p:ph type="sldNum" sz="quarter" idx="12"/>
-          </p:nvPr>
-        </p:nvSpPr>
-        <p:spPr/>
-        <p:txBody>
-          <a:bodyPr/>
-          <a:lstStyle/>
-          <a:p>
-            <a:fld id="{37290FF7-652B-4475-AEAB-8B1A5D23AE09}" type="slidenum">
-              <a:rPr lang="en-US" smtClean="0"/>
-              <a:t>31</a:t>
-            </a:fld>
-            <a:endParaRPr lang="en-US"/>
-          </a:p>
-        </p:txBody>
-      </p:sp>
-      <p:sp>
-        <p:nvSpPr>
-          <p:cNvPr id="7" name="Rectangle 6"/>
-          <p:cNvSpPr/>
-          <p:nvPr/>
-        </p:nvSpPr>
-        <p:spPr>
-          <a:xfrm>
-            <a:off x="4640239" y="1801504"/>
-            <a:ext cx="3794077" cy="873457"/>
-          </a:xfrm>
-          <a:prstGeom prst="rect">
-            <a:avLst/>
-          </a:prstGeom>
-          <a:solidFill>
-            <a:schemeClr val="accent3"/>
-          </a:solidFill>
-          <a:ln>
-            <a:noFill/>
-          </a:ln>
-        </p:spPr>
-        <p:style>
-          <a:lnRef idx="2">
-            <a:schemeClr val="accent1">
-              <a:shade val="50000"/>
-            </a:schemeClr>
-          </a:lnRef>
-          <a:fillRef idx="1">
-            <a:schemeClr val="accent1"/>
-          </a:fillRef>
-          <a:effectRef idx="0">
-            <a:schemeClr val="accent1"/>
-          </a:effectRef>
-          <a:fontRef idx="minor">
-            <a:schemeClr val="lt1"/>
-          </a:fontRef>
-        </p:style>
-        <p:txBody>
-          <a:bodyPr rtlCol="0" anchor="ctr"/>
-          <a:lstStyle/>
-          <a:p>
-            <a:pPr algn="ctr"/>
-            <a:r>
-              <a:rPr lang="en-US" dirty="0"/>
-              <a:t>Ask yourself is there an outcome variable that we want to predict.</a:t>
-            </a:r>
-          </a:p>
-        </p:txBody>
-      </p:sp>
-      <p:sp>
-        <p:nvSpPr>
-          <p:cNvPr id="8" name="Rectangle 7"/>
-          <p:cNvSpPr/>
-          <p:nvPr/>
-        </p:nvSpPr>
-        <p:spPr>
-          <a:xfrm>
-            <a:off x="4642513" y="2759122"/>
-            <a:ext cx="3794077" cy="2222311"/>
-          </a:xfrm>
-          <a:prstGeom prst="rect">
-            <a:avLst/>
-          </a:prstGeom>
-        </p:spPr>
-        <p:style>
-          <a:lnRef idx="2">
-            <a:schemeClr val="accent1">
-              <a:shade val="50000"/>
-            </a:schemeClr>
-          </a:lnRef>
-          <a:fillRef idx="1">
-            <a:schemeClr val="accent1"/>
-          </a:fillRef>
-          <a:effectRef idx="0">
-            <a:schemeClr val="accent1"/>
-          </a:effectRef>
-          <a:fontRef idx="minor">
-            <a:schemeClr val="lt1"/>
-          </a:fontRef>
-        </p:style>
-        <p:txBody>
-          <a:bodyPr rtlCol="0" anchor="ctr"/>
-          <a:lstStyle/>
-          <a:p>
-            <a:pPr algn="ctr"/>
-            <a:r>
-              <a:rPr lang="en-US" dirty="0"/>
-              <a:t>How much corn meal will we need for our corn dogs this month?</a:t>
-            </a:r>
-          </a:p>
-          <a:p>
-            <a:pPr algn="ctr"/>
-            <a:r>
-              <a:rPr lang="en-US" sz="1200" dirty="0"/>
-              <a:t>(there is an outcome, and the data is time related)</a:t>
-            </a:r>
-          </a:p>
-        </p:txBody>
-      </p:sp>
-      <p:sp>
-        <p:nvSpPr>
-          <p:cNvPr id="9" name="TextBox 8"/>
-          <p:cNvSpPr txBox="1"/>
-          <p:nvPr/>
-        </p:nvSpPr>
-        <p:spPr>
-          <a:xfrm>
-            <a:off x="504967" y="1883391"/>
-            <a:ext cx="3358612" cy="3693319"/>
-          </a:xfrm>
-          <a:prstGeom prst="rect">
-            <a:avLst/>
-          </a:prstGeom>
-          <a:noFill/>
-        </p:spPr>
-        <p:txBody>
-          <a:bodyPr wrap="none" rtlCol="0">
-            <a:spAutoFit/>
-          </a:bodyPr>
-          <a:lstStyle/>
-          <a:p>
-            <a:pPr marL="285750" indent="-285750">
-              <a:buFont typeface="Arial" panose="020B0604020202020204" pitchFamily="34" charset="0"/>
-              <a:buChar char="•"/>
-            </a:pPr>
-            <a:r>
-              <a:rPr lang="en-US" dirty="0"/>
-              <a:t>Retrospective</a:t>
-            </a:r>
-          </a:p>
-          <a:p>
-            <a:pPr marL="285750" indent="-285750">
-              <a:buFont typeface="Arial" panose="020B0604020202020204" pitchFamily="34" charset="0"/>
-              <a:buChar char="•"/>
-            </a:pPr>
-            <a:r>
-              <a:rPr lang="en-US" dirty="0"/>
-              <a:t>Descriptive</a:t>
-            </a:r>
-          </a:p>
-          <a:p>
-            <a:pPr marL="285750" indent="-285750">
-              <a:buFont typeface="Arial" panose="020B0604020202020204" pitchFamily="34" charset="0"/>
-              <a:buChar char="•"/>
-            </a:pPr>
-            <a:r>
-              <a:rPr lang="en-US" b="1" dirty="0">
-                <a:solidFill>
-                  <a:schemeClr val="accent6"/>
-                </a:solidFill>
-              </a:rPr>
-              <a:t>Data Science</a:t>
-            </a:r>
-          </a:p>
-          <a:p>
-            <a:pPr marL="742950" lvl="1" indent="-285750">
-              <a:buFont typeface="Arial" panose="020B0604020202020204" pitchFamily="34" charset="0"/>
-              <a:buChar char="•"/>
-            </a:pPr>
-            <a:r>
-              <a:rPr lang="en-US" dirty="0"/>
-              <a:t>Predictive</a:t>
-            </a:r>
-          </a:p>
-          <a:p>
-            <a:pPr marL="1200150" lvl="2" indent="-285750">
-              <a:buFont typeface="Arial" panose="020B0604020202020204" pitchFamily="34" charset="0"/>
-              <a:buChar char="•"/>
-            </a:pPr>
-            <a:r>
-              <a:rPr lang="en-US" dirty="0"/>
-              <a:t>Supervised Learning</a:t>
-            </a:r>
-          </a:p>
-          <a:p>
-            <a:pPr marL="1657350" lvl="3" indent="-285750">
-              <a:buFont typeface="Arial" panose="020B0604020202020204" pitchFamily="34" charset="0"/>
-              <a:buChar char="•"/>
-            </a:pPr>
-            <a:r>
-              <a:rPr lang="en-US" dirty="0"/>
-              <a:t>Classification</a:t>
-            </a:r>
-          </a:p>
-          <a:p>
-            <a:pPr marL="2114550" lvl="4" indent="-285750">
-              <a:buFont typeface="Arial" panose="020B0604020202020204" pitchFamily="34" charset="0"/>
-              <a:buChar char="•"/>
-            </a:pPr>
-            <a:r>
-              <a:rPr lang="en-US" dirty="0"/>
-              <a:t>Binary</a:t>
-            </a:r>
-          </a:p>
-          <a:p>
-            <a:pPr marL="2114550" lvl="4" indent="-285750">
-              <a:buFont typeface="Arial" panose="020B0604020202020204" pitchFamily="34" charset="0"/>
-              <a:buChar char="•"/>
-            </a:pPr>
-            <a:r>
-              <a:rPr lang="en-US" dirty="0"/>
-              <a:t>Multi-Class</a:t>
-            </a:r>
-          </a:p>
-          <a:p>
-            <a:pPr marL="1657350" lvl="3" indent="-285750">
-              <a:buFont typeface="Arial" panose="020B0604020202020204" pitchFamily="34" charset="0"/>
-              <a:buChar char="•"/>
-            </a:pPr>
-            <a:r>
-              <a:rPr lang="en-US" dirty="0"/>
-              <a:t>Continuous</a:t>
-            </a:r>
-          </a:p>
-          <a:p>
-            <a:pPr marL="742950" lvl="1" indent="-285750">
-              <a:buFont typeface="Arial" panose="020B0604020202020204" pitchFamily="34" charset="0"/>
-              <a:buChar char="•"/>
-            </a:pPr>
-            <a:r>
-              <a:rPr lang="en-US" b="1" dirty="0">
-                <a:solidFill>
-                  <a:schemeClr val="accent6"/>
-                </a:solidFill>
-              </a:rPr>
-              <a:t>Forecasting</a:t>
-            </a:r>
-          </a:p>
-          <a:p>
-            <a:pPr marL="742950" lvl="2" indent="-285750">
-              <a:buFont typeface="Arial" panose="020B0604020202020204" pitchFamily="34" charset="0"/>
-              <a:buChar char="•"/>
-            </a:pPr>
-            <a:r>
-              <a:rPr lang="en-US" dirty="0"/>
-              <a:t>Unsupervised Learning</a:t>
-            </a:r>
-          </a:p>
-          <a:p>
-            <a:pPr marL="742950" lvl="1" indent="-285750">
-              <a:buFont typeface="Arial" panose="020B0604020202020204" pitchFamily="34" charset="0"/>
-              <a:buChar char="•"/>
-            </a:pPr>
-            <a:r>
-              <a:rPr lang="en-US" dirty="0"/>
-              <a:t>Associative System</a:t>
-            </a:r>
-          </a:p>
-          <a:p>
-            <a:pPr marL="285750" indent="-285750">
-              <a:buFont typeface="Arial" panose="020B0604020202020204" pitchFamily="34" charset="0"/>
-              <a:buChar char="•"/>
-            </a:pPr>
-            <a:endParaRPr lang="en-US" dirty="0"/>
-          </a:p>
-        </p:txBody>
-      </p:sp>
-      <p:sp>
-        <p:nvSpPr>
-          <p:cNvPr id="5" name="Footer Placeholder 4">
-            <a:extLst>
-              <a:ext uri="{FF2B5EF4-FFF2-40B4-BE49-F238E27FC236}">
-                <a16:creationId xmlns:a16="http://schemas.microsoft.com/office/drawing/2014/main" id="{2C774203-C924-8D4F-ED61-44C057B64DE1}"/>
-              </a:ext>
-            </a:extLst>
-          </p:cNvPr>
-          <p:cNvSpPr>
-            <a:spLocks noGrp="1"/>
-          </p:cNvSpPr>
-          <p:nvPr>
-            <p:ph type="ftr" sz="quarter" idx="3"/>
-          </p:nvPr>
-        </p:nvSpPr>
-        <p:spPr>
-          <a:xfrm>
-            <a:off x="3028950" y="6356351"/>
-            <a:ext cx="3086100" cy="365125"/>
-          </a:xfrm>
-        </p:spPr>
-        <p:txBody>
-          <a:bodyPr/>
-          <a:lstStyle/>
-          <a:p>
-            <a:r>
-              <a:rPr lang="en-US" dirty="0"/>
-              <a:t>Kwartler</a:t>
-            </a:r>
-          </a:p>
-        </p:txBody>
-      </p:sp>
-    </p:spTree>
-    <p:extLst>
-      <p:ext uri="{BB962C8B-B14F-4D97-AF65-F5344CB8AC3E}">
-        <p14:creationId xmlns:p14="http://schemas.microsoft.com/office/powerpoint/2010/main" val="1093052362"/>
-      </p:ext>
-    </p:extLst>
-  </p:cSld>
-  <p:clrMapOvr>
-    <a:masterClrMapping/>
-  </p:clrMapOvr>
-</p:sld>
-</file>
-
-<file path=ppt/slides/slide32.xml><?xml version="1.0" encoding="utf-8"?>
-<p:sld xmlns:a="http://schemas.openxmlformats.org/drawingml/2006/main" xmlns:r="http://schemas.openxmlformats.org/officeDocument/2006/relationships" xmlns:p="http://schemas.openxmlformats.org/presentationml/2006/main">
-  <p:cSld>
-    <p:spTree>
-      <p:nvGrpSpPr>
-        <p:cNvPr id="1" name=""/>
-        <p:cNvGrpSpPr/>
-        <p:nvPr/>
-      </p:nvGrpSpPr>
-      <p:grpSpPr>
-        <a:xfrm>
-          <a:off x="0" y="0"/>
-          <a:ext cx="0" cy="0"/>
-          <a:chOff x="0" y="0"/>
-          <a:chExt cx="0" cy="0"/>
-        </a:xfrm>
-      </p:grpSpPr>
-      <p:sp>
-        <p:nvSpPr>
-          <p:cNvPr id="2" name="Date Placeholder 1"/>
-          <p:cNvSpPr>
-            <a:spLocks noGrp="1"/>
-          </p:cNvSpPr>
-          <p:nvPr>
-            <p:ph type="dt" sz="half" idx="10"/>
-          </p:nvPr>
-        </p:nvSpPr>
-        <p:spPr/>
-        <p:txBody>
-          <a:bodyPr/>
-          <a:lstStyle/>
-          <a:p>
-            <a:fld id="{6700A58B-DD98-43D0-B791-721480A02982}" type="datetime1">
-              <a:rPr lang="en-US" smtClean="0"/>
-              <a:t>7/19/23</a:t>
-            </a:fld>
-            <a:endParaRPr lang="en-US"/>
-          </a:p>
-        </p:txBody>
-      </p:sp>
-      <p:sp>
-        <p:nvSpPr>
-          <p:cNvPr id="3" name="Title 2"/>
-          <p:cNvSpPr>
-            <a:spLocks noGrp="1"/>
-          </p:cNvSpPr>
-          <p:nvPr>
-            <p:ph type="title"/>
-          </p:nvPr>
-        </p:nvSpPr>
-        <p:spPr/>
-        <p:txBody>
-          <a:bodyPr/>
-          <a:lstStyle/>
-          <a:p>
-            <a:r>
-              <a:rPr lang="en-US" dirty="0"/>
-              <a:t>Types of Problems</a:t>
-            </a:r>
-          </a:p>
-        </p:txBody>
-      </p:sp>
-      <p:sp>
-        <p:nvSpPr>
-          <p:cNvPr id="4" name="Slide Number Placeholder 3"/>
-          <p:cNvSpPr>
-            <a:spLocks noGrp="1"/>
-          </p:cNvSpPr>
-          <p:nvPr>
-            <p:ph type="sldNum" sz="quarter" idx="12"/>
-          </p:nvPr>
-        </p:nvSpPr>
-        <p:spPr/>
-        <p:txBody>
-          <a:bodyPr/>
-          <a:lstStyle/>
-          <a:p>
-            <a:fld id="{37290FF7-652B-4475-AEAB-8B1A5D23AE09}" type="slidenum">
-              <a:rPr lang="en-US" smtClean="0"/>
-              <a:t>32</a:t>
-            </a:fld>
-            <a:endParaRPr lang="en-US"/>
-          </a:p>
-        </p:txBody>
-      </p:sp>
-      <p:sp>
-        <p:nvSpPr>
-          <p:cNvPr id="7" name="Rectangle 6"/>
-          <p:cNvSpPr/>
-          <p:nvPr/>
-        </p:nvSpPr>
-        <p:spPr>
-          <a:xfrm>
-            <a:off x="4640239" y="1801504"/>
-            <a:ext cx="3794077" cy="873457"/>
-          </a:xfrm>
-          <a:prstGeom prst="rect">
-            <a:avLst/>
-          </a:prstGeom>
-          <a:solidFill>
-            <a:schemeClr val="accent3"/>
-          </a:solidFill>
-          <a:ln>
-            <a:noFill/>
-          </a:ln>
-        </p:spPr>
-        <p:style>
-          <a:lnRef idx="2">
-            <a:schemeClr val="accent1">
-              <a:shade val="50000"/>
-            </a:schemeClr>
-          </a:lnRef>
-          <a:fillRef idx="1">
-            <a:schemeClr val="accent1"/>
-          </a:fillRef>
-          <a:effectRef idx="0">
-            <a:schemeClr val="accent1"/>
-          </a:effectRef>
-          <a:fontRef idx="minor">
-            <a:schemeClr val="lt1"/>
-          </a:fontRef>
-        </p:style>
-        <p:txBody>
-          <a:bodyPr rtlCol="0" anchor="ctr"/>
-          <a:lstStyle/>
-          <a:p>
-            <a:pPr algn="ctr"/>
-            <a:r>
-              <a:rPr lang="en-US" dirty="0"/>
-              <a:t>Ask yourself is there an outcome variable that we want to predict.</a:t>
-            </a:r>
-          </a:p>
-        </p:txBody>
-      </p:sp>
-      <p:sp>
-        <p:nvSpPr>
-          <p:cNvPr id="8" name="Rectangle 7"/>
-          <p:cNvSpPr/>
-          <p:nvPr/>
-        </p:nvSpPr>
-        <p:spPr>
-          <a:xfrm>
-            <a:off x="4642513" y="2759122"/>
-            <a:ext cx="3794077" cy="2222311"/>
-          </a:xfrm>
-          <a:prstGeom prst="rect">
-            <a:avLst/>
-          </a:prstGeom>
-        </p:spPr>
-        <p:style>
-          <a:lnRef idx="2">
-            <a:schemeClr val="accent1">
-              <a:shade val="50000"/>
-            </a:schemeClr>
-          </a:lnRef>
-          <a:fillRef idx="1">
-            <a:schemeClr val="accent1"/>
-          </a:fillRef>
-          <a:effectRef idx="0">
-            <a:schemeClr val="accent1"/>
-          </a:effectRef>
-          <a:fontRef idx="minor">
-            <a:schemeClr val="lt1"/>
-          </a:fontRef>
-        </p:style>
-        <p:txBody>
-          <a:bodyPr rtlCol="0" anchor="ctr"/>
-          <a:lstStyle/>
-          <a:p>
-            <a:pPr algn="ctr"/>
-            <a:r>
-              <a:rPr lang="en-US" dirty="0"/>
-              <a:t>Can our customer database be grouped in some meaningful way?</a:t>
-            </a:r>
-          </a:p>
-          <a:p>
-            <a:pPr algn="ctr"/>
-            <a:r>
-              <a:rPr lang="en-US" sz="1200" dirty="0"/>
-              <a:t>(there is no clear outcome to predict, we can observe and explore the clusters within the customer </a:t>
-            </a:r>
-            <a:r>
-              <a:rPr lang="en-US" sz="1200" dirty="0" err="1"/>
-              <a:t>db</a:t>
-            </a:r>
-            <a:r>
-              <a:rPr lang="en-US" sz="1200" dirty="0"/>
-              <a:t>)</a:t>
-            </a:r>
-          </a:p>
-        </p:txBody>
-      </p:sp>
-      <p:sp>
-        <p:nvSpPr>
-          <p:cNvPr id="10" name="TextBox 9"/>
-          <p:cNvSpPr txBox="1"/>
-          <p:nvPr/>
-        </p:nvSpPr>
-        <p:spPr>
-          <a:xfrm>
-            <a:off x="504967" y="1883391"/>
-            <a:ext cx="3358612" cy="3693319"/>
-          </a:xfrm>
-          <a:prstGeom prst="rect">
-            <a:avLst/>
-          </a:prstGeom>
-          <a:noFill/>
-        </p:spPr>
-        <p:txBody>
-          <a:bodyPr wrap="none" rtlCol="0">
-            <a:spAutoFit/>
-          </a:bodyPr>
-          <a:lstStyle/>
-          <a:p>
-            <a:pPr marL="285750" indent="-285750">
-              <a:buFont typeface="Arial" panose="020B0604020202020204" pitchFamily="34" charset="0"/>
-              <a:buChar char="•"/>
-            </a:pPr>
-            <a:r>
-              <a:rPr lang="en-US" dirty="0"/>
-              <a:t>Retrospective</a:t>
-            </a:r>
-          </a:p>
-          <a:p>
-            <a:pPr marL="285750" indent="-285750">
-              <a:buFont typeface="Arial" panose="020B0604020202020204" pitchFamily="34" charset="0"/>
-              <a:buChar char="•"/>
-            </a:pPr>
-            <a:r>
-              <a:rPr lang="en-US" dirty="0"/>
-              <a:t>Descriptive</a:t>
-            </a:r>
-          </a:p>
-          <a:p>
-            <a:pPr marL="285750" indent="-285750">
-              <a:buFont typeface="Arial" panose="020B0604020202020204" pitchFamily="34" charset="0"/>
-              <a:buChar char="•"/>
-            </a:pPr>
-            <a:r>
-              <a:rPr lang="en-US" b="1" dirty="0">
-                <a:solidFill>
-                  <a:schemeClr val="accent6"/>
-                </a:solidFill>
-              </a:rPr>
-              <a:t>Data Science</a:t>
-            </a:r>
-          </a:p>
-          <a:p>
-            <a:pPr marL="742950" lvl="1" indent="-285750">
-              <a:buFont typeface="Arial" panose="020B0604020202020204" pitchFamily="34" charset="0"/>
-              <a:buChar char="•"/>
-            </a:pPr>
-            <a:r>
-              <a:rPr lang="en-US" dirty="0"/>
-              <a:t>Predictive</a:t>
-            </a:r>
-          </a:p>
-          <a:p>
-            <a:pPr marL="1200150" lvl="2" indent="-285750">
-              <a:buFont typeface="Arial" panose="020B0604020202020204" pitchFamily="34" charset="0"/>
-              <a:buChar char="•"/>
-            </a:pPr>
-            <a:r>
-              <a:rPr lang="en-US" dirty="0"/>
-              <a:t>Supervised Learning</a:t>
-            </a:r>
-          </a:p>
-          <a:p>
-            <a:pPr marL="1657350" lvl="3" indent="-285750">
-              <a:buFont typeface="Arial" panose="020B0604020202020204" pitchFamily="34" charset="0"/>
-              <a:buChar char="•"/>
-            </a:pPr>
-            <a:r>
-              <a:rPr lang="en-US" dirty="0"/>
-              <a:t>Classification</a:t>
-            </a:r>
-          </a:p>
-          <a:p>
-            <a:pPr marL="2114550" lvl="4" indent="-285750">
-              <a:buFont typeface="Arial" panose="020B0604020202020204" pitchFamily="34" charset="0"/>
-              <a:buChar char="•"/>
-            </a:pPr>
-            <a:r>
-              <a:rPr lang="en-US" dirty="0"/>
-              <a:t>Binary</a:t>
-            </a:r>
-          </a:p>
-          <a:p>
-            <a:pPr marL="2114550" lvl="4" indent="-285750">
-              <a:buFont typeface="Arial" panose="020B0604020202020204" pitchFamily="34" charset="0"/>
-              <a:buChar char="•"/>
-            </a:pPr>
-            <a:r>
-              <a:rPr lang="en-US" dirty="0"/>
-              <a:t>Multi-Class</a:t>
-            </a:r>
-          </a:p>
-          <a:p>
-            <a:pPr marL="1657350" lvl="3" indent="-285750">
-              <a:buFont typeface="Arial" panose="020B0604020202020204" pitchFamily="34" charset="0"/>
-              <a:buChar char="•"/>
-            </a:pPr>
-            <a:r>
-              <a:rPr lang="en-US" dirty="0"/>
-              <a:t>Continuous</a:t>
-            </a:r>
-          </a:p>
-          <a:p>
-            <a:pPr marL="742950" lvl="1" indent="-285750">
-              <a:buFont typeface="Arial" panose="020B0604020202020204" pitchFamily="34" charset="0"/>
-              <a:buChar char="•"/>
-            </a:pPr>
-            <a:r>
-              <a:rPr lang="en-US" dirty="0"/>
-              <a:t>Forecasting</a:t>
-            </a:r>
-          </a:p>
-          <a:p>
-            <a:pPr marL="742950" lvl="2" indent="-285750">
-              <a:buFont typeface="Arial" panose="020B0604020202020204" pitchFamily="34" charset="0"/>
-              <a:buChar char="•"/>
-            </a:pPr>
-            <a:r>
-              <a:rPr lang="en-US" b="1" dirty="0">
-                <a:solidFill>
-                  <a:schemeClr val="accent6"/>
-                </a:solidFill>
-              </a:rPr>
-              <a:t>Unsupervised Learning</a:t>
-            </a:r>
-          </a:p>
-          <a:p>
-            <a:pPr marL="742950" lvl="1" indent="-285750">
-              <a:buFont typeface="Arial" panose="020B0604020202020204" pitchFamily="34" charset="0"/>
-              <a:buChar char="•"/>
-            </a:pPr>
-            <a:r>
-              <a:rPr lang="en-US" dirty="0"/>
-              <a:t>Associative System</a:t>
-            </a:r>
-          </a:p>
-          <a:p>
-            <a:pPr marL="285750" indent="-285750">
-              <a:buFont typeface="Arial" panose="020B0604020202020204" pitchFamily="34" charset="0"/>
-              <a:buChar char="•"/>
-            </a:pPr>
-            <a:endParaRPr lang="en-US" dirty="0"/>
-          </a:p>
-        </p:txBody>
-      </p:sp>
-      <p:sp>
-        <p:nvSpPr>
-          <p:cNvPr id="5" name="Footer Placeholder 4">
-            <a:extLst>
-              <a:ext uri="{FF2B5EF4-FFF2-40B4-BE49-F238E27FC236}">
-                <a16:creationId xmlns:a16="http://schemas.microsoft.com/office/drawing/2014/main" id="{59CA9B5A-2FEF-F871-698E-D3E669FD23F7}"/>
-              </a:ext>
-            </a:extLst>
-          </p:cNvPr>
-          <p:cNvSpPr>
-            <a:spLocks noGrp="1"/>
-          </p:cNvSpPr>
-          <p:nvPr>
-            <p:ph type="ftr" sz="quarter" idx="3"/>
-          </p:nvPr>
-        </p:nvSpPr>
-        <p:spPr>
-          <a:xfrm>
-            <a:off x="3028950" y="6356351"/>
-            <a:ext cx="3086100" cy="365125"/>
-          </a:xfrm>
-        </p:spPr>
-        <p:txBody>
-          <a:bodyPr/>
-          <a:lstStyle/>
-          <a:p>
-            <a:r>
-              <a:rPr lang="en-US" dirty="0"/>
-              <a:t>Kwartler</a:t>
-            </a:r>
-          </a:p>
-        </p:txBody>
-      </p:sp>
-    </p:spTree>
-    <p:extLst>
-      <p:ext uri="{BB962C8B-B14F-4D97-AF65-F5344CB8AC3E}">
-        <p14:creationId xmlns:p14="http://schemas.microsoft.com/office/powerpoint/2010/main" val="2601869471"/>
-      </p:ext>
-    </p:extLst>
-  </p:cSld>
-  <p:clrMapOvr>
-    <a:masterClrMapping/>
-  </p:clrMapOvr>
-</p:sld>
-</file>
-
-<file path=ppt/slides/slide33.xml><?xml version="1.0" encoding="utf-8"?>
-<p:sld xmlns:a="http://schemas.openxmlformats.org/drawingml/2006/main" xmlns:r="http://schemas.openxmlformats.org/officeDocument/2006/relationships" xmlns:p="http://schemas.openxmlformats.org/presentationml/2006/main">
-  <p:cSld>
-    <p:spTree>
-      <p:nvGrpSpPr>
-        <p:cNvPr id="1" name=""/>
-        <p:cNvGrpSpPr/>
-        <p:nvPr/>
-      </p:nvGrpSpPr>
-      <p:grpSpPr>
-        <a:xfrm>
-          <a:off x="0" y="0"/>
-          <a:ext cx="0" cy="0"/>
-          <a:chOff x="0" y="0"/>
-          <a:chExt cx="0" cy="0"/>
-        </a:xfrm>
-      </p:grpSpPr>
-      <p:sp>
-        <p:nvSpPr>
-          <p:cNvPr id="2" name="Date Placeholder 1"/>
-          <p:cNvSpPr>
-            <a:spLocks noGrp="1"/>
-          </p:cNvSpPr>
-          <p:nvPr>
-            <p:ph type="dt" sz="half" idx="10"/>
-          </p:nvPr>
-        </p:nvSpPr>
-        <p:spPr/>
-        <p:txBody>
-          <a:bodyPr/>
-          <a:lstStyle/>
-          <a:p>
-            <a:fld id="{6700A58B-DD98-43D0-B791-721480A02982}" type="datetime1">
-              <a:rPr lang="en-US" smtClean="0"/>
-              <a:t>7/19/23</a:t>
-            </a:fld>
-            <a:endParaRPr lang="en-US"/>
-          </a:p>
-        </p:txBody>
-      </p:sp>
-      <p:sp>
-        <p:nvSpPr>
-          <p:cNvPr id="3" name="Title 2"/>
-          <p:cNvSpPr>
-            <a:spLocks noGrp="1"/>
-          </p:cNvSpPr>
-          <p:nvPr>
-            <p:ph type="title"/>
-          </p:nvPr>
-        </p:nvSpPr>
-        <p:spPr/>
-        <p:txBody>
-          <a:bodyPr/>
-          <a:lstStyle/>
-          <a:p>
-            <a:r>
-              <a:rPr lang="en-US" dirty="0"/>
-              <a:t>Types of Problems</a:t>
-            </a:r>
-          </a:p>
-        </p:txBody>
-      </p:sp>
-      <p:sp>
-        <p:nvSpPr>
-          <p:cNvPr id="4" name="Slide Number Placeholder 3"/>
-          <p:cNvSpPr>
-            <a:spLocks noGrp="1"/>
-          </p:cNvSpPr>
-          <p:nvPr>
-            <p:ph type="sldNum" sz="quarter" idx="12"/>
-          </p:nvPr>
-        </p:nvSpPr>
-        <p:spPr/>
-        <p:txBody>
-          <a:bodyPr/>
-          <a:lstStyle/>
-          <a:p>
-            <a:fld id="{37290FF7-652B-4475-AEAB-8B1A5D23AE09}" type="slidenum">
-              <a:rPr lang="en-US" smtClean="0"/>
-              <a:t>33</a:t>
-            </a:fld>
-            <a:endParaRPr lang="en-US"/>
-          </a:p>
-        </p:txBody>
-      </p:sp>
-      <p:sp>
-        <p:nvSpPr>
-          <p:cNvPr id="7" name="Rectangle 6"/>
-          <p:cNvSpPr/>
-          <p:nvPr/>
-        </p:nvSpPr>
-        <p:spPr>
-          <a:xfrm>
-            <a:off x="4640239" y="1801504"/>
-            <a:ext cx="3794077" cy="873457"/>
-          </a:xfrm>
-          <a:prstGeom prst="rect">
-            <a:avLst/>
-          </a:prstGeom>
-          <a:solidFill>
-            <a:schemeClr val="accent3"/>
-          </a:solidFill>
-          <a:ln>
-            <a:noFill/>
-          </a:ln>
-        </p:spPr>
-        <p:style>
-          <a:lnRef idx="2">
-            <a:schemeClr val="accent1">
-              <a:shade val="50000"/>
-            </a:schemeClr>
-          </a:lnRef>
-          <a:fillRef idx="1">
-            <a:schemeClr val="accent1"/>
-          </a:fillRef>
-          <a:effectRef idx="0">
-            <a:schemeClr val="accent1"/>
-          </a:effectRef>
-          <a:fontRef idx="minor">
-            <a:schemeClr val="lt1"/>
-          </a:fontRef>
-        </p:style>
-        <p:txBody>
-          <a:bodyPr rtlCol="0" anchor="ctr"/>
-          <a:lstStyle/>
-          <a:p>
-            <a:pPr algn="ctr"/>
-            <a:r>
-              <a:rPr lang="en-US" dirty="0"/>
-              <a:t>Ask yourself is there an outcome variable that we want to predict.</a:t>
-            </a:r>
-          </a:p>
-        </p:txBody>
-      </p:sp>
-      <p:sp>
-        <p:nvSpPr>
-          <p:cNvPr id="8" name="Rectangle 7"/>
-          <p:cNvSpPr/>
-          <p:nvPr/>
-        </p:nvSpPr>
-        <p:spPr>
-          <a:xfrm>
-            <a:off x="4642513" y="2759122"/>
-            <a:ext cx="3794077" cy="2222311"/>
-          </a:xfrm>
-          <a:prstGeom prst="rect">
-            <a:avLst/>
-          </a:prstGeom>
-        </p:spPr>
-        <p:style>
-          <a:lnRef idx="2">
-            <a:schemeClr val="accent1">
-              <a:shade val="50000"/>
-            </a:schemeClr>
-          </a:lnRef>
-          <a:fillRef idx="1">
-            <a:schemeClr val="accent1"/>
-          </a:fillRef>
-          <a:effectRef idx="0">
-            <a:schemeClr val="accent1"/>
-          </a:effectRef>
-          <a:fontRef idx="minor">
-            <a:schemeClr val="lt1"/>
-          </a:fontRef>
-        </p:style>
-        <p:txBody>
-          <a:bodyPr rtlCol="0" anchor="ctr"/>
-          <a:lstStyle/>
-          <a:p>
-            <a:pPr algn="ctr"/>
-            <a:r>
-              <a:rPr lang="en-US" dirty="0"/>
-              <a:t>What should we offer customers that bought the corn dog?</a:t>
-            </a:r>
-          </a:p>
-          <a:p>
-            <a:pPr algn="ctr"/>
-            <a:r>
-              <a:rPr lang="en-US" sz="1200" dirty="0"/>
-              <a:t>(There is not really a distinct outcome, only observed data similar to the unsupervised example.  Should we offer additional dogs, condiments, orange soda, red wine, steak etc.  Among all choices, how are items associated based on purchase history?)</a:t>
-            </a:r>
-          </a:p>
-        </p:txBody>
-      </p:sp>
-      <p:sp>
-        <p:nvSpPr>
-          <p:cNvPr id="9" name="TextBox 8"/>
-          <p:cNvSpPr txBox="1"/>
-          <p:nvPr/>
-        </p:nvSpPr>
-        <p:spPr>
-          <a:xfrm>
-            <a:off x="504967" y="1883391"/>
-            <a:ext cx="3358612" cy="3693319"/>
-          </a:xfrm>
-          <a:prstGeom prst="rect">
-            <a:avLst/>
-          </a:prstGeom>
-          <a:noFill/>
-        </p:spPr>
-        <p:txBody>
-          <a:bodyPr wrap="none" rtlCol="0">
-            <a:spAutoFit/>
-          </a:bodyPr>
-          <a:lstStyle/>
-          <a:p>
-            <a:pPr marL="285750" indent="-285750">
-              <a:buFont typeface="Arial" panose="020B0604020202020204" pitchFamily="34" charset="0"/>
-              <a:buChar char="•"/>
-            </a:pPr>
-            <a:r>
-              <a:rPr lang="en-US" dirty="0"/>
-              <a:t>Retrospective</a:t>
-            </a:r>
-          </a:p>
-          <a:p>
-            <a:pPr marL="285750" indent="-285750">
-              <a:buFont typeface="Arial" panose="020B0604020202020204" pitchFamily="34" charset="0"/>
-              <a:buChar char="•"/>
-            </a:pPr>
-            <a:r>
-              <a:rPr lang="en-US" dirty="0"/>
-              <a:t>Descriptive</a:t>
-            </a:r>
-          </a:p>
-          <a:p>
-            <a:pPr marL="285750" indent="-285750">
-              <a:buFont typeface="Arial" panose="020B0604020202020204" pitchFamily="34" charset="0"/>
-              <a:buChar char="•"/>
-            </a:pPr>
-            <a:r>
-              <a:rPr lang="en-US" b="1" dirty="0">
-                <a:solidFill>
-                  <a:schemeClr val="accent6"/>
-                </a:solidFill>
-              </a:rPr>
-              <a:t>Data Science</a:t>
-            </a:r>
-          </a:p>
-          <a:p>
-            <a:pPr marL="742950" lvl="1" indent="-285750">
-              <a:buFont typeface="Arial" panose="020B0604020202020204" pitchFamily="34" charset="0"/>
-              <a:buChar char="•"/>
-            </a:pPr>
-            <a:r>
-              <a:rPr lang="en-US" dirty="0"/>
-              <a:t>Predictive</a:t>
-            </a:r>
-          </a:p>
-          <a:p>
-            <a:pPr marL="1200150" lvl="2" indent="-285750">
-              <a:buFont typeface="Arial" panose="020B0604020202020204" pitchFamily="34" charset="0"/>
-              <a:buChar char="•"/>
-            </a:pPr>
-            <a:r>
-              <a:rPr lang="en-US" dirty="0"/>
-              <a:t>Supervised Learning</a:t>
-            </a:r>
-          </a:p>
-          <a:p>
-            <a:pPr marL="1657350" lvl="3" indent="-285750">
-              <a:buFont typeface="Arial" panose="020B0604020202020204" pitchFamily="34" charset="0"/>
-              <a:buChar char="•"/>
-            </a:pPr>
-            <a:r>
-              <a:rPr lang="en-US" dirty="0"/>
-              <a:t>Classification</a:t>
-            </a:r>
-          </a:p>
-          <a:p>
-            <a:pPr marL="2114550" lvl="4" indent="-285750">
-              <a:buFont typeface="Arial" panose="020B0604020202020204" pitchFamily="34" charset="0"/>
-              <a:buChar char="•"/>
-            </a:pPr>
-            <a:r>
-              <a:rPr lang="en-US" dirty="0"/>
-              <a:t>Binary</a:t>
-            </a:r>
-          </a:p>
-          <a:p>
-            <a:pPr marL="2114550" lvl="4" indent="-285750">
-              <a:buFont typeface="Arial" panose="020B0604020202020204" pitchFamily="34" charset="0"/>
-              <a:buChar char="•"/>
-            </a:pPr>
-            <a:r>
-              <a:rPr lang="en-US" dirty="0"/>
-              <a:t>Multi-Class</a:t>
-            </a:r>
-          </a:p>
-          <a:p>
-            <a:pPr marL="1657350" lvl="3" indent="-285750">
-              <a:buFont typeface="Arial" panose="020B0604020202020204" pitchFamily="34" charset="0"/>
-              <a:buChar char="•"/>
-            </a:pPr>
-            <a:r>
-              <a:rPr lang="en-US" dirty="0"/>
-              <a:t>Continuous</a:t>
-            </a:r>
-          </a:p>
-          <a:p>
-            <a:pPr marL="742950" lvl="1" indent="-285750">
-              <a:buFont typeface="Arial" panose="020B0604020202020204" pitchFamily="34" charset="0"/>
-              <a:buChar char="•"/>
-            </a:pPr>
-            <a:r>
-              <a:rPr lang="en-US" dirty="0"/>
-              <a:t>Forecasting</a:t>
-            </a:r>
-          </a:p>
-          <a:p>
-            <a:pPr marL="742950" lvl="2" indent="-285750">
-              <a:buFont typeface="Arial" panose="020B0604020202020204" pitchFamily="34" charset="0"/>
-              <a:buChar char="•"/>
-            </a:pPr>
-            <a:r>
-              <a:rPr lang="en-US" dirty="0"/>
-              <a:t>Unsupervised Learning</a:t>
-            </a:r>
-          </a:p>
-          <a:p>
-            <a:pPr marL="742950" lvl="1" indent="-285750">
-              <a:buFont typeface="Arial" panose="020B0604020202020204" pitchFamily="34" charset="0"/>
-              <a:buChar char="•"/>
-            </a:pPr>
-            <a:r>
-              <a:rPr lang="en-US" b="1" dirty="0">
-                <a:solidFill>
-                  <a:schemeClr val="accent6"/>
-                </a:solidFill>
-              </a:rPr>
-              <a:t>Associative System</a:t>
-            </a:r>
-          </a:p>
-          <a:p>
-            <a:pPr marL="285750" indent="-285750">
-              <a:buFont typeface="Arial" panose="020B0604020202020204" pitchFamily="34" charset="0"/>
-              <a:buChar char="•"/>
-            </a:pPr>
-            <a:endParaRPr lang="en-US" dirty="0"/>
-          </a:p>
-        </p:txBody>
-      </p:sp>
-      <p:sp>
-        <p:nvSpPr>
-          <p:cNvPr id="5" name="Footer Placeholder 4">
-            <a:extLst>
-              <a:ext uri="{FF2B5EF4-FFF2-40B4-BE49-F238E27FC236}">
-                <a16:creationId xmlns:a16="http://schemas.microsoft.com/office/drawing/2014/main" id="{D71A8943-45A2-57C2-5D70-2D1BAC932289}"/>
-              </a:ext>
-            </a:extLst>
-          </p:cNvPr>
-          <p:cNvSpPr>
-            <a:spLocks noGrp="1"/>
-          </p:cNvSpPr>
-          <p:nvPr>
-            <p:ph type="ftr" sz="quarter" idx="3"/>
-          </p:nvPr>
-        </p:nvSpPr>
-        <p:spPr>
-          <a:xfrm>
-            <a:off x="3028950" y="6356351"/>
-            <a:ext cx="3086100" cy="365125"/>
-          </a:xfrm>
-        </p:spPr>
-        <p:txBody>
-          <a:bodyPr/>
-          <a:lstStyle/>
-          <a:p>
-            <a:r>
-              <a:rPr lang="en-US" dirty="0"/>
-              <a:t>Kwartler</a:t>
-            </a:r>
-          </a:p>
-        </p:txBody>
-      </p:sp>
-    </p:spTree>
-    <p:extLst>
-      <p:ext uri="{BB962C8B-B14F-4D97-AF65-F5344CB8AC3E}">
-        <p14:creationId xmlns:p14="http://schemas.microsoft.com/office/powerpoint/2010/main" val="1493231804"/>
-      </p:ext>
-    </p:extLst>
-  </p:cSld>
-  <p:clrMapOvr>
-    <a:masterClrMapping/>
-  </p:clrMapOvr>
-</p:sld>
-</file>
-
-<file path=ppt/slides/slide34.xml><?xml version="1.0" encoding="utf-8"?>
-<p:sld xmlns:a="http://schemas.openxmlformats.org/drawingml/2006/main" xmlns:r="http://schemas.openxmlformats.org/officeDocument/2006/relationships" xmlns:p="http://schemas.openxmlformats.org/presentationml/2006/main">
-  <p:cSld>
-    <p:spTree>
-      <p:nvGrpSpPr>
-        <p:cNvPr id="1" name=""/>
-        <p:cNvGrpSpPr/>
-        <p:nvPr/>
-      </p:nvGrpSpPr>
-      <p:grpSpPr>
-        <a:xfrm>
-          <a:off x="0" y="0"/>
-          <a:ext cx="0" cy="0"/>
-          <a:chOff x="0" y="0"/>
-          <a:chExt cx="0" cy="0"/>
-        </a:xfrm>
-      </p:grpSpPr>
-      <p:sp>
-        <p:nvSpPr>
           <p:cNvPr id="2" name="Date Placeholder 1">
             <a:extLst>
               <a:ext uri="{FF2B5EF4-FFF2-40B4-BE49-F238E27FC236}">
@@ -19925,7 +18290,7 @@
           <a:p>
             <a:fld id="{37290FF7-652B-4475-AEAB-8B1A5D23AE09}" type="slidenum">
               <a:rPr lang="en-US" smtClean="0"/>
-              <a:t>34</a:t>
+              <a:t>31</a:t>
             </a:fld>
             <a:endParaRPr lang="en-US"/>
           </a:p>
@@ -21127,7 +19492,7 @@
 </p:sld>
 </file>
 
-<file path=ppt/slides/slide35.xml><?xml version="1.0" encoding="utf-8"?>
+<file path=ppt/slides/slide32.xml><?xml version="1.0" encoding="utf-8"?>
 <p:sld xmlns:a="http://schemas.openxmlformats.org/drawingml/2006/main" xmlns:r="http://schemas.openxmlformats.org/officeDocument/2006/relationships" xmlns:p="http://schemas.openxmlformats.org/presentationml/2006/main">
   <p:cSld>
     <p:spTree>
@@ -21192,7 +19557,7 @@
         <p:spPr>
           <a:xfrm>
             <a:off x="122256" y="136524"/>
-            <a:ext cx="7886700" cy="591477"/>
+            <a:ext cx="8891144" cy="591477"/>
           </a:xfrm>
         </p:spPr>
         <p:txBody>
@@ -21200,8 +19565,8 @@
           <a:lstStyle/>
           <a:p>
             <a:r>
-              <a:rPr lang="en-US" dirty="0"/>
-              <a:t>Example</a:t>
+              <a:rPr lang="en-US" sz="2800" dirty="0"/>
+              <a:t>Example – Project Goal By Biz Need By Methods/Tools</a:t>
             </a:r>
           </a:p>
         </p:txBody>
@@ -21229,7 +19594,7 @@
           <a:p>
             <a:fld id="{37290FF7-652B-4475-AEAB-8B1A5D23AE09}" type="slidenum">
               <a:rPr lang="en-US" smtClean="0"/>
-              <a:t>35</a:t>
+              <a:t>32</a:t>
             </a:fld>
             <a:endParaRPr lang="en-US"/>
           </a:p>
@@ -21343,7 +19708,7 @@
           <p:nvPr>
             <p:extLst>
               <p:ext uri="{D42A27DB-BD31-4B8C-83A1-F6EECF244321}">
-                <p14:modId xmlns:p14="http://schemas.microsoft.com/office/powerpoint/2010/main" val="3421330933"/>
+                <p14:modId xmlns:p14="http://schemas.microsoft.com/office/powerpoint/2010/main" val="3919382094"/>
               </p:ext>
             </p:extLst>
           </p:nvPr>
@@ -21822,7 +20187,7 @@
                       </a:pPr>
                       <a:r>
                         <a:rPr lang="en-US" sz="1200" dirty="0"/>
-                        <a:t>How did we do last quarter considering….XXXXX?</a:t>
+                        <a:t>How did we do last quarter considering we ran a promotion?</a:t>
                       </a:r>
                       <a:endParaRPr lang="en-US" sz="1300" dirty="0">
                         <a:solidFill>
@@ -21865,7 +20230,7 @@
                             <a:schemeClr val="tx1"/>
                           </a:solidFill>
                         </a:rPr>
-                        <a:t>Summary Stats &amp; visuals for historical costs/fraud/discounts w/macro-economic data, competitor information </a:t>
+                        <a:t>Summary Stats &amp; visuals for historical costs/fraud/discounts w/macro-economic data, competitor information, promotion data </a:t>
                       </a:r>
                       <a:r>
                         <a:rPr lang="en-US" sz="1300" dirty="0" err="1">
@@ -22439,7 +20804,7 @@
 </p:sld>
 </file>
 
-<file path=ppt/slides/slide36.xml><?xml version="1.0" encoding="utf-8"?>
+<file path=ppt/slides/slide33.xml><?xml version="1.0" encoding="utf-8"?>
 <p:sld xmlns:a="http://schemas.openxmlformats.org/drawingml/2006/main" xmlns:r="http://schemas.openxmlformats.org/officeDocument/2006/relationships" xmlns:p="http://schemas.openxmlformats.org/presentationml/2006/main">
   <p:cSld>
     <p:spTree>
@@ -22487,39 +20852,6 @@
       </p:sp>
       <p:sp>
         <p:nvSpPr>
-          <p:cNvPr id="3" name="Title 2">
-            <a:extLst>
-              <a:ext uri="{FF2B5EF4-FFF2-40B4-BE49-F238E27FC236}">
-                <a16:creationId xmlns:a16="http://schemas.microsoft.com/office/drawing/2014/main" id="{5E589B48-485D-CA8D-BE48-D17A7FEC0356}"/>
-              </a:ext>
-            </a:extLst>
-          </p:cNvPr>
-          <p:cNvSpPr>
-            <a:spLocks noGrp="1"/>
-          </p:cNvSpPr>
-          <p:nvPr>
-            <p:ph type="title"/>
-          </p:nvPr>
-        </p:nvSpPr>
-        <p:spPr>
-          <a:xfrm>
-            <a:off x="122256" y="136524"/>
-            <a:ext cx="7886700" cy="591477"/>
-          </a:xfrm>
-        </p:spPr>
-        <p:txBody>
-          <a:bodyPr/>
-          <a:lstStyle/>
-          <a:p>
-            <a:r>
-              <a:rPr lang="en-US" dirty="0"/>
-              <a:t>Example</a:t>
-            </a:r>
-          </a:p>
-        </p:txBody>
-      </p:sp>
-      <p:sp>
-        <p:nvSpPr>
           <p:cNvPr id="4" name="Slide Number Placeholder 3">
             <a:extLst>
               <a:ext uri="{FF2B5EF4-FFF2-40B4-BE49-F238E27FC236}">
@@ -22541,7 +20873,7 @@
           <a:p>
             <a:fld id="{37290FF7-652B-4475-AEAB-8B1A5D23AE09}" type="slidenum">
               <a:rPr lang="en-US" smtClean="0"/>
-              <a:t>36</a:t>
+              <a:t>33</a:t>
             </a:fld>
             <a:endParaRPr lang="en-US"/>
           </a:p>
@@ -23749,961 +22081,43 @@
           </a:p>
         </p:txBody>
       </p:sp>
+      <p:sp>
+        <p:nvSpPr>
+          <p:cNvPr id="8" name="Title 2">
+            <a:extLst>
+              <a:ext uri="{FF2B5EF4-FFF2-40B4-BE49-F238E27FC236}">
+                <a16:creationId xmlns:a16="http://schemas.microsoft.com/office/drawing/2014/main" id="{3AE5B71B-A695-449D-11C5-5CCF46DC2E44}"/>
+              </a:ext>
+            </a:extLst>
+          </p:cNvPr>
+          <p:cNvSpPr>
+            <a:spLocks noGrp="1"/>
+          </p:cNvSpPr>
+          <p:nvPr>
+            <p:ph type="title"/>
+          </p:nvPr>
+        </p:nvSpPr>
+        <p:spPr>
+          <a:xfrm>
+            <a:off x="122256" y="136524"/>
+            <a:ext cx="8891144" cy="591477"/>
+          </a:xfrm>
+        </p:spPr>
+        <p:txBody>
+          <a:bodyPr/>
+          <a:lstStyle/>
+          <a:p>
+            <a:r>
+              <a:rPr lang="en-US" sz="2800" dirty="0"/>
+              <a:t>Example – Project Goal By Biz Need By Methods/Tools</a:t>
+            </a:r>
+          </a:p>
+        </p:txBody>
+      </p:sp>
     </p:spTree>
     <p:extLst>
       <p:ext uri="{BB962C8B-B14F-4D97-AF65-F5344CB8AC3E}">
         <p14:creationId xmlns:p14="http://schemas.microsoft.com/office/powerpoint/2010/main" val="3592350381"/>
-      </p:ext>
-    </p:extLst>
-  </p:cSld>
-  <p:clrMapOvr>
-    <a:masterClrMapping/>
-  </p:clrMapOvr>
-</p:sld>
-</file>
-
-<file path=ppt/slides/slide37.xml><?xml version="1.0" encoding="utf-8"?>
-<p:sld xmlns:a="http://schemas.openxmlformats.org/drawingml/2006/main" xmlns:r="http://schemas.openxmlformats.org/officeDocument/2006/relationships" xmlns:p="http://schemas.openxmlformats.org/presentationml/2006/main">
-  <p:cSld>
-    <p:spTree>
-      <p:nvGrpSpPr>
-        <p:cNvPr id="1" name=""/>
-        <p:cNvGrpSpPr/>
-        <p:nvPr/>
-      </p:nvGrpSpPr>
-      <p:grpSpPr>
-        <a:xfrm>
-          <a:off x="0" y="0"/>
-          <a:ext cx="0" cy="0"/>
-          <a:chOff x="0" y="0"/>
-          <a:chExt cx="0" cy="0"/>
-        </a:xfrm>
-      </p:grpSpPr>
-      <p:sp>
-        <p:nvSpPr>
-          <p:cNvPr id="2" name="Title 1"/>
-          <p:cNvSpPr>
-            <a:spLocks noGrp="1"/>
-          </p:cNvSpPr>
-          <p:nvPr>
-            <p:ph type="title"/>
-          </p:nvPr>
-        </p:nvSpPr>
-        <p:spPr/>
-        <p:txBody>
-          <a:bodyPr/>
-          <a:lstStyle/>
-          <a:p>
-            <a:r>
-              <a:rPr lang="en-US" dirty="0"/>
-              <a:t>Agenda</a:t>
-            </a:r>
-          </a:p>
-        </p:txBody>
-      </p:sp>
-      <p:graphicFrame>
-        <p:nvGraphicFramePr>
-          <p:cNvPr id="4" name="Content Placeholder 3"/>
-          <p:cNvGraphicFramePr>
-            <a:graphicFrameLocks noGrp="1"/>
-          </p:cNvGraphicFramePr>
-          <p:nvPr>
-            <p:ph idx="1"/>
-          </p:nvPr>
-        </p:nvGraphicFramePr>
-        <p:xfrm>
-          <a:off x="614363" y="1111250"/>
-          <a:ext cx="7915275" cy="2377440"/>
-        </p:xfrm>
-        <a:graphic>
-          <a:graphicData uri="http://schemas.openxmlformats.org/drawingml/2006/table">
-            <a:tbl>
-              <a:tblPr firstRow="1" bandRow="1">
-                <a:tableStyleId>{F5AB1C69-6EDB-4FF4-983F-18BD219EF322}</a:tableStyleId>
-              </a:tblPr>
-              <a:tblGrid>
-                <a:gridCol w="1242805">
-                  <a:extLst>
-                    <a:ext uri="{9D8B030D-6E8A-4147-A177-3AD203B41FA5}">
-                      <a16:colId xmlns:a16="http://schemas.microsoft.com/office/drawing/2014/main" val="20000"/>
-                    </a:ext>
-                  </a:extLst>
-                </a:gridCol>
-                <a:gridCol w="861296">
-                  <a:extLst>
-                    <a:ext uri="{9D8B030D-6E8A-4147-A177-3AD203B41FA5}">
-                      <a16:colId xmlns:a16="http://schemas.microsoft.com/office/drawing/2014/main" val="20001"/>
-                    </a:ext>
-                  </a:extLst>
-                </a:gridCol>
-                <a:gridCol w="5811174">
-                  <a:extLst>
-                    <a:ext uri="{9D8B030D-6E8A-4147-A177-3AD203B41FA5}">
-                      <a16:colId xmlns:a16="http://schemas.microsoft.com/office/drawing/2014/main" val="20002"/>
-                    </a:ext>
-                  </a:extLst>
-                </a:gridCol>
-              </a:tblGrid>
-              <a:tr h="370840">
-                <a:tc>
-                  <a:txBody>
-                    <a:bodyPr/>
-                    <a:lstStyle/>
-                    <a:p>
-                      <a:pPr algn="ctr"/>
-                      <a:r>
-                        <a:rPr lang="en-US" sz="2000" dirty="0"/>
-                        <a:t>Start</a:t>
-                      </a:r>
-                    </a:p>
-                  </a:txBody>
-                  <a:tcPr/>
-                </a:tc>
-                <a:tc>
-                  <a:txBody>
-                    <a:bodyPr/>
-                    <a:lstStyle/>
-                    <a:p>
-                      <a:pPr algn="ctr"/>
-                      <a:r>
-                        <a:rPr lang="en-US" sz="2000" dirty="0"/>
-                        <a:t>End</a:t>
-                      </a:r>
-                    </a:p>
-                  </a:txBody>
-                  <a:tcPr/>
-                </a:tc>
-                <a:tc>
-                  <a:txBody>
-                    <a:bodyPr/>
-                    <a:lstStyle/>
-                    <a:p>
-                      <a:r>
-                        <a:rPr lang="en-US" sz="2000" dirty="0"/>
-                        <a:t>Item</a:t>
-                      </a:r>
-                    </a:p>
-                  </a:txBody>
-                  <a:tcPr/>
-                </a:tc>
-                <a:extLst>
-                  <a:ext uri="{0D108BD9-81ED-4DB2-BD59-A6C34878D82A}">
-                    <a16:rowId xmlns:a16="http://schemas.microsoft.com/office/drawing/2014/main" val="10000"/>
-                  </a:ext>
-                </a:extLst>
-              </a:tr>
-              <a:tr h="370840">
-                <a:tc>
-                  <a:txBody>
-                    <a:bodyPr/>
-                    <a:lstStyle/>
-                    <a:p>
-                      <a:pPr algn="ctr"/>
-                      <a:endParaRPr lang="en-US" sz="2000" kern="1200" baseline="0" dirty="0">
-                        <a:solidFill>
-                          <a:schemeClr val="dk1"/>
-                        </a:solidFill>
-                        <a:latin typeface="+mn-lt"/>
-                        <a:ea typeface="+mn-ea"/>
-                        <a:cs typeface="+mn-cs"/>
-                      </a:endParaRPr>
-                    </a:p>
-                  </a:txBody>
-                  <a:tcPr/>
-                </a:tc>
-                <a:tc>
-                  <a:txBody>
-                    <a:bodyPr/>
-                    <a:lstStyle/>
-                    <a:p>
-                      <a:pPr algn="ctr"/>
-                      <a:endParaRPr lang="en-US" sz="2000" kern="1200" baseline="0" dirty="0">
-                        <a:solidFill>
-                          <a:schemeClr val="dk1"/>
-                        </a:solidFill>
-                        <a:latin typeface="+mn-lt"/>
-                        <a:ea typeface="+mn-ea"/>
-                        <a:cs typeface="+mn-cs"/>
-                      </a:endParaRPr>
-                    </a:p>
-                  </a:txBody>
-                  <a:tcPr/>
-                </a:tc>
-                <a:tc>
-                  <a:txBody>
-                    <a:bodyPr/>
-                    <a:lstStyle/>
-                    <a:p>
-                      <a:pPr marL="0" marR="0" lvl="0" indent="0" algn="l" defTabSz="685800" rtl="0" eaLnBrk="1" fontAlgn="auto" latinLnBrk="0" hangingPunct="1">
-                        <a:lnSpc>
-                          <a:spcPct val="100000"/>
-                        </a:lnSpc>
-                        <a:spcBef>
-                          <a:spcPts val="0"/>
-                        </a:spcBef>
-                        <a:spcAft>
-                          <a:spcPts val="0"/>
-                        </a:spcAft>
-                        <a:buClrTx/>
-                        <a:buSzTx/>
-                        <a:buFontTx/>
-                        <a:buNone/>
-                        <a:tabLst/>
-                        <a:defRPr/>
-                      </a:pPr>
-                      <a:r>
-                        <a:rPr lang="en-US" sz="2000" kern="1200" baseline="0" dirty="0">
-                          <a:solidFill>
-                            <a:schemeClr val="dk1"/>
-                          </a:solidFill>
-                          <a:latin typeface="+mn-lt"/>
-                          <a:ea typeface="+mn-ea"/>
-                          <a:cs typeface="+mn-cs"/>
-                        </a:rPr>
-                        <a:t>General Framework for DM in Business</a:t>
-                      </a:r>
-                    </a:p>
-                  </a:txBody>
-                  <a:tcPr/>
-                </a:tc>
-                <a:extLst>
-                  <a:ext uri="{0D108BD9-81ED-4DB2-BD59-A6C34878D82A}">
-                    <a16:rowId xmlns:a16="http://schemas.microsoft.com/office/drawing/2014/main" val="10001"/>
-                  </a:ext>
-                </a:extLst>
-              </a:tr>
-              <a:tr h="370840">
-                <a:tc>
-                  <a:txBody>
-                    <a:bodyPr/>
-                    <a:lstStyle/>
-                    <a:p>
-                      <a:pPr algn="ctr"/>
-                      <a:endParaRPr lang="en-US" sz="2000" kern="1200" baseline="0" dirty="0">
-                        <a:solidFill>
-                          <a:schemeClr val="dk1"/>
-                        </a:solidFill>
-                        <a:latin typeface="+mn-lt"/>
-                        <a:ea typeface="+mn-ea"/>
-                        <a:cs typeface="+mn-cs"/>
-                      </a:endParaRPr>
-                    </a:p>
-                  </a:txBody>
-                  <a:tcPr/>
-                </a:tc>
-                <a:tc>
-                  <a:txBody>
-                    <a:bodyPr/>
-                    <a:lstStyle/>
-                    <a:p>
-                      <a:pPr algn="ctr"/>
-                      <a:endParaRPr lang="en-US" sz="2000" kern="1200" baseline="0" dirty="0">
-                        <a:solidFill>
-                          <a:schemeClr val="dk1"/>
-                        </a:solidFill>
-                        <a:latin typeface="+mn-lt"/>
-                        <a:ea typeface="+mn-ea"/>
-                        <a:cs typeface="+mn-cs"/>
-                      </a:endParaRPr>
-                    </a:p>
-                  </a:txBody>
-                  <a:tcPr/>
-                </a:tc>
-                <a:tc>
-                  <a:txBody>
-                    <a:bodyPr/>
-                    <a:lstStyle/>
-                    <a:p>
-                      <a:pPr marL="0" marR="0" lvl="0" indent="0" algn="l" defTabSz="685800" rtl="0" eaLnBrk="1" fontAlgn="auto" latinLnBrk="0" hangingPunct="1">
-                        <a:lnSpc>
-                          <a:spcPct val="100000"/>
-                        </a:lnSpc>
-                        <a:spcBef>
-                          <a:spcPts val="0"/>
-                        </a:spcBef>
-                        <a:spcAft>
-                          <a:spcPts val="0"/>
-                        </a:spcAft>
-                        <a:buClrTx/>
-                        <a:buSzTx/>
-                        <a:buFontTx/>
-                        <a:buNone/>
-                        <a:tabLst/>
-                        <a:defRPr/>
-                      </a:pPr>
-                      <a:r>
-                        <a:rPr lang="en-US" sz="2000" kern="1200" baseline="0" dirty="0">
-                          <a:solidFill>
-                            <a:schemeClr val="dk1"/>
-                          </a:solidFill>
-                          <a:latin typeface="+mn-lt"/>
-                          <a:ea typeface="+mn-ea"/>
-                          <a:cs typeface="+mn-cs"/>
-                        </a:rPr>
-                        <a:t>R Code Example</a:t>
-                      </a:r>
-                    </a:p>
-                  </a:txBody>
-                  <a:tcPr/>
-                </a:tc>
-                <a:extLst>
-                  <a:ext uri="{0D108BD9-81ED-4DB2-BD59-A6C34878D82A}">
-                    <a16:rowId xmlns:a16="http://schemas.microsoft.com/office/drawing/2014/main" val="10002"/>
-                  </a:ext>
-                </a:extLst>
-              </a:tr>
-              <a:tr h="370840">
-                <a:tc>
-                  <a:txBody>
-                    <a:bodyPr/>
-                    <a:lstStyle/>
-                    <a:p>
-                      <a:pPr algn="ctr"/>
-                      <a:endParaRPr lang="en-US" sz="2000" kern="1200" baseline="0" dirty="0">
-                        <a:solidFill>
-                          <a:schemeClr val="dk1"/>
-                        </a:solidFill>
-                        <a:latin typeface="+mn-lt"/>
-                        <a:ea typeface="+mn-ea"/>
-                        <a:cs typeface="+mn-cs"/>
-                      </a:endParaRPr>
-                    </a:p>
-                  </a:txBody>
-                  <a:tcPr/>
-                </a:tc>
-                <a:tc>
-                  <a:txBody>
-                    <a:bodyPr/>
-                    <a:lstStyle/>
-                    <a:p>
-                      <a:pPr algn="ctr"/>
-                      <a:endParaRPr lang="en-US" sz="2000" kern="1200" baseline="0" dirty="0">
-                        <a:solidFill>
-                          <a:schemeClr val="dk1"/>
-                        </a:solidFill>
-                        <a:latin typeface="+mn-lt"/>
-                        <a:ea typeface="+mn-ea"/>
-                        <a:cs typeface="+mn-cs"/>
-                      </a:endParaRPr>
-                    </a:p>
-                  </a:txBody>
-                  <a:tcPr/>
-                </a:tc>
-                <a:tc>
-                  <a:txBody>
-                    <a:bodyPr/>
-                    <a:lstStyle/>
-                    <a:p>
-                      <a:endParaRPr lang="en-US" sz="2000" kern="1200" baseline="0" dirty="0">
-                        <a:solidFill>
-                          <a:schemeClr val="dk1"/>
-                        </a:solidFill>
-                        <a:latin typeface="+mn-lt"/>
-                        <a:ea typeface="+mn-ea"/>
-                        <a:cs typeface="+mn-cs"/>
-                      </a:endParaRPr>
-                    </a:p>
-                  </a:txBody>
-                  <a:tcPr/>
-                </a:tc>
-                <a:extLst>
-                  <a:ext uri="{0D108BD9-81ED-4DB2-BD59-A6C34878D82A}">
-                    <a16:rowId xmlns:a16="http://schemas.microsoft.com/office/drawing/2014/main" val="10003"/>
-                  </a:ext>
-                </a:extLst>
-              </a:tr>
-              <a:tr h="370840">
-                <a:tc>
-                  <a:txBody>
-                    <a:bodyPr/>
-                    <a:lstStyle/>
-                    <a:p>
-                      <a:pPr algn="ctr"/>
-                      <a:endParaRPr lang="en-US" sz="2000" kern="1200" baseline="0" dirty="0">
-                        <a:solidFill>
-                          <a:schemeClr val="dk1"/>
-                        </a:solidFill>
-                        <a:latin typeface="+mn-lt"/>
-                        <a:ea typeface="+mn-ea"/>
-                        <a:cs typeface="+mn-cs"/>
-                      </a:endParaRPr>
-                    </a:p>
-                  </a:txBody>
-                  <a:tcPr/>
-                </a:tc>
-                <a:tc>
-                  <a:txBody>
-                    <a:bodyPr/>
-                    <a:lstStyle/>
-                    <a:p>
-                      <a:pPr algn="ctr"/>
-                      <a:endParaRPr lang="en-US" sz="2000" kern="1200" baseline="0" dirty="0">
-                        <a:solidFill>
-                          <a:schemeClr val="dk1"/>
-                        </a:solidFill>
-                        <a:latin typeface="+mn-lt"/>
-                        <a:ea typeface="+mn-ea"/>
-                        <a:cs typeface="+mn-cs"/>
-                      </a:endParaRPr>
-                    </a:p>
-                  </a:txBody>
-                  <a:tcPr/>
-                </a:tc>
-                <a:tc>
-                  <a:txBody>
-                    <a:bodyPr/>
-                    <a:lstStyle/>
-                    <a:p>
-                      <a:endParaRPr lang="en-US" sz="2000" kern="1200" baseline="0" dirty="0">
-                        <a:solidFill>
-                          <a:schemeClr val="dk1"/>
-                        </a:solidFill>
-                        <a:latin typeface="+mn-lt"/>
-                        <a:ea typeface="+mn-ea"/>
-                        <a:cs typeface="+mn-cs"/>
-                      </a:endParaRPr>
-                    </a:p>
-                  </a:txBody>
-                  <a:tcPr/>
-                </a:tc>
-                <a:extLst>
-                  <a:ext uri="{0D108BD9-81ED-4DB2-BD59-A6C34878D82A}">
-                    <a16:rowId xmlns:a16="http://schemas.microsoft.com/office/drawing/2014/main" val="10004"/>
-                  </a:ext>
-                </a:extLst>
-              </a:tr>
-              <a:tr h="370840">
-                <a:tc>
-                  <a:txBody>
-                    <a:bodyPr/>
-                    <a:lstStyle/>
-                    <a:p>
-                      <a:pPr algn="ctr"/>
-                      <a:endParaRPr lang="en-US" sz="2000" kern="1200" baseline="0" dirty="0">
-                        <a:solidFill>
-                          <a:schemeClr val="dk1"/>
-                        </a:solidFill>
-                        <a:latin typeface="+mn-lt"/>
-                        <a:ea typeface="+mn-ea"/>
-                        <a:cs typeface="+mn-cs"/>
-                      </a:endParaRPr>
-                    </a:p>
-                  </a:txBody>
-                  <a:tcPr/>
-                </a:tc>
-                <a:tc>
-                  <a:txBody>
-                    <a:bodyPr/>
-                    <a:lstStyle/>
-                    <a:p>
-                      <a:pPr algn="ctr"/>
-                      <a:endParaRPr lang="en-US" sz="2000" kern="1200" baseline="0" dirty="0">
-                        <a:solidFill>
-                          <a:schemeClr val="dk1"/>
-                        </a:solidFill>
-                        <a:latin typeface="+mn-lt"/>
-                        <a:ea typeface="+mn-ea"/>
-                        <a:cs typeface="+mn-cs"/>
-                      </a:endParaRPr>
-                    </a:p>
-                  </a:txBody>
-                  <a:tcPr/>
-                </a:tc>
-                <a:tc>
-                  <a:txBody>
-                    <a:bodyPr/>
-                    <a:lstStyle/>
-                    <a:p>
-                      <a:endParaRPr lang="en-US" sz="2000" kern="1200" baseline="0" dirty="0">
-                        <a:solidFill>
-                          <a:schemeClr val="dk1"/>
-                        </a:solidFill>
-                        <a:latin typeface="+mn-lt"/>
-                        <a:ea typeface="+mn-ea"/>
-                        <a:cs typeface="+mn-cs"/>
-                      </a:endParaRPr>
-                    </a:p>
-                  </a:txBody>
-                  <a:tcPr/>
-                </a:tc>
-                <a:extLst>
-                  <a:ext uri="{0D108BD9-81ED-4DB2-BD59-A6C34878D82A}">
-                    <a16:rowId xmlns:a16="http://schemas.microsoft.com/office/drawing/2014/main" val="10006"/>
-                  </a:ext>
-                </a:extLst>
-              </a:tr>
-            </a:tbl>
-          </a:graphicData>
-        </a:graphic>
-      </p:graphicFrame>
-      <p:sp>
-        <p:nvSpPr>
-          <p:cNvPr id="5" name="Date Placeholder 4"/>
-          <p:cNvSpPr>
-            <a:spLocks noGrp="1"/>
-          </p:cNvSpPr>
-          <p:nvPr>
-            <p:ph type="dt" sz="half" idx="10"/>
-          </p:nvPr>
-        </p:nvSpPr>
-        <p:spPr/>
-        <p:txBody>
-          <a:bodyPr/>
-          <a:lstStyle/>
-          <a:p>
-            <a:fld id="{9B19E99B-5349-415A-8E56-8E989211A366}" type="datetime1">
-              <a:rPr lang="en-US" smtClean="0"/>
-              <a:t>7/19/23</a:t>
-            </a:fld>
-            <a:endParaRPr lang="en-US"/>
-          </a:p>
-        </p:txBody>
-      </p:sp>
-      <p:sp>
-        <p:nvSpPr>
-          <p:cNvPr id="7" name="Slide Number Placeholder 6"/>
-          <p:cNvSpPr>
-            <a:spLocks noGrp="1"/>
-          </p:cNvSpPr>
-          <p:nvPr>
-            <p:ph type="sldNum" sz="quarter" idx="12"/>
-          </p:nvPr>
-        </p:nvSpPr>
-        <p:spPr/>
-        <p:txBody>
-          <a:bodyPr/>
-          <a:lstStyle/>
-          <a:p>
-            <a:fld id="{37290FF7-652B-4475-AEAB-8B1A5D23AE09}" type="slidenum">
-              <a:rPr lang="en-US" smtClean="0"/>
-              <a:t>37</a:t>
-            </a:fld>
-            <a:endParaRPr lang="en-US"/>
-          </a:p>
-        </p:txBody>
-      </p:sp>
-      <p:sp>
-        <p:nvSpPr>
-          <p:cNvPr id="3" name="Footer Placeholder 4">
-            <a:extLst>
-              <a:ext uri="{FF2B5EF4-FFF2-40B4-BE49-F238E27FC236}">
-                <a16:creationId xmlns:a16="http://schemas.microsoft.com/office/drawing/2014/main" id="{E7446078-A382-D52B-D495-1547FFB965DF}"/>
-              </a:ext>
-            </a:extLst>
-          </p:cNvPr>
-          <p:cNvSpPr>
-            <a:spLocks noGrp="1"/>
-          </p:cNvSpPr>
-          <p:nvPr>
-            <p:ph type="ftr" sz="quarter" idx="3"/>
-          </p:nvPr>
-        </p:nvSpPr>
-        <p:spPr>
-          <a:xfrm>
-            <a:off x="3028950" y="6356351"/>
-            <a:ext cx="3086100" cy="365125"/>
-          </a:xfrm>
-        </p:spPr>
-        <p:txBody>
-          <a:bodyPr/>
-          <a:lstStyle/>
-          <a:p>
-            <a:r>
-              <a:rPr lang="en-US" dirty="0"/>
-              <a:t>Kwartler</a:t>
-            </a:r>
-          </a:p>
-        </p:txBody>
-      </p:sp>
-    </p:spTree>
-    <p:extLst>
-      <p:ext uri="{BB962C8B-B14F-4D97-AF65-F5344CB8AC3E}">
-        <p14:creationId xmlns:p14="http://schemas.microsoft.com/office/powerpoint/2010/main" val="377933088"/>
-      </p:ext>
-    </p:extLst>
-  </p:cSld>
-  <p:clrMapOvr>
-    <a:masterClrMapping/>
-  </p:clrMapOvr>
-</p:sld>
-</file>
-
-<file path=ppt/slides/slide38.xml><?xml version="1.0" encoding="utf-8"?>
-<p:sld xmlns:a="http://schemas.openxmlformats.org/drawingml/2006/main" xmlns:r="http://schemas.openxmlformats.org/officeDocument/2006/relationships" xmlns:p="http://schemas.openxmlformats.org/presentationml/2006/main">
-  <p:cSld>
-    <p:spTree>
-      <p:nvGrpSpPr>
-        <p:cNvPr id="1" name=""/>
-        <p:cNvGrpSpPr/>
-        <p:nvPr/>
-      </p:nvGrpSpPr>
-      <p:grpSpPr>
-        <a:xfrm>
-          <a:off x="0" y="0"/>
-          <a:ext cx="0" cy="0"/>
-          <a:chOff x="0" y="0"/>
-          <a:chExt cx="0" cy="0"/>
-        </a:xfrm>
-      </p:grpSpPr>
-      <p:sp>
-        <p:nvSpPr>
-          <p:cNvPr id="2" name="Date Placeholder 1"/>
-          <p:cNvSpPr>
-            <a:spLocks noGrp="1"/>
-          </p:cNvSpPr>
-          <p:nvPr>
-            <p:ph type="dt" sz="half" idx="10"/>
-          </p:nvPr>
-        </p:nvSpPr>
-        <p:spPr/>
-        <p:txBody>
-          <a:bodyPr/>
-          <a:lstStyle/>
-          <a:p>
-            <a:fld id="{6700A58B-DD98-43D0-B791-721480A02982}" type="datetime1">
-              <a:rPr lang="en-US" smtClean="0"/>
-              <a:t>7/19/23</a:t>
-            </a:fld>
-            <a:endParaRPr lang="en-US"/>
-          </a:p>
-        </p:txBody>
-      </p:sp>
-      <p:sp>
-        <p:nvSpPr>
-          <p:cNvPr id="3" name="Title 2"/>
-          <p:cNvSpPr>
-            <a:spLocks noGrp="1"/>
-          </p:cNvSpPr>
-          <p:nvPr>
-            <p:ph type="title"/>
-          </p:nvPr>
-        </p:nvSpPr>
-        <p:spPr/>
-        <p:txBody>
-          <a:bodyPr/>
-          <a:lstStyle/>
-          <a:p>
-            <a:r>
-              <a:rPr lang="en-US" dirty="0"/>
-              <a:t>Let’s Practice!</a:t>
-            </a:r>
-          </a:p>
-        </p:txBody>
-      </p:sp>
-      <p:sp>
-        <p:nvSpPr>
-          <p:cNvPr id="4" name="Slide Number Placeholder 3"/>
-          <p:cNvSpPr>
-            <a:spLocks noGrp="1"/>
-          </p:cNvSpPr>
-          <p:nvPr>
-            <p:ph type="sldNum" sz="quarter" idx="12"/>
-          </p:nvPr>
-        </p:nvSpPr>
-        <p:spPr/>
-        <p:txBody>
-          <a:bodyPr/>
-          <a:lstStyle/>
-          <a:p>
-            <a:fld id="{37290FF7-652B-4475-AEAB-8B1A5D23AE09}" type="slidenum">
-              <a:rPr lang="en-US" smtClean="0"/>
-              <a:t>38</a:t>
-            </a:fld>
-            <a:endParaRPr lang="en-US"/>
-          </a:p>
-        </p:txBody>
-      </p:sp>
-      <p:sp>
-        <p:nvSpPr>
-          <p:cNvPr id="6" name="TextBox 5"/>
-          <p:cNvSpPr txBox="1"/>
-          <p:nvPr/>
-        </p:nvSpPr>
-        <p:spPr>
-          <a:xfrm>
-            <a:off x="573206" y="1145888"/>
-            <a:ext cx="5000471" cy="1077218"/>
-          </a:xfrm>
-          <a:prstGeom prst="rect">
-            <a:avLst/>
-          </a:prstGeom>
-          <a:noFill/>
-        </p:spPr>
-        <p:txBody>
-          <a:bodyPr wrap="none" rtlCol="0">
-            <a:spAutoFit/>
-          </a:bodyPr>
-          <a:lstStyle/>
-          <a:p>
-            <a:r>
-              <a:rPr lang="en-US" sz="3200" dirty="0"/>
-              <a:t>Open:</a:t>
-            </a:r>
-          </a:p>
-          <a:p>
-            <a:r>
-              <a:rPr lang="en-US" sz="3200" dirty="0" err="1"/>
-              <a:t>A_Functions_basicEDA_Viz.R</a:t>
-            </a:r>
-            <a:endParaRPr lang="en-US" sz="3200" dirty="0"/>
-          </a:p>
-        </p:txBody>
-      </p:sp>
-      <p:sp>
-        <p:nvSpPr>
-          <p:cNvPr id="7" name="Rectangle 6"/>
-          <p:cNvSpPr/>
-          <p:nvPr/>
-        </p:nvSpPr>
-        <p:spPr>
-          <a:xfrm>
-            <a:off x="228600" y="5672137"/>
-            <a:ext cx="8686800" cy="614371"/>
-          </a:xfrm>
-          <a:prstGeom prst="rect">
-            <a:avLst/>
-          </a:prstGeom>
-        </p:spPr>
-        <p:style>
-          <a:lnRef idx="2">
-            <a:schemeClr val="accent1">
-              <a:shade val="50000"/>
-            </a:schemeClr>
-          </a:lnRef>
-          <a:fillRef idx="1">
-            <a:schemeClr val="accent1"/>
-          </a:fillRef>
-          <a:effectRef idx="0">
-            <a:schemeClr val="accent1"/>
-          </a:effectRef>
-          <a:fontRef idx="minor">
-            <a:schemeClr val="lt1"/>
-          </a:fontRef>
-        </p:style>
-        <p:txBody>
-          <a:bodyPr rtlCol="0" anchor="ctr"/>
-          <a:lstStyle/>
-          <a:p>
-            <a:pPr algn="ctr"/>
-            <a:r>
-              <a:rPr lang="en-US" dirty="0"/>
-              <a:t>Open the script, get familiar with libraries, reading data, functions applied to objects &amp; making visuals.</a:t>
-            </a:r>
-          </a:p>
-        </p:txBody>
-      </p:sp>
-      <p:cxnSp>
-        <p:nvCxnSpPr>
-          <p:cNvPr id="8" name="Straight Connector 7"/>
-          <p:cNvCxnSpPr/>
-          <p:nvPr/>
-        </p:nvCxnSpPr>
-        <p:spPr>
-          <a:xfrm>
-            <a:off x="228600" y="5543567"/>
-            <a:ext cx="8558213" cy="0"/>
-          </a:xfrm>
-          <a:prstGeom prst="line">
-            <a:avLst/>
-          </a:prstGeom>
-          <a:ln>
-            <a:solidFill>
-              <a:schemeClr val="accent5"/>
-            </a:solidFill>
-            <a:prstDash val="dash"/>
-          </a:ln>
-        </p:spPr>
-        <p:style>
-          <a:lnRef idx="1">
-            <a:schemeClr val="accent1"/>
-          </a:lnRef>
-          <a:fillRef idx="0">
-            <a:schemeClr val="accent1"/>
-          </a:fillRef>
-          <a:effectRef idx="0">
-            <a:schemeClr val="accent1"/>
-          </a:effectRef>
-          <a:fontRef idx="minor">
-            <a:schemeClr val="tx1"/>
-          </a:fontRef>
-        </p:style>
-      </p:cxnSp>
-      <p:sp>
-        <p:nvSpPr>
-          <p:cNvPr id="9" name="TextBox 8"/>
-          <p:cNvSpPr txBox="1"/>
-          <p:nvPr/>
-        </p:nvSpPr>
-        <p:spPr>
-          <a:xfrm>
-            <a:off x="685800" y="2373924"/>
-            <a:ext cx="1866986" cy="2862322"/>
-          </a:xfrm>
-          <a:prstGeom prst="rect">
-            <a:avLst/>
-          </a:prstGeom>
-          <a:noFill/>
-        </p:spPr>
-        <p:txBody>
-          <a:bodyPr wrap="none" rtlCol="0">
-            <a:spAutoFit/>
-          </a:bodyPr>
-          <a:lstStyle/>
-          <a:p>
-            <a:pPr marL="285750" indent="-285750">
-              <a:buFont typeface="Arial" panose="020B0604020202020204" pitchFamily="34" charset="0"/>
-              <a:buChar char="•"/>
-            </a:pPr>
-            <a:r>
-              <a:rPr lang="en-US" dirty="0"/>
-              <a:t>read.csv</a:t>
-            </a:r>
-          </a:p>
-          <a:p>
-            <a:pPr marL="285750" indent="-285750">
-              <a:buFont typeface="Arial" panose="020B0604020202020204" pitchFamily="34" charset="0"/>
-              <a:buChar char="•"/>
-            </a:pPr>
-            <a:r>
-              <a:rPr lang="en-US" dirty="0"/>
-              <a:t>dim()</a:t>
-            </a:r>
-          </a:p>
-          <a:p>
-            <a:pPr marL="285750" indent="-285750">
-              <a:buFont typeface="Arial" panose="020B0604020202020204" pitchFamily="34" charset="0"/>
-              <a:buChar char="•"/>
-            </a:pPr>
-            <a:r>
-              <a:rPr lang="en-US" dirty="0"/>
-              <a:t>table()</a:t>
-            </a:r>
-          </a:p>
-          <a:p>
-            <a:pPr marL="285750" indent="-285750">
-              <a:buFont typeface="Arial" panose="020B0604020202020204" pitchFamily="34" charset="0"/>
-              <a:buChar char="•"/>
-            </a:pPr>
-            <a:r>
-              <a:rPr lang="en-US" dirty="0"/>
-              <a:t>indexing</a:t>
-            </a:r>
-          </a:p>
-          <a:p>
-            <a:pPr marL="285750" indent="-285750">
-              <a:buFont typeface="Arial" panose="020B0604020202020204" pitchFamily="34" charset="0"/>
-              <a:buChar char="•"/>
-            </a:pPr>
-            <a:r>
-              <a:rPr lang="en-US" dirty="0"/>
-              <a:t>subset()</a:t>
-            </a:r>
-          </a:p>
-          <a:p>
-            <a:pPr marL="285750" indent="-285750">
-              <a:buFont typeface="Arial" panose="020B0604020202020204" pitchFamily="34" charset="0"/>
-              <a:buChar char="•"/>
-            </a:pPr>
-            <a:r>
-              <a:rPr lang="en-US" dirty="0"/>
-              <a:t>sample()</a:t>
-            </a:r>
-          </a:p>
-          <a:p>
-            <a:pPr marL="285750" indent="-285750">
-              <a:buFont typeface="Arial" panose="020B0604020202020204" pitchFamily="34" charset="0"/>
-              <a:buChar char="•"/>
-            </a:pPr>
-            <a:r>
-              <a:rPr lang="en-US" dirty="0" err="1"/>
-              <a:t>as.matrix</a:t>
-            </a:r>
-            <a:r>
-              <a:rPr lang="en-US" dirty="0"/>
-              <a:t>()</a:t>
-            </a:r>
-          </a:p>
-          <a:p>
-            <a:pPr marL="285750" indent="-285750">
-              <a:buFont typeface="Arial" panose="020B0604020202020204" pitchFamily="34" charset="0"/>
-              <a:buChar char="•"/>
-            </a:pPr>
-            <a:r>
-              <a:rPr lang="en-US" dirty="0" err="1"/>
-              <a:t>barplot</a:t>
-            </a:r>
-            <a:r>
-              <a:rPr lang="en-US" dirty="0"/>
-              <a:t>()</a:t>
-            </a:r>
-          </a:p>
-          <a:p>
-            <a:pPr marL="285750" indent="-285750">
-              <a:buFont typeface="Arial" panose="020B0604020202020204" pitchFamily="34" charset="0"/>
-              <a:buChar char="•"/>
-            </a:pPr>
-            <a:r>
-              <a:rPr lang="en-US" dirty="0" err="1"/>
-              <a:t>ggplot</a:t>
-            </a:r>
-            <a:r>
-              <a:rPr lang="en-US" dirty="0"/>
-              <a:t>()</a:t>
-            </a:r>
-          </a:p>
-          <a:p>
-            <a:pPr marL="285750" indent="-285750">
-              <a:buFont typeface="Arial" panose="020B0604020202020204" pitchFamily="34" charset="0"/>
-              <a:buChar char="•"/>
-            </a:pPr>
-            <a:r>
-              <a:rPr lang="en-US" dirty="0" err="1"/>
-              <a:t>Bokeh</a:t>
-            </a:r>
-            <a:r>
-              <a:rPr lang="en-US" dirty="0"/>
-              <a:t>::figure()</a:t>
-            </a:r>
-          </a:p>
-        </p:txBody>
-      </p:sp>
-      <p:sp>
-        <p:nvSpPr>
-          <p:cNvPr id="5" name="Footer Placeholder 4">
-            <a:extLst>
-              <a:ext uri="{FF2B5EF4-FFF2-40B4-BE49-F238E27FC236}">
-                <a16:creationId xmlns:a16="http://schemas.microsoft.com/office/drawing/2014/main" id="{9B024C45-6592-ABEA-AD3D-74CF4EF22C7D}"/>
-              </a:ext>
-            </a:extLst>
-          </p:cNvPr>
-          <p:cNvSpPr>
-            <a:spLocks noGrp="1"/>
-          </p:cNvSpPr>
-          <p:nvPr>
-            <p:ph type="ftr" sz="quarter" idx="3"/>
-          </p:nvPr>
-        </p:nvSpPr>
-        <p:spPr>
-          <a:xfrm>
-            <a:off x="3028950" y="6356351"/>
-            <a:ext cx="3086100" cy="365125"/>
-          </a:xfrm>
-        </p:spPr>
-        <p:txBody>
-          <a:bodyPr/>
-          <a:lstStyle/>
-          <a:p>
-            <a:r>
-              <a:rPr lang="en-US" dirty="0"/>
-              <a:t>Kwartler</a:t>
-            </a:r>
-          </a:p>
-        </p:txBody>
-      </p:sp>
-    </p:spTree>
-    <p:extLst>
-      <p:ext uri="{BB962C8B-B14F-4D97-AF65-F5344CB8AC3E}">
-        <p14:creationId xmlns:p14="http://schemas.microsoft.com/office/powerpoint/2010/main" val="2829511714"/>
       </p:ext>
     </p:extLst>
   </p:cSld>
